--- a/pics/2021-04-07-Kalman_filter/pics.pptx
+++ b/pics/2021-04-07-Kalman_filter/pics.pptx
@@ -6,6 +6,7 @@
   </p:sldMasterIdLst>
   <p:sldIdLst>
     <p:sldId id="256" r:id="rId2"/>
+    <p:sldId id="257" r:id="rId3"/>
   </p:sldIdLst>
   <p:sldSz cx="9144000" cy="6858000" type="screen4x3"/>
   <p:notesSz cx="6858000" cy="9144000"/>
@@ -3112,6 +3113,843 @@
 </p:sld>
 </file>
 
+<file path=ppt/slides/slide2.xml><?xml version="1.0" encoding="utf-8"?>
+<p:sld xmlns:a="http://schemas.openxmlformats.org/drawingml/2006/main" xmlns:r="http://schemas.openxmlformats.org/officeDocument/2006/relationships" xmlns:p="http://schemas.openxmlformats.org/presentationml/2006/main">
+  <p:cSld>
+    <p:spTree>
+      <p:nvGrpSpPr>
+        <p:cNvPr id="1" name=""/>
+        <p:cNvGrpSpPr/>
+        <p:nvPr/>
+      </p:nvGrpSpPr>
+      <p:grpSpPr>
+        <a:xfrm>
+          <a:off x="0" y="0"/>
+          <a:ext cx="0" cy="0"/>
+          <a:chOff x="0" y="0"/>
+          <a:chExt cx="0" cy="0"/>
+        </a:xfrm>
+      </p:grpSpPr>
+      <p:pic>
+        <p:nvPicPr>
+          <p:cNvPr id="1026" name="Picture 2"/>
+          <p:cNvPicPr>
+            <a:picLocks noChangeAspect="1" noChangeArrowheads="1"/>
+          </p:cNvPicPr>
+          <p:nvPr/>
+        </p:nvPicPr>
+        <p:blipFill>
+          <a:blip r:embed="rId2">
+            <a:extLst>
+              <a:ext uri="{28A0092B-C50C-407E-A947-70E740481C1C}">
+                <a14:useLocalDpi xmlns:a14="http://schemas.microsoft.com/office/drawing/2010/main" val="0"/>
+              </a:ext>
+            </a:extLst>
+          </a:blip>
+          <a:srcRect/>
+          <a:stretch>
+            <a:fillRect/>
+          </a:stretch>
+        </p:blipFill>
+        <p:spPr bwMode="auto">
+          <a:xfrm>
+            <a:off x="1909763" y="1433513"/>
+            <a:ext cx="5324475" cy="3990975"/>
+          </a:xfrm>
+          <a:prstGeom prst="rect">
+            <a:avLst/>
+          </a:prstGeom>
+          <a:noFill/>
+          <a:ln>
+            <a:noFill/>
+          </a:ln>
+          <a:effectLst/>
+          <a:extLst>
+            <a:ext uri="{909E8E84-426E-40DD-AFC4-6F175D3DCCD1}">
+              <a14:hiddenFill xmlns:a14="http://schemas.microsoft.com/office/drawing/2010/main">
+                <a:solidFill>
+                  <a:schemeClr val="accent1"/>
+                </a:solidFill>
+              </a14:hiddenFill>
+            </a:ext>
+            <a:ext uri="{91240B29-F687-4F45-9708-019B960494DF}">
+              <a14:hiddenLine xmlns:a14="http://schemas.microsoft.com/office/drawing/2010/main" w="9525">
+                <a:solidFill>
+                  <a:schemeClr val="tx1"/>
+                </a:solidFill>
+                <a:miter lim="800000"/>
+                <a:headEnd/>
+                <a:tailEnd/>
+              </a14:hiddenLine>
+            </a:ext>
+            <a:ext uri="{AF507438-7753-43E0-B8FC-AC1667EBCBE1}">
+              <a14:hiddenEffects xmlns:a14="http://schemas.microsoft.com/office/drawing/2010/main">
+                <a:effectLst>
+                  <a:outerShdw dist="35921" dir="2700000" algn="ctr" rotWithShape="0">
+                    <a:schemeClr val="bg2"/>
+                  </a:outerShdw>
+                </a:effectLst>
+              </a14:hiddenEffects>
+            </a:ext>
+          </a:extLst>
+        </p:spPr>
+      </p:pic>
+      <mc:AlternateContent xmlns:mc="http://schemas.openxmlformats.org/markup-compatibility/2006">
+        <mc:Choice xmlns:a14="http://schemas.microsoft.com/office/drawing/2010/main" Requires="a14">
+          <p:sp>
+            <p:nvSpPr>
+              <p:cNvPr id="4" name="TextBox 3"/>
+              <p:cNvSpPr txBox="1"/>
+              <p:nvPr/>
+            </p:nvSpPr>
+            <p:spPr>
+              <a:xfrm>
+                <a:off x="2051720" y="2551841"/>
+                <a:ext cx="1651799" cy="405688"/>
+              </a:xfrm>
+              <a:prstGeom prst="rect">
+                <a:avLst/>
+              </a:prstGeom>
+              <a:solidFill>
+                <a:schemeClr val="bg1"/>
+              </a:solidFill>
+              <a:ln w="38100">
+                <a:solidFill>
+                  <a:schemeClr val="accent1"/>
+                </a:solidFill>
+              </a:ln>
+            </p:spPr>
+            <p:txBody>
+              <a:bodyPr wrap="none" rtlCol="0">
+                <a:spAutoFit/>
+              </a:bodyPr>
+              <a:lstStyle/>
+              <a:p>
+                <a14:m>
+                  <m:oMathPara xmlns:m="http://schemas.openxmlformats.org/officeDocument/2006/math">
+                    <m:oMathParaPr>
+                      <m:jc m:val="centerGroup"/>
+                    </m:oMathParaPr>
+                    <m:oMath xmlns:m="http://schemas.openxmlformats.org/officeDocument/2006/math">
+                      <m:sSub>
+                        <m:sSubPr>
+                          <m:ctrlPr>
+                            <a:rPr lang="en-US" altLang="ko-KR" b="1" i="1" smtClean="0">
+                              <a:solidFill>
+                                <a:srgbClr val="0072BD"/>
+                              </a:solidFill>
+                              <a:latin typeface="Cambria Math"/>
+                            </a:rPr>
+                          </m:ctrlPr>
+                        </m:sSubPr>
+                        <m:e>
+                          <m:r>
+                            <a:rPr lang="ko-KR" altLang="en-US" b="1" i="1" smtClean="0">
+                              <a:solidFill>
+                                <a:srgbClr val="0072BD"/>
+                              </a:solidFill>
+                              <a:latin typeface="Cambria Math"/>
+                            </a:rPr>
+                            <m:t>𝓝</m:t>
+                          </m:r>
+                        </m:e>
+                        <m:sub>
+                          <m:r>
+                            <a:rPr lang="en-US" altLang="ko-KR" b="1" i="1" smtClean="0">
+                              <a:solidFill>
+                                <a:srgbClr val="0072BD"/>
+                              </a:solidFill>
+                              <a:latin typeface="Cambria Math"/>
+                            </a:rPr>
+                            <m:t>𝟏</m:t>
+                          </m:r>
+                        </m:sub>
+                      </m:sSub>
+                      <m:d>
+                        <m:dPr>
+                          <m:ctrlPr>
+                            <a:rPr lang="en-US" altLang="ko-KR" b="1" i="1" smtClean="0">
+                              <a:solidFill>
+                                <a:srgbClr val="0072BD"/>
+                              </a:solidFill>
+                              <a:latin typeface="Cambria Math"/>
+                            </a:rPr>
+                          </m:ctrlPr>
+                        </m:dPr>
+                        <m:e>
+                          <m:r>
+                            <a:rPr lang="en-US" altLang="ko-KR" b="1" i="1" smtClean="0">
+                              <a:solidFill>
+                                <a:srgbClr val="0072BD"/>
+                              </a:solidFill>
+                              <a:latin typeface="Cambria Math"/>
+                            </a:rPr>
+                            <m:t>𝒙</m:t>
+                          </m:r>
+                          <m:r>
+                            <a:rPr lang="en-US" altLang="ko-KR" b="1" i="1" smtClean="0">
+                              <a:solidFill>
+                                <a:srgbClr val="0072BD"/>
+                              </a:solidFill>
+                              <a:latin typeface="Cambria Math"/>
+                            </a:rPr>
+                            <m:t>;</m:t>
+                          </m:r>
+                          <m:sSub>
+                            <m:sSubPr>
+                              <m:ctrlPr>
+                                <a:rPr lang="en-US" altLang="ko-KR" b="1" i="1" smtClean="0">
+                                  <a:solidFill>
+                                    <a:srgbClr val="0072BD"/>
+                                  </a:solidFill>
+                                  <a:latin typeface="Cambria Math"/>
+                                </a:rPr>
+                              </m:ctrlPr>
+                            </m:sSubPr>
+                            <m:e>
+                              <m:r>
+                                <a:rPr lang="en-US" altLang="ko-KR" b="1" i="1" smtClean="0">
+                                  <a:solidFill>
+                                    <a:srgbClr val="0072BD"/>
+                                  </a:solidFill>
+                                  <a:latin typeface="Cambria Math"/>
+                                </a:rPr>
+                                <m:t>𝝁</m:t>
+                              </m:r>
+                            </m:e>
+                            <m:sub>
+                              <m:r>
+                                <a:rPr lang="en-US" altLang="ko-KR" b="1" i="1" smtClean="0">
+                                  <a:solidFill>
+                                    <a:srgbClr val="0072BD"/>
+                                  </a:solidFill>
+                                  <a:latin typeface="Cambria Math"/>
+                                </a:rPr>
+                                <m:t>𝟏</m:t>
+                              </m:r>
+                            </m:sub>
+                          </m:sSub>
+                          <m:r>
+                            <a:rPr lang="en-US" altLang="ko-KR" b="1" i="1" smtClean="0">
+                              <a:solidFill>
+                                <a:srgbClr val="0072BD"/>
+                              </a:solidFill>
+                              <a:latin typeface="Cambria Math"/>
+                            </a:rPr>
+                            <m:t>,</m:t>
+                          </m:r>
+                          <m:sSubSup>
+                            <m:sSubSupPr>
+                              <m:ctrlPr>
+                                <a:rPr lang="en-US" altLang="ko-KR" b="1" i="1" smtClean="0">
+                                  <a:solidFill>
+                                    <a:srgbClr val="0072BD"/>
+                                  </a:solidFill>
+                                  <a:latin typeface="Cambria Math"/>
+                                </a:rPr>
+                              </m:ctrlPr>
+                            </m:sSubSupPr>
+                            <m:e>
+                              <m:r>
+                                <a:rPr lang="en-US" altLang="ko-KR" b="1" i="1" smtClean="0">
+                                  <a:solidFill>
+                                    <a:srgbClr val="0072BD"/>
+                                  </a:solidFill>
+                                  <a:latin typeface="Cambria Math"/>
+                                </a:rPr>
+                                <m:t>𝝈</m:t>
+                              </m:r>
+                            </m:e>
+                            <m:sub>
+                              <m:r>
+                                <a:rPr lang="en-US" altLang="ko-KR" b="1" i="1" smtClean="0">
+                                  <a:solidFill>
+                                    <a:srgbClr val="0072BD"/>
+                                  </a:solidFill>
+                                  <a:latin typeface="Cambria Math"/>
+                                </a:rPr>
+                                <m:t>𝟏</m:t>
+                              </m:r>
+                            </m:sub>
+                            <m:sup>
+                              <m:r>
+                                <a:rPr lang="en-US" altLang="ko-KR" b="1" i="1" smtClean="0">
+                                  <a:solidFill>
+                                    <a:srgbClr val="0072BD"/>
+                                  </a:solidFill>
+                                  <a:latin typeface="Cambria Math"/>
+                                </a:rPr>
+                                <m:t>𝟐</m:t>
+                              </m:r>
+                            </m:sup>
+                          </m:sSubSup>
+                        </m:e>
+                      </m:d>
+                    </m:oMath>
+                  </m:oMathPara>
+                </a14:m>
+                <a:endParaRPr lang="ko-KR" altLang="en-US" b="1" dirty="0">
+                  <a:solidFill>
+                    <a:srgbClr val="0072BD"/>
+                  </a:solidFill>
+                </a:endParaRPr>
+              </a:p>
+            </p:txBody>
+          </p:sp>
+        </mc:Choice>
+        <mc:Fallback>
+          <p:sp>
+            <p:nvSpPr>
+              <p:cNvPr id="4" name="TextBox 3"/>
+              <p:cNvSpPr txBox="1">
+                <a:spLocks noRot="1" noChangeAspect="1" noMove="1" noResize="1" noEditPoints="1" noAdjustHandles="1" noChangeArrowheads="1" noChangeShapeType="1" noTextEdit="1"/>
+              </p:cNvSpPr>
+              <p:nvPr/>
+            </p:nvSpPr>
+            <p:spPr>
+              <a:xfrm>
+                <a:off x="2051720" y="2551841"/>
+                <a:ext cx="1651799" cy="405688"/>
+              </a:xfrm>
+              <a:prstGeom prst="rect">
+                <a:avLst/>
+              </a:prstGeom>
+              <a:blipFill rotWithShape="1">
+                <a:blip r:embed="rId3"/>
+                <a:stretch>
+                  <a:fillRect/>
+                </a:stretch>
+              </a:blipFill>
+              <a:ln w="38100">
+                <a:solidFill>
+                  <a:schemeClr val="accent1"/>
+                </a:solidFill>
+              </a:ln>
+            </p:spPr>
+            <p:txBody>
+              <a:bodyPr/>
+              <a:lstStyle/>
+              <a:p>
+                <a:r>
+                  <a:rPr lang="ko-KR" altLang="en-US">
+                    <a:noFill/>
+                  </a:rPr>
+                  <a:t> </a:t>
+                </a:r>
+              </a:p>
+            </p:txBody>
+          </p:sp>
+        </mc:Fallback>
+      </mc:AlternateContent>
+      <mc:AlternateContent xmlns:mc="http://schemas.openxmlformats.org/markup-compatibility/2006">
+        <mc:Choice xmlns:a14="http://schemas.microsoft.com/office/drawing/2010/main" Requires="a14">
+          <p:sp>
+            <p:nvSpPr>
+              <p:cNvPr id="6" name="TextBox 5"/>
+              <p:cNvSpPr txBox="1"/>
+              <p:nvPr/>
+            </p:nvSpPr>
+            <p:spPr>
+              <a:xfrm>
+                <a:off x="5008433" y="3226156"/>
+                <a:ext cx="1651799" cy="405688"/>
+              </a:xfrm>
+              <a:prstGeom prst="rect">
+                <a:avLst/>
+              </a:prstGeom>
+              <a:solidFill>
+                <a:schemeClr val="bg1"/>
+              </a:solidFill>
+              <a:ln w="38100">
+                <a:solidFill>
+                  <a:srgbClr val="D95319"/>
+                </a:solidFill>
+              </a:ln>
+            </p:spPr>
+            <p:txBody>
+              <a:bodyPr wrap="none" rtlCol="0">
+                <a:spAutoFit/>
+              </a:bodyPr>
+              <a:lstStyle/>
+              <a:p>
+                <a14:m>
+                  <m:oMathPara xmlns:m="http://schemas.openxmlformats.org/officeDocument/2006/math">
+                    <m:oMathParaPr>
+                      <m:jc m:val="centerGroup"/>
+                    </m:oMathParaPr>
+                    <m:oMath xmlns:m="http://schemas.openxmlformats.org/officeDocument/2006/math">
+                      <m:sSub>
+                        <m:sSubPr>
+                          <m:ctrlPr>
+                            <a:rPr lang="en-US" altLang="ko-KR" b="1" i="1" smtClean="0">
+                              <a:solidFill>
+                                <a:srgbClr val="D95319"/>
+                              </a:solidFill>
+                              <a:latin typeface="Cambria Math"/>
+                            </a:rPr>
+                          </m:ctrlPr>
+                        </m:sSubPr>
+                        <m:e>
+                          <m:r>
+                            <a:rPr lang="ko-KR" altLang="en-US" b="1" i="1" smtClean="0">
+                              <a:solidFill>
+                                <a:srgbClr val="D95319"/>
+                              </a:solidFill>
+                              <a:latin typeface="Cambria Math"/>
+                            </a:rPr>
+                            <m:t>𝓝</m:t>
+                          </m:r>
+                        </m:e>
+                        <m:sub>
+                          <m:r>
+                            <a:rPr lang="en-US" altLang="ko-KR" b="1" i="1" smtClean="0">
+                              <a:solidFill>
+                                <a:srgbClr val="D95319"/>
+                              </a:solidFill>
+                              <a:latin typeface="Cambria Math"/>
+                            </a:rPr>
+                            <m:t>𝟐</m:t>
+                          </m:r>
+                        </m:sub>
+                      </m:sSub>
+                      <m:d>
+                        <m:dPr>
+                          <m:ctrlPr>
+                            <a:rPr lang="en-US" altLang="ko-KR" b="1" i="1" smtClean="0">
+                              <a:solidFill>
+                                <a:srgbClr val="D95319"/>
+                              </a:solidFill>
+                              <a:latin typeface="Cambria Math"/>
+                            </a:rPr>
+                          </m:ctrlPr>
+                        </m:dPr>
+                        <m:e>
+                          <m:r>
+                            <a:rPr lang="en-US" altLang="ko-KR" b="1" i="1" smtClean="0">
+                              <a:solidFill>
+                                <a:srgbClr val="D95319"/>
+                              </a:solidFill>
+                              <a:latin typeface="Cambria Math"/>
+                            </a:rPr>
+                            <m:t>𝒙</m:t>
+                          </m:r>
+                          <m:r>
+                            <a:rPr lang="en-US" altLang="ko-KR" b="1" i="1" smtClean="0">
+                              <a:solidFill>
+                                <a:srgbClr val="D95319"/>
+                              </a:solidFill>
+                              <a:latin typeface="Cambria Math"/>
+                            </a:rPr>
+                            <m:t>;</m:t>
+                          </m:r>
+                          <m:sSub>
+                            <m:sSubPr>
+                              <m:ctrlPr>
+                                <a:rPr lang="en-US" altLang="ko-KR" b="1" i="1" smtClean="0">
+                                  <a:solidFill>
+                                    <a:srgbClr val="D95319"/>
+                                  </a:solidFill>
+                                  <a:latin typeface="Cambria Math"/>
+                                </a:rPr>
+                              </m:ctrlPr>
+                            </m:sSubPr>
+                            <m:e>
+                              <m:r>
+                                <a:rPr lang="en-US" altLang="ko-KR" b="1" i="1" smtClean="0">
+                                  <a:solidFill>
+                                    <a:srgbClr val="D95319"/>
+                                  </a:solidFill>
+                                  <a:latin typeface="Cambria Math"/>
+                                </a:rPr>
+                                <m:t>𝝁</m:t>
+                              </m:r>
+                            </m:e>
+                            <m:sub>
+                              <m:r>
+                                <a:rPr lang="en-US" altLang="ko-KR" b="1" i="1" smtClean="0">
+                                  <a:solidFill>
+                                    <a:srgbClr val="D95319"/>
+                                  </a:solidFill>
+                                  <a:latin typeface="Cambria Math"/>
+                                </a:rPr>
+                                <m:t>𝟐</m:t>
+                              </m:r>
+                            </m:sub>
+                          </m:sSub>
+                          <m:r>
+                            <a:rPr lang="en-US" altLang="ko-KR" b="1" i="1" smtClean="0">
+                              <a:solidFill>
+                                <a:srgbClr val="D95319"/>
+                              </a:solidFill>
+                              <a:latin typeface="Cambria Math"/>
+                            </a:rPr>
+                            <m:t>,</m:t>
+                          </m:r>
+                          <m:sSubSup>
+                            <m:sSubSupPr>
+                              <m:ctrlPr>
+                                <a:rPr lang="en-US" altLang="ko-KR" b="1" i="1" smtClean="0">
+                                  <a:solidFill>
+                                    <a:srgbClr val="D95319"/>
+                                  </a:solidFill>
+                                  <a:latin typeface="Cambria Math"/>
+                                </a:rPr>
+                              </m:ctrlPr>
+                            </m:sSubSupPr>
+                            <m:e>
+                              <m:r>
+                                <a:rPr lang="en-US" altLang="ko-KR" b="1" i="1" smtClean="0">
+                                  <a:solidFill>
+                                    <a:srgbClr val="D95319"/>
+                                  </a:solidFill>
+                                  <a:latin typeface="Cambria Math"/>
+                                </a:rPr>
+                                <m:t>𝝈</m:t>
+                              </m:r>
+                            </m:e>
+                            <m:sub>
+                              <m:r>
+                                <a:rPr lang="en-US" altLang="ko-KR" b="1" i="1" smtClean="0">
+                                  <a:solidFill>
+                                    <a:srgbClr val="D95319"/>
+                                  </a:solidFill>
+                                  <a:latin typeface="Cambria Math"/>
+                                </a:rPr>
+                                <m:t>𝟐</m:t>
+                              </m:r>
+                            </m:sub>
+                            <m:sup>
+                              <m:r>
+                                <a:rPr lang="en-US" altLang="ko-KR" b="1" i="1" smtClean="0">
+                                  <a:solidFill>
+                                    <a:srgbClr val="D95319"/>
+                                  </a:solidFill>
+                                  <a:latin typeface="Cambria Math"/>
+                                </a:rPr>
+                                <m:t>𝟐</m:t>
+                              </m:r>
+                            </m:sup>
+                          </m:sSubSup>
+                        </m:e>
+                      </m:d>
+                    </m:oMath>
+                  </m:oMathPara>
+                </a14:m>
+                <a:endParaRPr lang="ko-KR" altLang="en-US" b="1" dirty="0">
+                  <a:solidFill>
+                    <a:srgbClr val="D95319"/>
+                  </a:solidFill>
+                </a:endParaRPr>
+              </a:p>
+            </p:txBody>
+          </p:sp>
+        </mc:Choice>
+        <mc:Fallback>
+          <p:sp>
+            <p:nvSpPr>
+              <p:cNvPr id="6" name="TextBox 5"/>
+              <p:cNvSpPr txBox="1">
+                <a:spLocks noRot="1" noChangeAspect="1" noMove="1" noResize="1" noEditPoints="1" noAdjustHandles="1" noChangeArrowheads="1" noChangeShapeType="1" noTextEdit="1"/>
+              </p:cNvSpPr>
+              <p:nvPr/>
+            </p:nvSpPr>
+            <p:spPr>
+              <a:xfrm>
+                <a:off x="5008433" y="3226156"/>
+                <a:ext cx="1651799" cy="405688"/>
+              </a:xfrm>
+              <a:prstGeom prst="rect">
+                <a:avLst/>
+              </a:prstGeom>
+              <a:blipFill rotWithShape="1">
+                <a:blip r:embed="rId4"/>
+                <a:stretch>
+                  <a:fillRect/>
+                </a:stretch>
+              </a:blipFill>
+              <a:ln w="38100">
+                <a:solidFill>
+                  <a:srgbClr val="D95319"/>
+                </a:solidFill>
+              </a:ln>
+            </p:spPr>
+            <p:txBody>
+              <a:bodyPr/>
+              <a:lstStyle/>
+              <a:p>
+                <a:r>
+                  <a:rPr lang="ko-KR" altLang="en-US">
+                    <a:noFill/>
+                  </a:rPr>
+                  <a:t> </a:t>
+                </a:r>
+              </a:p>
+            </p:txBody>
+          </p:sp>
+        </mc:Fallback>
+      </mc:AlternateContent>
+      <mc:AlternateContent xmlns:mc="http://schemas.openxmlformats.org/markup-compatibility/2006">
+        <mc:Choice xmlns:a14="http://schemas.microsoft.com/office/drawing/2010/main" Requires="a14">
+          <p:sp>
+            <p:nvSpPr>
+              <p:cNvPr id="7" name="TextBox 6"/>
+              <p:cNvSpPr txBox="1"/>
+              <p:nvPr/>
+            </p:nvSpPr>
+            <p:spPr>
+              <a:xfrm>
+                <a:off x="4450334" y="2015905"/>
+                <a:ext cx="2353914" cy="404983"/>
+              </a:xfrm>
+              <a:prstGeom prst="rect">
+                <a:avLst/>
+              </a:prstGeom>
+              <a:solidFill>
+                <a:schemeClr val="accent5">
+                  <a:lumMod val="75000"/>
+                </a:schemeClr>
+              </a:solidFill>
+              <a:ln w="38100">
+                <a:solidFill>
+                  <a:srgbClr val="EDB120"/>
+                </a:solidFill>
+              </a:ln>
+            </p:spPr>
+            <p:txBody>
+              <a:bodyPr wrap="none" rtlCol="0">
+                <a:spAutoFit/>
+              </a:bodyPr>
+              <a:lstStyle/>
+              <a:p>
+                <a14:m>
+                  <m:oMathPara xmlns:m="http://schemas.openxmlformats.org/officeDocument/2006/math">
+                    <m:oMathParaPr>
+                      <m:jc m:val="centerGroup"/>
+                    </m:oMathParaPr>
+                    <m:oMath xmlns:m="http://schemas.openxmlformats.org/officeDocument/2006/math">
+                      <m:sSub>
+                        <m:sSubPr>
+                          <m:ctrlPr>
+                            <a:rPr lang="en-US" altLang="ko-KR" b="1" i="1" smtClean="0">
+                              <a:solidFill>
+                                <a:srgbClr val="EDB120"/>
+                              </a:solidFill>
+                              <a:latin typeface="Cambria Math"/>
+                            </a:rPr>
+                          </m:ctrlPr>
+                        </m:sSubPr>
+                        <m:e>
+                          <m:r>
+                            <a:rPr lang="ko-KR" altLang="en-US" b="1" i="1" smtClean="0">
+                              <a:solidFill>
+                                <a:srgbClr val="EDB120"/>
+                              </a:solidFill>
+                              <a:latin typeface="Cambria Math"/>
+                            </a:rPr>
+                            <m:t>𝓝</m:t>
+                          </m:r>
+                        </m:e>
+                        <m:sub>
+                          <m:r>
+                            <a:rPr lang="en-US" altLang="ko-KR" b="1" i="1" smtClean="0">
+                              <a:solidFill>
+                                <a:srgbClr val="EDB120"/>
+                              </a:solidFill>
+                              <a:latin typeface="Cambria Math"/>
+                            </a:rPr>
+                            <m:t>𝒏𝒆𝒘</m:t>
+                          </m:r>
+                        </m:sub>
+                      </m:sSub>
+                      <m:d>
+                        <m:dPr>
+                          <m:ctrlPr>
+                            <a:rPr lang="en-US" altLang="ko-KR" b="1" i="1" smtClean="0">
+                              <a:solidFill>
+                                <a:srgbClr val="EDB120"/>
+                              </a:solidFill>
+                              <a:latin typeface="Cambria Math"/>
+                            </a:rPr>
+                          </m:ctrlPr>
+                        </m:dPr>
+                        <m:e>
+                          <m:r>
+                            <a:rPr lang="en-US" altLang="ko-KR" b="1" i="1" smtClean="0">
+                              <a:solidFill>
+                                <a:srgbClr val="EDB120"/>
+                              </a:solidFill>
+                              <a:latin typeface="Cambria Math"/>
+                            </a:rPr>
+                            <m:t>𝒙</m:t>
+                          </m:r>
+                          <m:r>
+                            <a:rPr lang="en-US" altLang="ko-KR" b="1" i="1" smtClean="0">
+                              <a:solidFill>
+                                <a:srgbClr val="EDB120"/>
+                              </a:solidFill>
+                              <a:latin typeface="Cambria Math"/>
+                            </a:rPr>
+                            <m:t>;</m:t>
+                          </m:r>
+                          <m:sSub>
+                            <m:sSubPr>
+                              <m:ctrlPr>
+                                <a:rPr lang="en-US" altLang="ko-KR" b="1" i="1" smtClean="0">
+                                  <a:solidFill>
+                                    <a:srgbClr val="EDB120"/>
+                                  </a:solidFill>
+                                  <a:latin typeface="Cambria Math"/>
+                                </a:rPr>
+                              </m:ctrlPr>
+                            </m:sSubPr>
+                            <m:e>
+                              <m:r>
+                                <a:rPr lang="en-US" altLang="ko-KR" b="1" i="1" smtClean="0">
+                                  <a:solidFill>
+                                    <a:srgbClr val="EDB120"/>
+                                  </a:solidFill>
+                                  <a:latin typeface="Cambria Math"/>
+                                </a:rPr>
+                                <m:t>𝝁</m:t>
+                              </m:r>
+                            </m:e>
+                            <m:sub>
+                              <m:r>
+                                <a:rPr lang="en-US" altLang="ko-KR" b="1" i="1" smtClean="0">
+                                  <a:solidFill>
+                                    <a:srgbClr val="EDB120"/>
+                                  </a:solidFill>
+                                  <a:latin typeface="Cambria Math"/>
+                                </a:rPr>
+                                <m:t>𝒏𝒆𝒘</m:t>
+                              </m:r>
+                            </m:sub>
+                          </m:sSub>
+                          <m:r>
+                            <a:rPr lang="en-US" altLang="ko-KR" b="1" i="1" smtClean="0">
+                              <a:solidFill>
+                                <a:srgbClr val="EDB120"/>
+                              </a:solidFill>
+                              <a:latin typeface="Cambria Math"/>
+                            </a:rPr>
+                            <m:t>,</m:t>
+                          </m:r>
+                          <m:sSubSup>
+                            <m:sSubSupPr>
+                              <m:ctrlPr>
+                                <a:rPr lang="en-US" altLang="ko-KR" b="1" i="1" smtClean="0">
+                                  <a:solidFill>
+                                    <a:srgbClr val="EDB120"/>
+                                  </a:solidFill>
+                                  <a:latin typeface="Cambria Math"/>
+                                </a:rPr>
+                              </m:ctrlPr>
+                            </m:sSubSupPr>
+                            <m:e>
+                              <m:r>
+                                <a:rPr lang="en-US" altLang="ko-KR" b="1" i="1" smtClean="0">
+                                  <a:solidFill>
+                                    <a:srgbClr val="EDB120"/>
+                                  </a:solidFill>
+                                  <a:latin typeface="Cambria Math"/>
+                                </a:rPr>
+                                <m:t>𝝈</m:t>
+                              </m:r>
+                            </m:e>
+                            <m:sub>
+                              <m:r>
+                                <a:rPr lang="en-US" altLang="ko-KR" b="1" i="1" smtClean="0">
+                                  <a:solidFill>
+                                    <a:srgbClr val="EDB120"/>
+                                  </a:solidFill>
+                                  <a:latin typeface="Cambria Math"/>
+                                </a:rPr>
+                                <m:t>𝒏𝒆𝒘</m:t>
+                              </m:r>
+                            </m:sub>
+                            <m:sup>
+                              <m:r>
+                                <a:rPr lang="en-US" altLang="ko-KR" b="1" i="1" smtClean="0">
+                                  <a:solidFill>
+                                    <a:srgbClr val="EDB120"/>
+                                  </a:solidFill>
+                                  <a:latin typeface="Cambria Math"/>
+                                </a:rPr>
+                                <m:t>𝟐</m:t>
+                              </m:r>
+                            </m:sup>
+                          </m:sSubSup>
+                        </m:e>
+                      </m:d>
+                    </m:oMath>
+                  </m:oMathPara>
+                </a14:m>
+                <a:endParaRPr lang="ko-KR" altLang="en-US" b="1" dirty="0">
+                  <a:solidFill>
+                    <a:srgbClr val="EDB120"/>
+                  </a:solidFill>
+                </a:endParaRPr>
+              </a:p>
+            </p:txBody>
+          </p:sp>
+        </mc:Choice>
+        <mc:Fallback>
+          <p:sp>
+            <p:nvSpPr>
+              <p:cNvPr id="7" name="TextBox 6"/>
+              <p:cNvSpPr txBox="1">
+                <a:spLocks noRot="1" noChangeAspect="1" noMove="1" noResize="1" noEditPoints="1" noAdjustHandles="1" noChangeArrowheads="1" noChangeShapeType="1" noTextEdit="1"/>
+              </p:cNvSpPr>
+              <p:nvPr/>
+            </p:nvSpPr>
+            <p:spPr>
+              <a:xfrm>
+                <a:off x="4450334" y="2015905"/>
+                <a:ext cx="2353914" cy="404983"/>
+              </a:xfrm>
+              <a:prstGeom prst="rect">
+                <a:avLst/>
+              </a:prstGeom>
+              <a:blipFill rotWithShape="1">
+                <a:blip r:embed="rId5"/>
+                <a:stretch>
+                  <a:fillRect/>
+                </a:stretch>
+              </a:blipFill>
+              <a:ln w="38100">
+                <a:solidFill>
+                  <a:srgbClr val="EDB120"/>
+                </a:solidFill>
+              </a:ln>
+            </p:spPr>
+            <p:txBody>
+              <a:bodyPr/>
+              <a:lstStyle/>
+              <a:p>
+                <a:r>
+                  <a:rPr lang="ko-KR" altLang="en-US">
+                    <a:noFill/>
+                  </a:rPr>
+                  <a:t> </a:t>
+                </a:r>
+              </a:p>
+            </p:txBody>
+          </p:sp>
+        </mc:Fallback>
+      </mc:AlternateContent>
+    </p:spTree>
+    <p:extLst>
+      <p:ext uri="{BB962C8B-B14F-4D97-AF65-F5344CB8AC3E}">
+        <p14:creationId xmlns:p14="http://schemas.microsoft.com/office/powerpoint/2010/main" val="221633113"/>
+      </p:ext>
+    </p:extLst>
+  </p:cSld>
+  <p:clrMapOvr>
+    <a:masterClrMapping/>
+  </p:clrMapOvr>
+</p:sld>
+</file>
+
 <file path=ppt/theme/theme1.xml><?xml version="1.0" encoding="utf-8"?>
 <a:theme xmlns:a="http://schemas.openxmlformats.org/drawingml/2006/main" name="Office 테마">
   <a:themeElements>

--- a/pics/2021-04-07-Kalman_filter/pics.pptx
+++ b/pics/2021-04-07-Kalman_filter/pics.pptx
@@ -7,6 +7,7 @@
   <p:sldIdLst>
     <p:sldId id="256" r:id="rId2"/>
     <p:sldId id="257" r:id="rId3"/>
+    <p:sldId id="258" r:id="rId4"/>
   </p:sldIdLst>
   <p:sldSz cx="9144000" cy="6858000" type="screen4x3"/>
   <p:notesSz cx="6858000" cy="9144000"/>
@@ -3194,8 +3195,8 @@
           </a:extLst>
         </p:spPr>
       </p:pic>
-      <mc:AlternateContent xmlns:mc="http://schemas.openxmlformats.org/markup-compatibility/2006">
-        <mc:Choice xmlns:a14="http://schemas.microsoft.com/office/drawing/2010/main" Requires="a14">
+      <mc:AlternateContent xmlns:mc="http://schemas.openxmlformats.org/markup-compatibility/2006" xmlns:a14="http://schemas.microsoft.com/office/drawing/2010/main">
+        <mc:Choice Requires="a14">
           <p:sp>
             <p:nvSpPr>
               <p:cNvPr id="4" name="TextBox 3"/>
@@ -3225,6 +3226,7 @@
               </a:bodyPr>
               <a:lstStyle/>
               <a:p>
+                <a:pPr/>
                 <a14:m>
                   <m:oMathPara xmlns:m="http://schemas.openxmlformats.org/officeDocument/2006/math">
                     <m:oMathParaPr>
@@ -3397,7 +3399,7 @@
             </p:txBody>
           </p:sp>
         </mc:Choice>
-        <mc:Fallback>
+        <mc:Fallback xmlns="">
           <p:sp>
             <p:nvSpPr>
               <p:cNvPr id="4" name="TextBox 3"/>
@@ -3441,8 +3443,8 @@
           </p:sp>
         </mc:Fallback>
       </mc:AlternateContent>
-      <mc:AlternateContent xmlns:mc="http://schemas.openxmlformats.org/markup-compatibility/2006">
-        <mc:Choice xmlns:a14="http://schemas.microsoft.com/office/drawing/2010/main" Requires="a14">
+      <mc:AlternateContent xmlns:mc="http://schemas.openxmlformats.org/markup-compatibility/2006" xmlns:a14="http://schemas.microsoft.com/office/drawing/2010/main">
+        <mc:Choice Requires="a14">
           <p:sp>
             <p:nvSpPr>
               <p:cNvPr id="6" name="TextBox 5"/>
@@ -3472,6 +3474,7 @@
               </a:bodyPr>
               <a:lstStyle/>
               <a:p>
+                <a:pPr/>
                 <a14:m>
                   <m:oMathPara xmlns:m="http://schemas.openxmlformats.org/officeDocument/2006/math">
                     <m:oMathParaPr>
@@ -3644,7 +3647,7 @@
             </p:txBody>
           </p:sp>
         </mc:Choice>
-        <mc:Fallback>
+        <mc:Fallback xmlns="">
           <p:sp>
             <p:nvSpPr>
               <p:cNvPr id="6" name="TextBox 5"/>
@@ -3705,8 +3708,9 @@
                 <a:avLst/>
               </a:prstGeom>
               <a:solidFill>
-                <a:schemeClr val="accent5">
+                <a:schemeClr val="tx1">
                   <a:lumMod val="75000"/>
+                  <a:lumOff val="25000"/>
                 </a:schemeClr>
               </a:solidFill>
               <a:ln w="38100">
@@ -3721,6 +3725,7 @@
               </a:bodyPr>
               <a:lstStyle/>
               <a:p>
+                <a:pPr/>
                 <a14:m>
                   <m:oMathPara xmlns:m="http://schemas.openxmlformats.org/officeDocument/2006/math">
                     <m:oMathParaPr>
@@ -3941,6 +3946,1006 @@
     <p:extLst>
       <p:ext uri="{BB962C8B-B14F-4D97-AF65-F5344CB8AC3E}">
         <p14:creationId xmlns:p14="http://schemas.microsoft.com/office/powerpoint/2010/main" val="221633113"/>
+      </p:ext>
+    </p:extLst>
+  </p:cSld>
+  <p:clrMapOvr>
+    <a:masterClrMapping/>
+  </p:clrMapOvr>
+</p:sld>
+</file>
+
+<file path=ppt/slides/slide3.xml><?xml version="1.0" encoding="utf-8"?>
+<p:sld xmlns:a="http://schemas.openxmlformats.org/drawingml/2006/main" xmlns:r="http://schemas.openxmlformats.org/officeDocument/2006/relationships" xmlns:p="http://schemas.openxmlformats.org/presentationml/2006/main">
+  <p:cSld>
+    <p:spTree>
+      <p:nvGrpSpPr>
+        <p:cNvPr id="1" name=""/>
+        <p:cNvGrpSpPr/>
+        <p:nvPr/>
+      </p:nvGrpSpPr>
+      <p:grpSpPr>
+        <a:xfrm>
+          <a:off x="0" y="0"/>
+          <a:ext cx="0" cy="0"/>
+          <a:chOff x="0" y="0"/>
+          <a:chExt cx="0" cy="0"/>
+        </a:xfrm>
+      </p:grpSpPr>
+      <p:pic>
+        <p:nvPicPr>
+          <p:cNvPr id="1026" name="Picture 2"/>
+          <p:cNvPicPr>
+            <a:picLocks noChangeAspect="1" noChangeArrowheads="1"/>
+          </p:cNvPicPr>
+          <p:nvPr/>
+        </p:nvPicPr>
+        <p:blipFill>
+          <a:blip r:embed="rId2">
+            <a:extLst>
+              <a:ext uri="{28A0092B-C50C-407E-A947-70E740481C1C}">
+                <a14:useLocalDpi xmlns:a14="http://schemas.microsoft.com/office/drawing/2010/main" val="0"/>
+              </a:ext>
+            </a:extLst>
+          </a:blip>
+          <a:srcRect/>
+          <a:stretch>
+            <a:fillRect/>
+          </a:stretch>
+        </p:blipFill>
+        <p:spPr bwMode="auto">
+          <a:xfrm>
+            <a:off x="1909763" y="1433513"/>
+            <a:ext cx="5324475" cy="3990975"/>
+          </a:xfrm>
+          <a:prstGeom prst="rect">
+            <a:avLst/>
+          </a:prstGeom>
+          <a:noFill/>
+          <a:ln>
+            <a:noFill/>
+          </a:ln>
+          <a:effectLst/>
+          <a:extLst>
+            <a:ext uri="{909E8E84-426E-40DD-AFC4-6F175D3DCCD1}">
+              <a14:hiddenFill xmlns:a14="http://schemas.microsoft.com/office/drawing/2010/main">
+                <a:solidFill>
+                  <a:schemeClr val="accent1"/>
+                </a:solidFill>
+              </a14:hiddenFill>
+            </a:ext>
+            <a:ext uri="{91240B29-F687-4F45-9708-019B960494DF}">
+              <a14:hiddenLine xmlns:a14="http://schemas.microsoft.com/office/drawing/2010/main" w="9525">
+                <a:solidFill>
+                  <a:schemeClr val="tx1"/>
+                </a:solidFill>
+                <a:miter lim="800000"/>
+                <a:headEnd/>
+                <a:tailEnd/>
+              </a14:hiddenLine>
+            </a:ext>
+            <a:ext uri="{AF507438-7753-43E0-B8FC-AC1667EBCBE1}">
+              <a14:hiddenEffects xmlns:a14="http://schemas.microsoft.com/office/drawing/2010/main">
+                <a:effectLst>
+                  <a:outerShdw dist="35921" dir="2700000" algn="ctr" rotWithShape="0">
+                    <a:schemeClr val="bg2"/>
+                  </a:outerShdw>
+                </a:effectLst>
+              </a14:hiddenEffects>
+            </a:ext>
+          </a:extLst>
+        </p:spPr>
+      </p:pic>
+      <mc:AlternateContent xmlns:mc="http://schemas.openxmlformats.org/markup-compatibility/2006">
+        <mc:Choice xmlns:a14="http://schemas.microsoft.com/office/drawing/2010/main" Requires="a14">
+          <p:sp>
+            <p:nvSpPr>
+              <p:cNvPr id="5" name="TextBox 4"/>
+              <p:cNvSpPr txBox="1"/>
+              <p:nvPr/>
+            </p:nvSpPr>
+            <p:spPr>
+              <a:xfrm>
+                <a:off x="2051720" y="2551841"/>
+                <a:ext cx="1651799" cy="405688"/>
+              </a:xfrm>
+              <a:prstGeom prst="rect">
+                <a:avLst/>
+              </a:prstGeom>
+              <a:solidFill>
+                <a:schemeClr val="bg1"/>
+              </a:solidFill>
+              <a:ln w="38100">
+                <a:solidFill>
+                  <a:schemeClr val="accent1"/>
+                </a:solidFill>
+              </a:ln>
+            </p:spPr>
+            <p:txBody>
+              <a:bodyPr wrap="none" rtlCol="0">
+                <a:spAutoFit/>
+              </a:bodyPr>
+              <a:lstStyle/>
+              <a:p>
+                <a:pPr/>
+                <a14:m>
+                  <m:oMathPara xmlns:m="http://schemas.openxmlformats.org/officeDocument/2006/math">
+                    <m:oMathParaPr>
+                      <m:jc m:val="centerGroup"/>
+                    </m:oMathParaPr>
+                    <m:oMath xmlns:m="http://schemas.openxmlformats.org/officeDocument/2006/math">
+                      <m:sSub>
+                        <m:sSubPr>
+                          <m:ctrlPr>
+                            <a:rPr lang="en-US" altLang="ko-KR" b="1" i="1" smtClean="0">
+                              <a:solidFill>
+                                <a:srgbClr val="0072BD"/>
+                              </a:solidFill>
+                              <a:latin typeface="Cambria Math"/>
+                            </a:rPr>
+                          </m:ctrlPr>
+                        </m:sSubPr>
+                        <m:e>
+                          <m:r>
+                            <a:rPr lang="ko-KR" altLang="en-US" b="1" i="1" smtClean="0">
+                              <a:solidFill>
+                                <a:srgbClr val="0072BD"/>
+                              </a:solidFill>
+                              <a:latin typeface="Cambria Math"/>
+                            </a:rPr>
+                            <m:t>𝓝</m:t>
+                          </m:r>
+                        </m:e>
+                        <m:sub>
+                          <m:r>
+                            <a:rPr lang="en-US" altLang="ko-KR" b="1" i="1" smtClean="0">
+                              <a:solidFill>
+                                <a:srgbClr val="0072BD"/>
+                              </a:solidFill>
+                              <a:latin typeface="Cambria Math"/>
+                            </a:rPr>
+                            <m:t>𝟏</m:t>
+                          </m:r>
+                        </m:sub>
+                      </m:sSub>
+                      <m:d>
+                        <m:dPr>
+                          <m:ctrlPr>
+                            <a:rPr lang="en-US" altLang="ko-KR" b="1" i="1" smtClean="0">
+                              <a:solidFill>
+                                <a:srgbClr val="0072BD"/>
+                              </a:solidFill>
+                              <a:latin typeface="Cambria Math"/>
+                            </a:rPr>
+                          </m:ctrlPr>
+                        </m:dPr>
+                        <m:e>
+                          <m:r>
+                            <a:rPr lang="en-US" altLang="ko-KR" b="1" i="1" smtClean="0">
+                              <a:solidFill>
+                                <a:srgbClr val="0072BD"/>
+                              </a:solidFill>
+                              <a:latin typeface="Cambria Math"/>
+                            </a:rPr>
+                            <m:t>𝒙</m:t>
+                          </m:r>
+                          <m:r>
+                            <a:rPr lang="en-US" altLang="ko-KR" b="1" i="1" smtClean="0">
+                              <a:solidFill>
+                                <a:srgbClr val="0072BD"/>
+                              </a:solidFill>
+                              <a:latin typeface="Cambria Math"/>
+                            </a:rPr>
+                            <m:t>;</m:t>
+                          </m:r>
+                          <m:sSub>
+                            <m:sSubPr>
+                              <m:ctrlPr>
+                                <a:rPr lang="en-US" altLang="ko-KR" b="1" i="1" smtClean="0">
+                                  <a:solidFill>
+                                    <a:srgbClr val="0072BD"/>
+                                  </a:solidFill>
+                                  <a:latin typeface="Cambria Math"/>
+                                </a:rPr>
+                              </m:ctrlPr>
+                            </m:sSubPr>
+                            <m:e>
+                              <m:r>
+                                <a:rPr lang="en-US" altLang="ko-KR" b="1" i="1" smtClean="0">
+                                  <a:solidFill>
+                                    <a:srgbClr val="0072BD"/>
+                                  </a:solidFill>
+                                  <a:latin typeface="Cambria Math"/>
+                                </a:rPr>
+                                <m:t>𝝁</m:t>
+                              </m:r>
+                            </m:e>
+                            <m:sub>
+                              <m:r>
+                                <a:rPr lang="en-US" altLang="ko-KR" b="1" i="1" smtClean="0">
+                                  <a:solidFill>
+                                    <a:srgbClr val="0072BD"/>
+                                  </a:solidFill>
+                                  <a:latin typeface="Cambria Math"/>
+                                </a:rPr>
+                                <m:t>𝟏</m:t>
+                              </m:r>
+                            </m:sub>
+                          </m:sSub>
+                          <m:r>
+                            <a:rPr lang="en-US" altLang="ko-KR" b="1" i="1" smtClean="0">
+                              <a:solidFill>
+                                <a:srgbClr val="0072BD"/>
+                              </a:solidFill>
+                              <a:latin typeface="Cambria Math"/>
+                            </a:rPr>
+                            <m:t>,</m:t>
+                          </m:r>
+                          <m:sSubSup>
+                            <m:sSubSupPr>
+                              <m:ctrlPr>
+                                <a:rPr lang="en-US" altLang="ko-KR" b="1" i="1" smtClean="0">
+                                  <a:solidFill>
+                                    <a:srgbClr val="0072BD"/>
+                                  </a:solidFill>
+                                  <a:latin typeface="Cambria Math"/>
+                                </a:rPr>
+                              </m:ctrlPr>
+                            </m:sSubSupPr>
+                            <m:e>
+                              <m:r>
+                                <a:rPr lang="en-US" altLang="ko-KR" b="1" i="1" smtClean="0">
+                                  <a:solidFill>
+                                    <a:srgbClr val="0072BD"/>
+                                  </a:solidFill>
+                                  <a:latin typeface="Cambria Math"/>
+                                </a:rPr>
+                                <m:t>𝝈</m:t>
+                              </m:r>
+                            </m:e>
+                            <m:sub>
+                              <m:r>
+                                <a:rPr lang="en-US" altLang="ko-KR" b="1" i="1" smtClean="0">
+                                  <a:solidFill>
+                                    <a:srgbClr val="0072BD"/>
+                                  </a:solidFill>
+                                  <a:latin typeface="Cambria Math"/>
+                                </a:rPr>
+                                <m:t>𝟏</m:t>
+                              </m:r>
+                            </m:sub>
+                            <m:sup>
+                              <m:r>
+                                <a:rPr lang="en-US" altLang="ko-KR" b="1" i="1" smtClean="0">
+                                  <a:solidFill>
+                                    <a:srgbClr val="0072BD"/>
+                                  </a:solidFill>
+                                  <a:latin typeface="Cambria Math"/>
+                                </a:rPr>
+                                <m:t>𝟐</m:t>
+                              </m:r>
+                            </m:sup>
+                          </m:sSubSup>
+                        </m:e>
+                      </m:d>
+                    </m:oMath>
+                  </m:oMathPara>
+                </a14:m>
+                <a:endParaRPr lang="ko-KR" altLang="en-US" b="1" dirty="0">
+                  <a:solidFill>
+                    <a:srgbClr val="0072BD"/>
+                  </a:solidFill>
+                </a:endParaRPr>
+              </a:p>
+            </p:txBody>
+          </p:sp>
+        </mc:Choice>
+        <mc:Fallback>
+          <p:sp>
+            <p:nvSpPr>
+              <p:cNvPr id="5" name="TextBox 4"/>
+              <p:cNvSpPr txBox="1">
+                <a:spLocks noRot="1" noChangeAspect="1" noMove="1" noResize="1" noEditPoints="1" noAdjustHandles="1" noChangeArrowheads="1" noChangeShapeType="1" noTextEdit="1"/>
+              </p:cNvSpPr>
+              <p:nvPr/>
+            </p:nvSpPr>
+            <p:spPr>
+              <a:xfrm>
+                <a:off x="2051720" y="2551841"/>
+                <a:ext cx="1651799" cy="405688"/>
+              </a:xfrm>
+              <a:prstGeom prst="rect">
+                <a:avLst/>
+              </a:prstGeom>
+              <a:blipFill rotWithShape="1">
+                <a:blip r:embed="rId3"/>
+                <a:stretch>
+                  <a:fillRect/>
+                </a:stretch>
+              </a:blipFill>
+              <a:ln w="38100">
+                <a:solidFill>
+                  <a:schemeClr val="accent1"/>
+                </a:solidFill>
+              </a:ln>
+            </p:spPr>
+            <p:txBody>
+              <a:bodyPr/>
+              <a:lstStyle/>
+              <a:p>
+                <a:r>
+                  <a:rPr lang="ko-KR" altLang="en-US">
+                    <a:noFill/>
+                  </a:rPr>
+                  <a:t> </a:t>
+                </a:r>
+              </a:p>
+            </p:txBody>
+          </p:sp>
+        </mc:Fallback>
+      </mc:AlternateContent>
+      <mc:AlternateContent xmlns:mc="http://schemas.openxmlformats.org/markup-compatibility/2006">
+        <mc:Choice xmlns:a14="http://schemas.microsoft.com/office/drawing/2010/main" Requires="a14">
+          <p:sp>
+            <p:nvSpPr>
+              <p:cNvPr id="6" name="TextBox 5"/>
+              <p:cNvSpPr txBox="1"/>
+              <p:nvPr/>
+            </p:nvSpPr>
+            <p:spPr>
+              <a:xfrm>
+                <a:off x="3995936" y="2820468"/>
+                <a:ext cx="1651799" cy="405688"/>
+              </a:xfrm>
+              <a:prstGeom prst="rect">
+                <a:avLst/>
+              </a:prstGeom>
+              <a:solidFill>
+                <a:schemeClr val="bg1"/>
+              </a:solidFill>
+              <a:ln w="38100">
+                <a:solidFill>
+                  <a:srgbClr val="D95319"/>
+                </a:solidFill>
+              </a:ln>
+            </p:spPr>
+            <p:txBody>
+              <a:bodyPr wrap="none" rtlCol="0">
+                <a:spAutoFit/>
+              </a:bodyPr>
+              <a:lstStyle/>
+              <a:p>
+                <a:pPr/>
+                <a14:m>
+                  <m:oMathPara xmlns:m="http://schemas.openxmlformats.org/officeDocument/2006/math">
+                    <m:oMathParaPr>
+                      <m:jc m:val="centerGroup"/>
+                    </m:oMathParaPr>
+                    <m:oMath xmlns:m="http://schemas.openxmlformats.org/officeDocument/2006/math">
+                      <m:sSub>
+                        <m:sSubPr>
+                          <m:ctrlPr>
+                            <a:rPr lang="en-US" altLang="ko-KR" b="1" i="1" smtClean="0">
+                              <a:solidFill>
+                                <a:srgbClr val="D95319"/>
+                              </a:solidFill>
+                              <a:latin typeface="Cambria Math"/>
+                            </a:rPr>
+                          </m:ctrlPr>
+                        </m:sSubPr>
+                        <m:e>
+                          <m:r>
+                            <a:rPr lang="ko-KR" altLang="en-US" b="1" i="1" smtClean="0">
+                              <a:solidFill>
+                                <a:srgbClr val="D95319"/>
+                              </a:solidFill>
+                              <a:latin typeface="Cambria Math"/>
+                            </a:rPr>
+                            <m:t>𝓝</m:t>
+                          </m:r>
+                        </m:e>
+                        <m:sub>
+                          <m:r>
+                            <a:rPr lang="en-US" altLang="ko-KR" b="1" i="1" smtClean="0">
+                              <a:solidFill>
+                                <a:srgbClr val="D95319"/>
+                              </a:solidFill>
+                              <a:latin typeface="Cambria Math"/>
+                            </a:rPr>
+                            <m:t>𝟐</m:t>
+                          </m:r>
+                        </m:sub>
+                      </m:sSub>
+                      <m:d>
+                        <m:dPr>
+                          <m:ctrlPr>
+                            <a:rPr lang="en-US" altLang="ko-KR" b="1" i="1" smtClean="0">
+                              <a:solidFill>
+                                <a:srgbClr val="D95319"/>
+                              </a:solidFill>
+                              <a:latin typeface="Cambria Math"/>
+                            </a:rPr>
+                          </m:ctrlPr>
+                        </m:dPr>
+                        <m:e>
+                          <m:r>
+                            <a:rPr lang="en-US" altLang="ko-KR" b="1" i="1" smtClean="0">
+                              <a:solidFill>
+                                <a:srgbClr val="D95319"/>
+                              </a:solidFill>
+                              <a:latin typeface="Cambria Math"/>
+                            </a:rPr>
+                            <m:t>𝒙</m:t>
+                          </m:r>
+                          <m:r>
+                            <a:rPr lang="en-US" altLang="ko-KR" b="1" i="1" smtClean="0">
+                              <a:solidFill>
+                                <a:srgbClr val="D95319"/>
+                              </a:solidFill>
+                              <a:latin typeface="Cambria Math"/>
+                            </a:rPr>
+                            <m:t>;</m:t>
+                          </m:r>
+                          <m:sSub>
+                            <m:sSubPr>
+                              <m:ctrlPr>
+                                <a:rPr lang="en-US" altLang="ko-KR" b="1" i="1" smtClean="0">
+                                  <a:solidFill>
+                                    <a:srgbClr val="D95319"/>
+                                  </a:solidFill>
+                                  <a:latin typeface="Cambria Math"/>
+                                </a:rPr>
+                              </m:ctrlPr>
+                            </m:sSubPr>
+                            <m:e>
+                              <m:r>
+                                <a:rPr lang="en-US" altLang="ko-KR" b="1" i="1" smtClean="0">
+                                  <a:solidFill>
+                                    <a:srgbClr val="D95319"/>
+                                  </a:solidFill>
+                                  <a:latin typeface="Cambria Math"/>
+                                </a:rPr>
+                                <m:t>𝝁</m:t>
+                              </m:r>
+                            </m:e>
+                            <m:sub>
+                              <m:r>
+                                <a:rPr lang="en-US" altLang="ko-KR" b="1" i="1" smtClean="0">
+                                  <a:solidFill>
+                                    <a:srgbClr val="D95319"/>
+                                  </a:solidFill>
+                                  <a:latin typeface="Cambria Math"/>
+                                </a:rPr>
+                                <m:t>𝟐</m:t>
+                              </m:r>
+                            </m:sub>
+                          </m:sSub>
+                          <m:r>
+                            <a:rPr lang="en-US" altLang="ko-KR" b="1" i="1" smtClean="0">
+                              <a:solidFill>
+                                <a:srgbClr val="D95319"/>
+                              </a:solidFill>
+                              <a:latin typeface="Cambria Math"/>
+                            </a:rPr>
+                            <m:t>,</m:t>
+                          </m:r>
+                          <m:sSubSup>
+                            <m:sSubSupPr>
+                              <m:ctrlPr>
+                                <a:rPr lang="en-US" altLang="ko-KR" b="1" i="1" smtClean="0">
+                                  <a:solidFill>
+                                    <a:srgbClr val="D95319"/>
+                                  </a:solidFill>
+                                  <a:latin typeface="Cambria Math"/>
+                                </a:rPr>
+                              </m:ctrlPr>
+                            </m:sSubSupPr>
+                            <m:e>
+                              <m:r>
+                                <a:rPr lang="en-US" altLang="ko-KR" b="1" i="1" smtClean="0">
+                                  <a:solidFill>
+                                    <a:srgbClr val="D95319"/>
+                                  </a:solidFill>
+                                  <a:latin typeface="Cambria Math"/>
+                                </a:rPr>
+                                <m:t>𝝈</m:t>
+                              </m:r>
+                            </m:e>
+                            <m:sub>
+                              <m:r>
+                                <a:rPr lang="en-US" altLang="ko-KR" b="1" i="1" smtClean="0">
+                                  <a:solidFill>
+                                    <a:srgbClr val="D95319"/>
+                                  </a:solidFill>
+                                  <a:latin typeface="Cambria Math"/>
+                                </a:rPr>
+                                <m:t>𝟐</m:t>
+                              </m:r>
+                            </m:sub>
+                            <m:sup>
+                              <m:r>
+                                <a:rPr lang="en-US" altLang="ko-KR" b="1" i="1" smtClean="0">
+                                  <a:solidFill>
+                                    <a:srgbClr val="D95319"/>
+                                  </a:solidFill>
+                                  <a:latin typeface="Cambria Math"/>
+                                </a:rPr>
+                                <m:t>𝟐</m:t>
+                              </m:r>
+                            </m:sup>
+                          </m:sSubSup>
+                        </m:e>
+                      </m:d>
+                    </m:oMath>
+                  </m:oMathPara>
+                </a14:m>
+                <a:endParaRPr lang="ko-KR" altLang="en-US" b="1" dirty="0">
+                  <a:solidFill>
+                    <a:srgbClr val="D95319"/>
+                  </a:solidFill>
+                </a:endParaRPr>
+              </a:p>
+            </p:txBody>
+          </p:sp>
+        </mc:Choice>
+        <mc:Fallback>
+          <p:sp>
+            <p:nvSpPr>
+              <p:cNvPr id="6" name="TextBox 5"/>
+              <p:cNvSpPr txBox="1">
+                <a:spLocks noRot="1" noChangeAspect="1" noMove="1" noResize="1" noEditPoints="1" noAdjustHandles="1" noChangeArrowheads="1" noChangeShapeType="1" noTextEdit="1"/>
+              </p:cNvSpPr>
+              <p:nvPr/>
+            </p:nvSpPr>
+            <p:spPr>
+              <a:xfrm>
+                <a:off x="3995936" y="2820468"/>
+                <a:ext cx="1651799" cy="405688"/>
+              </a:xfrm>
+              <a:prstGeom prst="rect">
+                <a:avLst/>
+              </a:prstGeom>
+              <a:blipFill rotWithShape="1">
+                <a:blip r:embed="rId4"/>
+                <a:stretch>
+                  <a:fillRect/>
+                </a:stretch>
+              </a:blipFill>
+              <a:ln w="38100">
+                <a:solidFill>
+                  <a:srgbClr val="D95319"/>
+                </a:solidFill>
+              </a:ln>
+            </p:spPr>
+            <p:txBody>
+              <a:bodyPr/>
+              <a:lstStyle/>
+              <a:p>
+                <a:r>
+                  <a:rPr lang="ko-KR" altLang="en-US">
+                    <a:noFill/>
+                  </a:rPr>
+                  <a:t> </a:t>
+                </a:r>
+              </a:p>
+            </p:txBody>
+          </p:sp>
+        </mc:Fallback>
+      </mc:AlternateContent>
+      <mc:AlternateContent xmlns:mc="http://schemas.openxmlformats.org/markup-compatibility/2006">
+        <mc:Choice xmlns:a14="http://schemas.microsoft.com/office/drawing/2010/main" Requires="a14">
+          <p:sp>
+            <p:nvSpPr>
+              <p:cNvPr id="7" name="TextBox 6"/>
+              <p:cNvSpPr txBox="1"/>
+              <p:nvPr/>
+            </p:nvSpPr>
+            <p:spPr>
+              <a:xfrm>
+                <a:off x="5292080" y="3573016"/>
+                <a:ext cx="2611933" cy="682687"/>
+              </a:xfrm>
+              <a:prstGeom prst="rect">
+                <a:avLst/>
+              </a:prstGeom>
+              <a:solidFill>
+                <a:schemeClr val="tx1">
+                  <a:lumMod val="75000"/>
+                  <a:lumOff val="25000"/>
+                </a:schemeClr>
+              </a:solidFill>
+              <a:ln w="38100">
+                <a:solidFill>
+                  <a:srgbClr val="EDB120"/>
+                </a:solidFill>
+              </a:ln>
+            </p:spPr>
+            <p:txBody>
+              <a:bodyPr wrap="none" rtlCol="0">
+                <a:spAutoFit/>
+              </a:bodyPr>
+              <a:lstStyle/>
+              <a:p>
+                <a:pPr/>
+                <a14:m>
+                  <m:oMathPara xmlns:m="http://schemas.openxmlformats.org/officeDocument/2006/math">
+                    <m:oMathParaPr>
+                      <m:jc m:val="centerGroup"/>
+                    </m:oMathParaPr>
+                    <m:oMath xmlns:m="http://schemas.openxmlformats.org/officeDocument/2006/math">
+                      <m:sSub>
+                        <m:sSubPr>
+                          <m:ctrlPr>
+                            <a:rPr lang="en-US" altLang="ko-KR" b="1" i="1" smtClean="0">
+                              <a:solidFill>
+                                <a:srgbClr val="EDB120"/>
+                              </a:solidFill>
+                              <a:latin typeface="Cambria Math"/>
+                            </a:rPr>
+                          </m:ctrlPr>
+                        </m:sSubPr>
+                        <m:e>
+                          <m:r>
+                            <a:rPr lang="ko-KR" altLang="en-US" b="1" i="1" smtClean="0">
+                              <a:solidFill>
+                                <a:srgbClr val="EDB120"/>
+                              </a:solidFill>
+                              <a:latin typeface="Cambria Math"/>
+                            </a:rPr>
+                            <m:t>𝓝</m:t>
+                          </m:r>
+                        </m:e>
+                        <m:sub>
+                          <m:r>
+                            <a:rPr lang="en-US" altLang="ko-KR" b="1" i="1" smtClean="0">
+                              <a:solidFill>
+                                <a:srgbClr val="EDB120"/>
+                              </a:solidFill>
+                              <a:latin typeface="Cambria Math"/>
+                            </a:rPr>
+                            <m:t>𝟏</m:t>
+                          </m:r>
+                        </m:sub>
+                      </m:sSub>
+                      <m:r>
+                        <a:rPr lang="en-US" altLang="ko-KR" b="1" i="1">
+                          <a:solidFill>
+                            <a:srgbClr val="EDB120"/>
+                          </a:solidFill>
+                          <a:latin typeface="Cambria Math"/>
+                          <a:ea typeface="Cambria Math"/>
+                        </a:rPr>
+                        <m:t>⊛</m:t>
+                      </m:r>
+                      <m:sSub>
+                        <m:sSubPr>
+                          <m:ctrlPr>
+                            <a:rPr lang="en-US" altLang="ko-KR" b="1" i="1">
+                              <a:solidFill>
+                                <a:srgbClr val="EDB120"/>
+                              </a:solidFill>
+                              <a:latin typeface="Cambria Math"/>
+                            </a:rPr>
+                          </m:ctrlPr>
+                        </m:sSubPr>
+                        <m:e>
+                          <m:r>
+                            <a:rPr lang="ko-KR" altLang="en-US" b="1" i="1">
+                              <a:solidFill>
+                                <a:srgbClr val="EDB120"/>
+                              </a:solidFill>
+                              <a:latin typeface="Cambria Math"/>
+                            </a:rPr>
+                            <m:t>𝓝</m:t>
+                          </m:r>
+                        </m:e>
+                        <m:sub>
+                          <m:r>
+                            <a:rPr lang="en-US" altLang="ko-KR" b="1" i="1" smtClean="0">
+                              <a:solidFill>
+                                <a:srgbClr val="EDB120"/>
+                              </a:solidFill>
+                              <a:latin typeface="Cambria Math"/>
+                            </a:rPr>
+                            <m:t>𝟐</m:t>
+                          </m:r>
+                        </m:sub>
+                      </m:sSub>
+                    </m:oMath>
+                  </m:oMathPara>
+                </a14:m>
+                <a:endParaRPr lang="en-US" altLang="ko-KR" b="1" i="1" dirty="0" smtClean="0">
+                  <a:solidFill>
+                    <a:srgbClr val="EDB120"/>
+                  </a:solidFill>
+                  <a:latin typeface="Cambria Math"/>
+                </a:endParaRPr>
+              </a:p>
+              <a:p>
+                <a:pPr/>
+                <a14:m>
+                  <m:oMathPara xmlns:m="http://schemas.openxmlformats.org/officeDocument/2006/math">
+                    <m:oMathParaPr>
+                      <m:jc m:val="centerGroup"/>
+                    </m:oMathParaPr>
+                    <m:oMath xmlns:m="http://schemas.openxmlformats.org/officeDocument/2006/math">
+                      <m:r>
+                        <a:rPr lang="en-US" altLang="ko-KR" b="1" i="1" smtClean="0">
+                          <a:solidFill>
+                            <a:srgbClr val="EDB120"/>
+                          </a:solidFill>
+                          <a:latin typeface="Cambria Math"/>
+                        </a:rPr>
+                        <m:t>=</m:t>
+                      </m:r>
+                      <m:r>
+                        <a:rPr lang="ko-KR" altLang="en-US" b="1" i="1">
+                          <a:solidFill>
+                            <a:srgbClr val="EDB120"/>
+                          </a:solidFill>
+                          <a:latin typeface="Cambria Math"/>
+                        </a:rPr>
+                        <m:t>𝓝</m:t>
+                      </m:r>
+                      <m:d>
+                        <m:dPr>
+                          <m:ctrlPr>
+                            <a:rPr lang="en-US" altLang="ko-KR" b="1" i="1" smtClean="0">
+                              <a:solidFill>
+                                <a:srgbClr val="EDB120"/>
+                              </a:solidFill>
+                              <a:latin typeface="Cambria Math"/>
+                            </a:rPr>
+                          </m:ctrlPr>
+                        </m:dPr>
+                        <m:e>
+                          <m:sSub>
+                            <m:sSubPr>
+                              <m:ctrlPr>
+                                <a:rPr lang="en-US" altLang="ko-KR" b="1" i="1" smtClean="0">
+                                  <a:solidFill>
+                                    <a:srgbClr val="EDB120"/>
+                                  </a:solidFill>
+                                  <a:latin typeface="Cambria Math"/>
+                                </a:rPr>
+                              </m:ctrlPr>
+                            </m:sSubPr>
+                            <m:e>
+                              <m:r>
+                                <a:rPr lang="en-US" altLang="ko-KR" b="1" i="1" smtClean="0">
+                                  <a:solidFill>
+                                    <a:srgbClr val="EDB120"/>
+                                  </a:solidFill>
+                                  <a:latin typeface="Cambria Math"/>
+                                </a:rPr>
+                                <m:t>𝝁</m:t>
+                              </m:r>
+                            </m:e>
+                            <m:sub>
+                              <m:r>
+                                <a:rPr lang="en-US" altLang="ko-KR" b="1" i="1" smtClean="0">
+                                  <a:solidFill>
+                                    <a:srgbClr val="EDB120"/>
+                                  </a:solidFill>
+                                  <a:latin typeface="Cambria Math"/>
+                                </a:rPr>
+                                <m:t>𝟏</m:t>
+                              </m:r>
+                            </m:sub>
+                          </m:sSub>
+                          <m:r>
+                            <a:rPr lang="en-US" altLang="ko-KR" b="1" i="1" smtClean="0">
+                              <a:solidFill>
+                                <a:srgbClr val="EDB120"/>
+                              </a:solidFill>
+                              <a:latin typeface="Cambria Math"/>
+                            </a:rPr>
+                            <m:t>+</m:t>
+                          </m:r>
+                          <m:sSub>
+                            <m:sSubPr>
+                              <m:ctrlPr>
+                                <a:rPr lang="en-US" altLang="ko-KR" b="1" i="1" smtClean="0">
+                                  <a:solidFill>
+                                    <a:srgbClr val="EDB120"/>
+                                  </a:solidFill>
+                                  <a:latin typeface="Cambria Math"/>
+                                </a:rPr>
+                              </m:ctrlPr>
+                            </m:sSubPr>
+                            <m:e>
+                              <m:r>
+                                <a:rPr lang="en-US" altLang="ko-KR" b="1" i="1" smtClean="0">
+                                  <a:solidFill>
+                                    <a:srgbClr val="EDB120"/>
+                                  </a:solidFill>
+                                  <a:latin typeface="Cambria Math"/>
+                                </a:rPr>
+                                <m:t>𝝁</m:t>
+                              </m:r>
+                            </m:e>
+                            <m:sub>
+                              <m:r>
+                                <a:rPr lang="en-US" altLang="ko-KR" b="1" i="1" smtClean="0">
+                                  <a:solidFill>
+                                    <a:srgbClr val="EDB120"/>
+                                  </a:solidFill>
+                                  <a:latin typeface="Cambria Math"/>
+                                </a:rPr>
+                                <m:t>𝟐</m:t>
+                              </m:r>
+                            </m:sub>
+                          </m:sSub>
+                          <m:r>
+                            <a:rPr lang="en-US" altLang="ko-KR" b="1" i="1" smtClean="0">
+                              <a:solidFill>
+                                <a:srgbClr val="EDB120"/>
+                              </a:solidFill>
+                              <a:latin typeface="Cambria Math"/>
+                            </a:rPr>
+                            <m:t>,</m:t>
+                          </m:r>
+                          <m:sSubSup>
+                            <m:sSubSupPr>
+                              <m:ctrlPr>
+                                <a:rPr lang="en-US" altLang="ko-KR" b="1" i="1" smtClean="0">
+                                  <a:solidFill>
+                                    <a:srgbClr val="EDB120"/>
+                                  </a:solidFill>
+                                  <a:latin typeface="Cambria Math"/>
+                                </a:rPr>
+                              </m:ctrlPr>
+                            </m:sSubSupPr>
+                            <m:e>
+                              <m:r>
+                                <a:rPr lang="en-US" altLang="ko-KR" b="1" i="1" smtClean="0">
+                                  <a:solidFill>
+                                    <a:srgbClr val="EDB120"/>
+                                  </a:solidFill>
+                                  <a:latin typeface="Cambria Math"/>
+                                </a:rPr>
+                                <m:t>𝝈</m:t>
+                              </m:r>
+                            </m:e>
+                            <m:sub>
+                              <m:r>
+                                <a:rPr lang="en-US" altLang="ko-KR" b="1" i="1" smtClean="0">
+                                  <a:solidFill>
+                                    <a:srgbClr val="EDB120"/>
+                                  </a:solidFill>
+                                  <a:latin typeface="Cambria Math"/>
+                                </a:rPr>
+                                <m:t>𝟏</m:t>
+                              </m:r>
+                            </m:sub>
+                            <m:sup>
+                              <m:r>
+                                <a:rPr lang="en-US" altLang="ko-KR" b="1" i="1" smtClean="0">
+                                  <a:solidFill>
+                                    <a:srgbClr val="EDB120"/>
+                                  </a:solidFill>
+                                  <a:latin typeface="Cambria Math"/>
+                                </a:rPr>
+                                <m:t>𝟐</m:t>
+                              </m:r>
+                            </m:sup>
+                          </m:sSubSup>
+                          <m:r>
+                            <a:rPr lang="en-US" altLang="ko-KR" b="1" i="1" smtClean="0">
+                              <a:solidFill>
+                                <a:srgbClr val="EDB120"/>
+                              </a:solidFill>
+                              <a:latin typeface="Cambria Math"/>
+                            </a:rPr>
+                            <m:t>+</m:t>
+                          </m:r>
+                          <m:sSubSup>
+                            <m:sSubSupPr>
+                              <m:ctrlPr>
+                                <a:rPr lang="en-US" altLang="ko-KR" b="1" i="1" smtClean="0">
+                                  <a:solidFill>
+                                    <a:srgbClr val="EDB120"/>
+                                  </a:solidFill>
+                                  <a:latin typeface="Cambria Math"/>
+                                </a:rPr>
+                              </m:ctrlPr>
+                            </m:sSubSupPr>
+                            <m:e>
+                              <m:r>
+                                <a:rPr lang="en-US" altLang="ko-KR" b="1" i="1" smtClean="0">
+                                  <a:solidFill>
+                                    <a:srgbClr val="EDB120"/>
+                                  </a:solidFill>
+                                  <a:latin typeface="Cambria Math"/>
+                                </a:rPr>
+                                <m:t>𝝈</m:t>
+                              </m:r>
+                            </m:e>
+                            <m:sub>
+                              <m:r>
+                                <a:rPr lang="en-US" altLang="ko-KR" b="1" i="1" smtClean="0">
+                                  <a:solidFill>
+                                    <a:srgbClr val="EDB120"/>
+                                  </a:solidFill>
+                                  <a:latin typeface="Cambria Math"/>
+                                </a:rPr>
+                                <m:t>𝟐</m:t>
+                              </m:r>
+                            </m:sub>
+                            <m:sup>
+                              <m:r>
+                                <a:rPr lang="en-US" altLang="ko-KR" b="1" i="1" smtClean="0">
+                                  <a:solidFill>
+                                    <a:srgbClr val="EDB120"/>
+                                  </a:solidFill>
+                                  <a:latin typeface="Cambria Math"/>
+                                </a:rPr>
+                                <m:t>𝟐</m:t>
+                              </m:r>
+                            </m:sup>
+                          </m:sSubSup>
+                        </m:e>
+                      </m:d>
+                    </m:oMath>
+                  </m:oMathPara>
+                </a14:m>
+                <a:endParaRPr lang="ko-KR" altLang="en-US" b="1" dirty="0">
+                  <a:solidFill>
+                    <a:srgbClr val="EDB120"/>
+                  </a:solidFill>
+                </a:endParaRPr>
+              </a:p>
+            </p:txBody>
+          </p:sp>
+        </mc:Choice>
+        <mc:Fallback>
+          <p:sp>
+            <p:nvSpPr>
+              <p:cNvPr id="7" name="TextBox 6"/>
+              <p:cNvSpPr txBox="1">
+                <a:spLocks noRot="1" noChangeAspect="1" noMove="1" noResize="1" noEditPoints="1" noAdjustHandles="1" noChangeArrowheads="1" noChangeShapeType="1" noTextEdit="1"/>
+              </p:cNvSpPr>
+              <p:nvPr/>
+            </p:nvSpPr>
+            <p:spPr>
+              <a:xfrm>
+                <a:off x="5292080" y="3573016"/>
+                <a:ext cx="2611933" cy="682687"/>
+              </a:xfrm>
+              <a:prstGeom prst="rect">
+                <a:avLst/>
+              </a:prstGeom>
+              <a:blipFill rotWithShape="1">
+                <a:blip r:embed="rId5"/>
+                <a:stretch>
+                  <a:fillRect/>
+                </a:stretch>
+              </a:blipFill>
+              <a:ln w="38100">
+                <a:solidFill>
+                  <a:srgbClr val="EDB120"/>
+                </a:solidFill>
+              </a:ln>
+            </p:spPr>
+            <p:txBody>
+              <a:bodyPr/>
+              <a:lstStyle/>
+              <a:p>
+                <a:r>
+                  <a:rPr lang="ko-KR" altLang="en-US">
+                    <a:noFill/>
+                  </a:rPr>
+                  <a:t> </a:t>
+                </a:r>
+              </a:p>
+            </p:txBody>
+          </p:sp>
+        </mc:Fallback>
+      </mc:AlternateContent>
+    </p:spTree>
+    <p:extLst>
+      <p:ext uri="{BB962C8B-B14F-4D97-AF65-F5344CB8AC3E}">
+        <p14:creationId xmlns:p14="http://schemas.microsoft.com/office/powerpoint/2010/main" val="3832755523"/>
       </p:ext>
     </p:extLst>
   </p:cSld>

--- a/pics/2021-04-07-Kalman_filter/pics.pptx
+++ b/pics/2021-04-07-Kalman_filter/pics.pptx
@@ -5,9 +5,10 @@
     <p:sldMasterId id="2147483648" r:id="rId1"/>
   </p:sldMasterIdLst>
   <p:sldIdLst>
-    <p:sldId id="256" r:id="rId2"/>
-    <p:sldId id="257" r:id="rId3"/>
-    <p:sldId id="258" r:id="rId4"/>
+    <p:sldId id="259" r:id="rId2"/>
+    <p:sldId id="256" r:id="rId3"/>
+    <p:sldId id="257" r:id="rId4"/>
+    <p:sldId id="258" r:id="rId5"/>
   </p:sldIdLst>
   <p:sldSz cx="9144000" cy="6858000" type="screen4x3"/>
   <p:notesSz cx="6858000" cy="9144000"/>
@@ -3037,6 +3038,1030 @@
           <a:chExt cx="0" cy="0"/>
         </a:xfrm>
       </p:grpSpPr>
+      <p:graphicFrame>
+        <p:nvGraphicFramePr>
+          <p:cNvPr id="4" name="표 3"/>
+          <p:cNvGraphicFramePr>
+            <a:graphicFrameLocks noGrp="1"/>
+          </p:cNvGraphicFramePr>
+          <p:nvPr>
+            <p:extLst>
+              <p:ext uri="{D42A27DB-BD31-4B8C-83A1-F6EECF244321}">
+                <p14:modId xmlns:p14="http://schemas.microsoft.com/office/powerpoint/2010/main" val="773534568"/>
+              </p:ext>
+            </p:extLst>
+          </p:nvPr>
+        </p:nvGraphicFramePr>
+        <p:xfrm>
+          <a:off x="1432560" y="1397000"/>
+          <a:ext cx="6883854" cy="1280160"/>
+        </p:xfrm>
+        <a:graphic>
+          <a:graphicData uri="http://schemas.openxmlformats.org/drawingml/2006/table">
+            <a:tbl>
+              <a:tblPr firstRow="1" bandRow="1">
+                <a:tableStyleId>{5C22544A-7EE6-4342-B048-85BDC9FD1C3A}</a:tableStyleId>
+              </a:tblPr>
+              <a:tblGrid>
+                <a:gridCol w="1147309"/>
+                <a:gridCol w="1147309"/>
+                <a:gridCol w="1147309"/>
+                <a:gridCol w="1147309"/>
+                <a:gridCol w="1147309"/>
+                <a:gridCol w="1147309"/>
+              </a:tblGrid>
+              <a:tr h="370840">
+                <a:tc>
+                  <a:txBody>
+                    <a:bodyPr/>
+                    <a:lstStyle/>
+                    <a:p>
+                      <a:pPr algn="ctr" latinLnBrk="1"/>
+                      <a:r>
+                        <a:rPr lang="ko-KR" altLang="en-US" dirty="0" smtClean="0">
+                          <a:solidFill>
+                            <a:schemeClr val="tx1"/>
+                          </a:solidFill>
+                        </a:rPr>
+                        <a:t>장소</a:t>
+                      </a:r>
+                      <a:endParaRPr lang="en-US" altLang="ko-KR" dirty="0" smtClean="0">
+                        <a:solidFill>
+                          <a:schemeClr val="tx1"/>
+                        </a:solidFill>
+                      </a:endParaRPr>
+                    </a:p>
+                    <a:p>
+                      <a:pPr algn="ctr" latinLnBrk="1"/>
+                      <a:r>
+                        <a:rPr lang="en-US" altLang="ko-KR" dirty="0" smtClean="0">
+                          <a:solidFill>
+                            <a:schemeClr val="tx1"/>
+                          </a:solidFill>
+                        </a:rPr>
+                        <a:t>(X)</a:t>
+                      </a:r>
+                      <a:endParaRPr lang="ko-KR" altLang="en-US" dirty="0">
+                        <a:solidFill>
+                          <a:schemeClr val="tx1"/>
+                        </a:solidFill>
+                      </a:endParaRPr>
+                    </a:p>
+                  </a:txBody>
+                  <a:tcPr anchor="ctr">
+                    <a:lnL w="12700" cap="flat" cmpd="sng" algn="ctr">
+                      <a:solidFill>
+                        <a:schemeClr val="tx1"/>
+                      </a:solidFill>
+                      <a:prstDash val="solid"/>
+                      <a:round/>
+                      <a:headEnd type="none" w="med" len="med"/>
+                      <a:tailEnd type="none" w="med" len="med"/>
+                    </a:lnL>
+                    <a:lnR w="12700" cap="flat" cmpd="sng" algn="ctr">
+                      <a:solidFill>
+                        <a:schemeClr val="tx1"/>
+                      </a:solidFill>
+                      <a:prstDash val="solid"/>
+                      <a:round/>
+                      <a:headEnd type="none" w="med" len="med"/>
+                      <a:tailEnd type="none" w="med" len="med"/>
+                    </a:lnR>
+                    <a:lnT w="12700" cap="flat" cmpd="sng" algn="ctr">
+                      <a:solidFill>
+                        <a:schemeClr val="tx1"/>
+                      </a:solidFill>
+                      <a:prstDash val="solid"/>
+                      <a:round/>
+                      <a:headEnd type="none" w="med" len="med"/>
+                      <a:tailEnd type="none" w="med" len="med"/>
+                    </a:lnT>
+                    <a:lnB w="12700" cap="flat" cmpd="sng" algn="ctr">
+                      <a:solidFill>
+                        <a:schemeClr val="tx1"/>
+                      </a:solidFill>
+                      <a:prstDash val="solid"/>
+                      <a:round/>
+                      <a:headEnd type="none" w="med" len="med"/>
+                      <a:tailEnd type="none" w="med" len="med"/>
+                    </a:lnB>
+                    <a:lnTlToBr w="12700" cmpd="sng">
+                      <a:noFill/>
+                      <a:prstDash val="solid"/>
+                    </a:lnTlToBr>
+                    <a:lnBlToTr w="12700" cmpd="sng">
+                      <a:noFill/>
+                      <a:prstDash val="solid"/>
+                    </a:lnBlToTr>
+                    <a:solidFill>
+                      <a:schemeClr val="bg1">
+                        <a:lumMod val="85000"/>
+                      </a:schemeClr>
+                    </a:solidFill>
+                  </a:tcPr>
+                </a:tc>
+                <a:tc>
+                  <a:txBody>
+                    <a:bodyPr/>
+                    <a:lstStyle/>
+                    <a:p>
+                      <a:pPr algn="ctr" latinLnBrk="1"/>
+                      <a:r>
+                        <a:rPr lang="ko-KR" altLang="en-US" dirty="0" smtClean="0">
+                          <a:solidFill>
+                            <a:schemeClr val="tx1"/>
+                          </a:solidFill>
+                        </a:rPr>
+                        <a:t>서초역</a:t>
+                      </a:r>
+                      <a:endParaRPr lang="en-US" altLang="ko-KR" dirty="0" smtClean="0">
+                        <a:solidFill>
+                          <a:schemeClr val="tx1"/>
+                        </a:solidFill>
+                      </a:endParaRPr>
+                    </a:p>
+                    <a:p>
+                      <a:pPr algn="ctr" latinLnBrk="1"/>
+                      <a:r>
+                        <a:rPr lang="en-US" altLang="ko-KR" dirty="0" smtClean="0">
+                          <a:solidFill>
+                            <a:schemeClr val="tx1"/>
+                          </a:solidFill>
+                        </a:rPr>
+                        <a:t>3</a:t>
+                      </a:r>
+                      <a:r>
+                        <a:rPr lang="ko-KR" altLang="en-US" dirty="0" smtClean="0">
+                          <a:solidFill>
+                            <a:schemeClr val="tx1"/>
+                          </a:solidFill>
+                        </a:rPr>
+                        <a:t>번 출구</a:t>
+                      </a:r>
+                      <a:endParaRPr lang="ko-KR" altLang="en-US" dirty="0">
+                        <a:solidFill>
+                          <a:schemeClr val="tx1"/>
+                        </a:solidFill>
+                      </a:endParaRPr>
+                    </a:p>
+                  </a:txBody>
+                  <a:tcPr anchor="ctr">
+                    <a:lnL w="12700" cap="flat" cmpd="sng" algn="ctr">
+                      <a:solidFill>
+                        <a:schemeClr val="tx1"/>
+                      </a:solidFill>
+                      <a:prstDash val="solid"/>
+                      <a:round/>
+                      <a:headEnd type="none" w="med" len="med"/>
+                      <a:tailEnd type="none" w="med" len="med"/>
+                    </a:lnL>
+                    <a:lnR w="12700" cap="flat" cmpd="sng" algn="ctr">
+                      <a:solidFill>
+                        <a:schemeClr val="tx1"/>
+                      </a:solidFill>
+                      <a:prstDash val="solid"/>
+                      <a:round/>
+                      <a:headEnd type="none" w="med" len="med"/>
+                      <a:tailEnd type="none" w="med" len="med"/>
+                    </a:lnR>
+                    <a:lnT w="12700" cap="flat" cmpd="sng" algn="ctr">
+                      <a:solidFill>
+                        <a:schemeClr val="tx1"/>
+                      </a:solidFill>
+                      <a:prstDash val="solid"/>
+                      <a:round/>
+                      <a:headEnd type="none" w="med" len="med"/>
+                      <a:tailEnd type="none" w="med" len="med"/>
+                    </a:lnT>
+                    <a:lnB w="12700" cap="flat" cmpd="sng" algn="ctr">
+                      <a:solidFill>
+                        <a:schemeClr val="tx1"/>
+                      </a:solidFill>
+                      <a:prstDash val="solid"/>
+                      <a:round/>
+                      <a:headEnd type="none" w="med" len="med"/>
+                      <a:tailEnd type="none" w="med" len="med"/>
+                    </a:lnB>
+                    <a:lnTlToBr w="12700" cmpd="sng">
+                      <a:noFill/>
+                      <a:prstDash val="solid"/>
+                    </a:lnTlToBr>
+                    <a:lnBlToTr w="12700" cmpd="sng">
+                      <a:noFill/>
+                      <a:prstDash val="solid"/>
+                    </a:lnBlToTr>
+                    <a:solidFill>
+                      <a:schemeClr val="bg1">
+                        <a:lumMod val="85000"/>
+                      </a:schemeClr>
+                    </a:solidFill>
+                  </a:tcPr>
+                </a:tc>
+                <a:tc>
+                  <a:txBody>
+                    <a:bodyPr/>
+                    <a:lstStyle/>
+                    <a:p>
+                      <a:pPr algn="ctr" latinLnBrk="1"/>
+                      <a:r>
+                        <a:rPr lang="ko-KR" altLang="en-US" dirty="0" smtClean="0">
+                          <a:solidFill>
+                            <a:schemeClr val="tx1"/>
+                          </a:solidFill>
+                        </a:rPr>
+                        <a:t>서초역</a:t>
+                      </a:r>
+                      <a:endParaRPr lang="en-US" altLang="ko-KR" dirty="0" smtClean="0">
+                        <a:solidFill>
+                          <a:schemeClr val="tx1"/>
+                        </a:solidFill>
+                      </a:endParaRPr>
+                    </a:p>
+                    <a:p>
+                      <a:pPr algn="ctr" latinLnBrk="1"/>
+                      <a:r>
+                        <a:rPr lang="en-US" altLang="ko-KR" dirty="0" smtClean="0">
+                          <a:solidFill>
+                            <a:schemeClr val="tx1"/>
+                          </a:solidFill>
+                        </a:rPr>
+                        <a:t>4</a:t>
+                      </a:r>
+                      <a:r>
+                        <a:rPr lang="ko-KR" altLang="en-US" dirty="0" smtClean="0">
+                          <a:solidFill>
+                            <a:schemeClr val="tx1"/>
+                          </a:solidFill>
+                        </a:rPr>
+                        <a:t>번출구</a:t>
+                      </a:r>
+                      <a:endParaRPr lang="ko-KR" altLang="en-US" dirty="0">
+                        <a:solidFill>
+                          <a:schemeClr val="tx1"/>
+                        </a:solidFill>
+                      </a:endParaRPr>
+                    </a:p>
+                  </a:txBody>
+                  <a:tcPr anchor="ctr">
+                    <a:lnL w="12700" cap="flat" cmpd="sng" algn="ctr">
+                      <a:solidFill>
+                        <a:schemeClr val="tx1"/>
+                      </a:solidFill>
+                      <a:prstDash val="solid"/>
+                      <a:round/>
+                      <a:headEnd type="none" w="med" len="med"/>
+                      <a:tailEnd type="none" w="med" len="med"/>
+                    </a:lnL>
+                    <a:lnR w="12700" cap="flat" cmpd="sng" algn="ctr">
+                      <a:solidFill>
+                        <a:schemeClr val="tx1"/>
+                      </a:solidFill>
+                      <a:prstDash val="solid"/>
+                      <a:round/>
+                      <a:headEnd type="none" w="med" len="med"/>
+                      <a:tailEnd type="none" w="med" len="med"/>
+                    </a:lnR>
+                    <a:lnT w="12700" cap="flat" cmpd="sng" algn="ctr">
+                      <a:solidFill>
+                        <a:schemeClr val="tx1"/>
+                      </a:solidFill>
+                      <a:prstDash val="solid"/>
+                      <a:round/>
+                      <a:headEnd type="none" w="med" len="med"/>
+                      <a:tailEnd type="none" w="med" len="med"/>
+                    </a:lnT>
+                    <a:lnB w="12700" cap="flat" cmpd="sng" algn="ctr">
+                      <a:solidFill>
+                        <a:schemeClr val="tx1"/>
+                      </a:solidFill>
+                      <a:prstDash val="solid"/>
+                      <a:round/>
+                      <a:headEnd type="none" w="med" len="med"/>
+                      <a:tailEnd type="none" w="med" len="med"/>
+                    </a:lnB>
+                    <a:lnTlToBr w="12700" cmpd="sng">
+                      <a:noFill/>
+                      <a:prstDash val="solid"/>
+                    </a:lnTlToBr>
+                    <a:lnBlToTr w="12700" cmpd="sng">
+                      <a:noFill/>
+                      <a:prstDash val="solid"/>
+                    </a:lnBlToTr>
+                    <a:solidFill>
+                      <a:schemeClr val="bg1">
+                        <a:lumMod val="85000"/>
+                      </a:schemeClr>
+                    </a:solidFill>
+                  </a:tcPr>
+                </a:tc>
+                <a:tc>
+                  <a:txBody>
+                    <a:bodyPr/>
+                    <a:lstStyle/>
+                    <a:p>
+                      <a:pPr algn="ctr" latinLnBrk="1"/>
+                      <a:r>
+                        <a:rPr lang="ko-KR" altLang="en-US" dirty="0" smtClean="0">
+                          <a:solidFill>
+                            <a:schemeClr val="tx1"/>
+                          </a:solidFill>
+                        </a:rPr>
+                        <a:t>사랑의 교회</a:t>
+                      </a:r>
+                      <a:endParaRPr lang="ko-KR" altLang="en-US" dirty="0">
+                        <a:solidFill>
+                          <a:schemeClr val="tx1"/>
+                        </a:solidFill>
+                      </a:endParaRPr>
+                    </a:p>
+                  </a:txBody>
+                  <a:tcPr anchor="ctr">
+                    <a:lnL w="12700" cap="flat" cmpd="sng" algn="ctr">
+                      <a:solidFill>
+                        <a:schemeClr val="tx1"/>
+                      </a:solidFill>
+                      <a:prstDash val="solid"/>
+                      <a:round/>
+                      <a:headEnd type="none" w="med" len="med"/>
+                      <a:tailEnd type="none" w="med" len="med"/>
+                    </a:lnL>
+                    <a:lnR w="12700" cap="flat" cmpd="sng" algn="ctr">
+                      <a:solidFill>
+                        <a:schemeClr val="tx1"/>
+                      </a:solidFill>
+                      <a:prstDash val="solid"/>
+                      <a:round/>
+                      <a:headEnd type="none" w="med" len="med"/>
+                      <a:tailEnd type="none" w="med" len="med"/>
+                    </a:lnR>
+                    <a:lnT w="12700" cap="flat" cmpd="sng" algn="ctr">
+                      <a:solidFill>
+                        <a:schemeClr val="tx1"/>
+                      </a:solidFill>
+                      <a:prstDash val="solid"/>
+                      <a:round/>
+                      <a:headEnd type="none" w="med" len="med"/>
+                      <a:tailEnd type="none" w="med" len="med"/>
+                    </a:lnT>
+                    <a:lnB w="12700" cap="flat" cmpd="sng" algn="ctr">
+                      <a:solidFill>
+                        <a:schemeClr val="tx1"/>
+                      </a:solidFill>
+                      <a:prstDash val="solid"/>
+                      <a:round/>
+                      <a:headEnd type="none" w="med" len="med"/>
+                      <a:tailEnd type="none" w="med" len="med"/>
+                    </a:lnB>
+                    <a:lnTlToBr w="12700" cmpd="sng">
+                      <a:noFill/>
+                      <a:prstDash val="solid"/>
+                    </a:lnTlToBr>
+                    <a:lnBlToTr w="12700" cmpd="sng">
+                      <a:noFill/>
+                      <a:prstDash val="solid"/>
+                    </a:lnBlToTr>
+                    <a:solidFill>
+                      <a:schemeClr val="bg1">
+                        <a:lumMod val="85000"/>
+                      </a:schemeClr>
+                    </a:solidFill>
+                  </a:tcPr>
+                </a:tc>
+                <a:tc>
+                  <a:txBody>
+                    <a:bodyPr/>
+                    <a:lstStyle/>
+                    <a:p>
+                      <a:pPr algn="ctr" latinLnBrk="1"/>
+                      <a:r>
+                        <a:rPr lang="ko-KR" altLang="en-US" dirty="0" smtClean="0">
+                          <a:solidFill>
+                            <a:schemeClr val="tx1"/>
+                          </a:solidFill>
+                        </a:rPr>
+                        <a:t>교대역</a:t>
+                      </a:r>
+                      <a:endParaRPr lang="en-US" altLang="ko-KR" dirty="0" smtClean="0">
+                        <a:solidFill>
+                          <a:schemeClr val="tx1"/>
+                        </a:solidFill>
+                      </a:endParaRPr>
+                    </a:p>
+                    <a:p>
+                      <a:pPr algn="ctr" latinLnBrk="1"/>
+                      <a:r>
+                        <a:rPr lang="ko-KR" altLang="en-US" dirty="0" smtClean="0">
+                          <a:solidFill>
+                            <a:schemeClr val="tx1"/>
+                          </a:solidFill>
+                        </a:rPr>
+                        <a:t>잘못내림</a:t>
+                      </a:r>
+                      <a:endParaRPr lang="en-US" altLang="ko-KR" dirty="0" smtClean="0">
+                        <a:solidFill>
+                          <a:schemeClr val="tx1"/>
+                        </a:solidFill>
+                      </a:endParaRPr>
+                    </a:p>
+                  </a:txBody>
+                  <a:tcPr anchor="ctr">
+                    <a:lnL w="12700" cap="flat" cmpd="sng" algn="ctr">
+                      <a:solidFill>
+                        <a:schemeClr val="tx1"/>
+                      </a:solidFill>
+                      <a:prstDash val="solid"/>
+                      <a:round/>
+                      <a:headEnd type="none" w="med" len="med"/>
+                      <a:tailEnd type="none" w="med" len="med"/>
+                    </a:lnL>
+                    <a:lnR w="12700" cap="flat" cmpd="sng" algn="ctr">
+                      <a:solidFill>
+                        <a:schemeClr val="tx1"/>
+                      </a:solidFill>
+                      <a:prstDash val="solid"/>
+                      <a:round/>
+                      <a:headEnd type="none" w="med" len="med"/>
+                      <a:tailEnd type="none" w="med" len="med"/>
+                    </a:lnR>
+                    <a:lnT w="12700" cap="flat" cmpd="sng" algn="ctr">
+                      <a:solidFill>
+                        <a:schemeClr val="tx1"/>
+                      </a:solidFill>
+                      <a:prstDash val="solid"/>
+                      <a:round/>
+                      <a:headEnd type="none" w="med" len="med"/>
+                      <a:tailEnd type="none" w="med" len="med"/>
+                    </a:lnT>
+                    <a:lnB w="12700" cap="flat" cmpd="sng" algn="ctr">
+                      <a:solidFill>
+                        <a:schemeClr val="tx1"/>
+                      </a:solidFill>
+                      <a:prstDash val="solid"/>
+                      <a:round/>
+                      <a:headEnd type="none" w="med" len="med"/>
+                      <a:tailEnd type="none" w="med" len="med"/>
+                    </a:lnB>
+                    <a:lnTlToBr w="12700" cmpd="sng">
+                      <a:noFill/>
+                      <a:prstDash val="solid"/>
+                    </a:lnTlToBr>
+                    <a:lnBlToTr w="12700" cmpd="sng">
+                      <a:noFill/>
+                      <a:prstDash val="solid"/>
+                    </a:lnBlToTr>
+                    <a:solidFill>
+                      <a:schemeClr val="bg1">
+                        <a:lumMod val="85000"/>
+                      </a:schemeClr>
+                    </a:solidFill>
+                  </a:tcPr>
+                </a:tc>
+                <a:tc>
+                  <a:txBody>
+                    <a:bodyPr/>
+                    <a:lstStyle/>
+                    <a:p>
+                      <a:pPr algn="ctr" latinLnBrk="1"/>
+                      <a:r>
+                        <a:rPr lang="ko-KR" altLang="en-US" dirty="0" smtClean="0">
+                          <a:solidFill>
+                            <a:schemeClr val="tx1"/>
+                          </a:solidFill>
+                        </a:rPr>
+                        <a:t>출발하지 않음</a:t>
+                      </a:r>
+                      <a:endParaRPr lang="ko-KR" altLang="en-US" dirty="0">
+                        <a:solidFill>
+                          <a:schemeClr val="tx1"/>
+                        </a:solidFill>
+                      </a:endParaRPr>
+                    </a:p>
+                  </a:txBody>
+                  <a:tcPr anchor="ctr">
+                    <a:lnL w="12700" cap="flat" cmpd="sng" algn="ctr">
+                      <a:solidFill>
+                        <a:schemeClr val="tx1"/>
+                      </a:solidFill>
+                      <a:prstDash val="solid"/>
+                      <a:round/>
+                      <a:headEnd type="none" w="med" len="med"/>
+                      <a:tailEnd type="none" w="med" len="med"/>
+                    </a:lnL>
+                    <a:lnR w="12700" cap="flat" cmpd="sng" algn="ctr">
+                      <a:solidFill>
+                        <a:schemeClr val="tx1"/>
+                      </a:solidFill>
+                      <a:prstDash val="solid"/>
+                      <a:round/>
+                      <a:headEnd type="none" w="med" len="med"/>
+                      <a:tailEnd type="none" w="med" len="med"/>
+                    </a:lnR>
+                    <a:lnT w="12700" cap="flat" cmpd="sng" algn="ctr">
+                      <a:solidFill>
+                        <a:schemeClr val="tx1"/>
+                      </a:solidFill>
+                      <a:prstDash val="solid"/>
+                      <a:round/>
+                      <a:headEnd type="none" w="med" len="med"/>
+                      <a:tailEnd type="none" w="med" len="med"/>
+                    </a:lnT>
+                    <a:lnB w="12700" cap="flat" cmpd="sng" algn="ctr">
+                      <a:solidFill>
+                        <a:schemeClr val="tx1"/>
+                      </a:solidFill>
+                      <a:prstDash val="solid"/>
+                      <a:round/>
+                      <a:headEnd type="none" w="med" len="med"/>
+                      <a:tailEnd type="none" w="med" len="med"/>
+                    </a:lnB>
+                    <a:lnTlToBr w="12700" cmpd="sng">
+                      <a:noFill/>
+                      <a:prstDash val="solid"/>
+                    </a:lnTlToBr>
+                    <a:lnBlToTr w="12700" cmpd="sng">
+                      <a:noFill/>
+                      <a:prstDash val="solid"/>
+                    </a:lnBlToTr>
+                    <a:solidFill>
+                      <a:schemeClr val="bg1">
+                        <a:lumMod val="85000"/>
+                      </a:schemeClr>
+                    </a:solidFill>
+                  </a:tcPr>
+                </a:tc>
+              </a:tr>
+              <a:tr h="370840">
+                <a:tc>
+                  <a:txBody>
+                    <a:bodyPr/>
+                    <a:lstStyle/>
+                    <a:p>
+                      <a:pPr algn="ctr" latinLnBrk="1"/>
+                      <a:r>
+                        <a:rPr lang="ko-KR" altLang="en-US" b="1" dirty="0" smtClean="0">
+                          <a:solidFill>
+                            <a:schemeClr val="tx1"/>
+                          </a:solidFill>
+                        </a:rPr>
+                        <a:t>확률</a:t>
+                      </a:r>
+                      <a:r>
+                        <a:rPr lang="en-US" altLang="ko-KR" b="1" dirty="0" smtClean="0">
+                          <a:solidFill>
+                            <a:schemeClr val="tx1"/>
+                          </a:solidFill>
+                        </a:rPr>
+                        <a:t>(P(X=x))</a:t>
+                      </a:r>
+                      <a:endParaRPr lang="ko-KR" altLang="en-US" b="1" dirty="0">
+                        <a:solidFill>
+                          <a:schemeClr val="tx1"/>
+                        </a:solidFill>
+                      </a:endParaRPr>
+                    </a:p>
+                  </a:txBody>
+                  <a:tcPr anchor="ctr">
+                    <a:lnL w="12700" cap="flat" cmpd="sng" algn="ctr">
+                      <a:solidFill>
+                        <a:schemeClr val="tx1"/>
+                      </a:solidFill>
+                      <a:prstDash val="solid"/>
+                      <a:round/>
+                      <a:headEnd type="none" w="med" len="med"/>
+                      <a:tailEnd type="none" w="med" len="med"/>
+                    </a:lnL>
+                    <a:lnR w="12700" cap="flat" cmpd="sng" algn="ctr">
+                      <a:solidFill>
+                        <a:schemeClr val="tx1"/>
+                      </a:solidFill>
+                      <a:prstDash val="solid"/>
+                      <a:round/>
+                      <a:headEnd type="none" w="med" len="med"/>
+                      <a:tailEnd type="none" w="med" len="med"/>
+                    </a:lnR>
+                    <a:lnT w="12700" cap="flat" cmpd="sng" algn="ctr">
+                      <a:solidFill>
+                        <a:schemeClr val="tx1"/>
+                      </a:solidFill>
+                      <a:prstDash val="solid"/>
+                      <a:round/>
+                      <a:headEnd type="none" w="med" len="med"/>
+                      <a:tailEnd type="none" w="med" len="med"/>
+                    </a:lnT>
+                    <a:lnB w="12700" cap="flat" cmpd="sng" algn="ctr">
+                      <a:solidFill>
+                        <a:schemeClr val="tx1"/>
+                      </a:solidFill>
+                      <a:prstDash val="solid"/>
+                      <a:round/>
+                      <a:headEnd type="none" w="med" len="med"/>
+                      <a:tailEnd type="none" w="med" len="med"/>
+                    </a:lnB>
+                    <a:lnTlToBr w="12700" cmpd="sng">
+                      <a:noFill/>
+                      <a:prstDash val="solid"/>
+                    </a:lnTlToBr>
+                    <a:lnBlToTr w="12700" cmpd="sng">
+                      <a:noFill/>
+                      <a:prstDash val="solid"/>
+                    </a:lnBlToTr>
+                    <a:solidFill>
+                      <a:schemeClr val="bg1">
+                        <a:lumMod val="85000"/>
+                      </a:schemeClr>
+                    </a:solidFill>
+                  </a:tcPr>
+                </a:tc>
+                <a:tc>
+                  <a:txBody>
+                    <a:bodyPr/>
+                    <a:lstStyle/>
+                    <a:p>
+                      <a:pPr algn="ctr" latinLnBrk="1"/>
+                      <a:r>
+                        <a:rPr lang="en-US" altLang="ko-KR" dirty="0" smtClean="0">
+                          <a:solidFill>
+                            <a:schemeClr val="tx1"/>
+                          </a:solidFill>
+                        </a:rPr>
+                        <a:t>80%</a:t>
+                      </a:r>
+                      <a:endParaRPr lang="ko-KR" altLang="en-US" dirty="0">
+                        <a:solidFill>
+                          <a:schemeClr val="tx1"/>
+                        </a:solidFill>
+                      </a:endParaRPr>
+                    </a:p>
+                  </a:txBody>
+                  <a:tcPr anchor="ctr">
+                    <a:lnL w="12700" cap="flat" cmpd="sng" algn="ctr">
+                      <a:solidFill>
+                        <a:schemeClr val="tx1"/>
+                      </a:solidFill>
+                      <a:prstDash val="solid"/>
+                      <a:round/>
+                      <a:headEnd type="none" w="med" len="med"/>
+                      <a:tailEnd type="none" w="med" len="med"/>
+                    </a:lnL>
+                    <a:lnR w="12700" cap="flat" cmpd="sng" algn="ctr">
+                      <a:solidFill>
+                        <a:schemeClr val="tx1"/>
+                      </a:solidFill>
+                      <a:prstDash val="solid"/>
+                      <a:round/>
+                      <a:headEnd type="none" w="med" len="med"/>
+                      <a:tailEnd type="none" w="med" len="med"/>
+                    </a:lnR>
+                    <a:lnT w="12700" cap="flat" cmpd="sng" algn="ctr">
+                      <a:solidFill>
+                        <a:schemeClr val="tx1"/>
+                      </a:solidFill>
+                      <a:prstDash val="solid"/>
+                      <a:round/>
+                      <a:headEnd type="none" w="med" len="med"/>
+                      <a:tailEnd type="none" w="med" len="med"/>
+                    </a:lnT>
+                    <a:lnB w="12700" cap="flat" cmpd="sng" algn="ctr">
+                      <a:solidFill>
+                        <a:schemeClr val="tx1"/>
+                      </a:solidFill>
+                      <a:prstDash val="solid"/>
+                      <a:round/>
+                      <a:headEnd type="none" w="med" len="med"/>
+                      <a:tailEnd type="none" w="med" len="med"/>
+                    </a:lnB>
+                    <a:lnTlToBr w="12700" cmpd="sng">
+                      <a:noFill/>
+                      <a:prstDash val="solid"/>
+                    </a:lnTlToBr>
+                    <a:lnBlToTr w="12700" cmpd="sng">
+                      <a:noFill/>
+                      <a:prstDash val="solid"/>
+                    </a:lnBlToTr>
+                    <a:solidFill>
+                      <a:schemeClr val="bg1"/>
+                    </a:solidFill>
+                  </a:tcPr>
+                </a:tc>
+                <a:tc>
+                  <a:txBody>
+                    <a:bodyPr/>
+                    <a:lstStyle/>
+                    <a:p>
+                      <a:pPr algn="ctr" latinLnBrk="1"/>
+                      <a:r>
+                        <a:rPr lang="en-US" altLang="ko-KR" dirty="0" smtClean="0">
+                          <a:solidFill>
+                            <a:schemeClr val="tx1"/>
+                          </a:solidFill>
+                        </a:rPr>
+                        <a:t>15%</a:t>
+                      </a:r>
+                      <a:endParaRPr lang="ko-KR" altLang="en-US" dirty="0">
+                        <a:solidFill>
+                          <a:schemeClr val="tx1"/>
+                        </a:solidFill>
+                      </a:endParaRPr>
+                    </a:p>
+                  </a:txBody>
+                  <a:tcPr anchor="ctr">
+                    <a:lnL w="12700" cap="flat" cmpd="sng" algn="ctr">
+                      <a:solidFill>
+                        <a:schemeClr val="tx1"/>
+                      </a:solidFill>
+                      <a:prstDash val="solid"/>
+                      <a:round/>
+                      <a:headEnd type="none" w="med" len="med"/>
+                      <a:tailEnd type="none" w="med" len="med"/>
+                    </a:lnL>
+                    <a:lnR w="12700" cap="flat" cmpd="sng" algn="ctr">
+                      <a:solidFill>
+                        <a:schemeClr val="tx1"/>
+                      </a:solidFill>
+                      <a:prstDash val="solid"/>
+                      <a:round/>
+                      <a:headEnd type="none" w="med" len="med"/>
+                      <a:tailEnd type="none" w="med" len="med"/>
+                    </a:lnR>
+                    <a:lnT w="12700" cap="flat" cmpd="sng" algn="ctr">
+                      <a:solidFill>
+                        <a:schemeClr val="tx1"/>
+                      </a:solidFill>
+                      <a:prstDash val="solid"/>
+                      <a:round/>
+                      <a:headEnd type="none" w="med" len="med"/>
+                      <a:tailEnd type="none" w="med" len="med"/>
+                    </a:lnT>
+                    <a:lnB w="12700" cap="flat" cmpd="sng" algn="ctr">
+                      <a:solidFill>
+                        <a:schemeClr val="tx1"/>
+                      </a:solidFill>
+                      <a:prstDash val="solid"/>
+                      <a:round/>
+                      <a:headEnd type="none" w="med" len="med"/>
+                      <a:tailEnd type="none" w="med" len="med"/>
+                    </a:lnB>
+                    <a:lnTlToBr w="12700" cmpd="sng">
+                      <a:noFill/>
+                      <a:prstDash val="solid"/>
+                    </a:lnTlToBr>
+                    <a:lnBlToTr w="12700" cmpd="sng">
+                      <a:noFill/>
+                      <a:prstDash val="solid"/>
+                    </a:lnBlToTr>
+                    <a:solidFill>
+                      <a:schemeClr val="bg1"/>
+                    </a:solidFill>
+                  </a:tcPr>
+                </a:tc>
+                <a:tc>
+                  <a:txBody>
+                    <a:bodyPr/>
+                    <a:lstStyle/>
+                    <a:p>
+                      <a:pPr algn="ctr" latinLnBrk="1"/>
+                      <a:r>
+                        <a:rPr lang="en-US" altLang="ko-KR" dirty="0" smtClean="0">
+                          <a:solidFill>
+                            <a:schemeClr val="tx1"/>
+                          </a:solidFill>
+                        </a:rPr>
+                        <a:t>3%</a:t>
+                      </a:r>
+                      <a:endParaRPr lang="ko-KR" altLang="en-US" dirty="0">
+                        <a:solidFill>
+                          <a:schemeClr val="tx1"/>
+                        </a:solidFill>
+                      </a:endParaRPr>
+                    </a:p>
+                  </a:txBody>
+                  <a:tcPr anchor="ctr">
+                    <a:lnL w="12700" cap="flat" cmpd="sng" algn="ctr">
+                      <a:solidFill>
+                        <a:schemeClr val="tx1"/>
+                      </a:solidFill>
+                      <a:prstDash val="solid"/>
+                      <a:round/>
+                      <a:headEnd type="none" w="med" len="med"/>
+                      <a:tailEnd type="none" w="med" len="med"/>
+                    </a:lnL>
+                    <a:lnR w="12700" cap="flat" cmpd="sng" algn="ctr">
+                      <a:solidFill>
+                        <a:schemeClr val="tx1"/>
+                      </a:solidFill>
+                      <a:prstDash val="solid"/>
+                      <a:round/>
+                      <a:headEnd type="none" w="med" len="med"/>
+                      <a:tailEnd type="none" w="med" len="med"/>
+                    </a:lnR>
+                    <a:lnT w="12700" cap="flat" cmpd="sng" algn="ctr">
+                      <a:solidFill>
+                        <a:schemeClr val="tx1"/>
+                      </a:solidFill>
+                      <a:prstDash val="solid"/>
+                      <a:round/>
+                      <a:headEnd type="none" w="med" len="med"/>
+                      <a:tailEnd type="none" w="med" len="med"/>
+                    </a:lnT>
+                    <a:lnB w="12700" cap="flat" cmpd="sng" algn="ctr">
+                      <a:solidFill>
+                        <a:schemeClr val="tx1"/>
+                      </a:solidFill>
+                      <a:prstDash val="solid"/>
+                      <a:round/>
+                      <a:headEnd type="none" w="med" len="med"/>
+                      <a:tailEnd type="none" w="med" len="med"/>
+                    </a:lnB>
+                    <a:lnTlToBr w="12700" cmpd="sng">
+                      <a:noFill/>
+                      <a:prstDash val="solid"/>
+                    </a:lnTlToBr>
+                    <a:lnBlToTr w="12700" cmpd="sng">
+                      <a:noFill/>
+                      <a:prstDash val="solid"/>
+                    </a:lnBlToTr>
+                    <a:solidFill>
+                      <a:schemeClr val="bg1"/>
+                    </a:solidFill>
+                  </a:tcPr>
+                </a:tc>
+                <a:tc>
+                  <a:txBody>
+                    <a:bodyPr/>
+                    <a:lstStyle/>
+                    <a:p>
+                      <a:pPr algn="ctr" latinLnBrk="1"/>
+                      <a:r>
+                        <a:rPr lang="en-US" altLang="ko-KR" dirty="0" smtClean="0">
+                          <a:solidFill>
+                            <a:schemeClr val="tx1"/>
+                          </a:solidFill>
+                        </a:rPr>
+                        <a:t>2%</a:t>
+                      </a:r>
+                      <a:endParaRPr lang="ko-KR" altLang="en-US" dirty="0">
+                        <a:solidFill>
+                          <a:schemeClr val="tx1"/>
+                        </a:solidFill>
+                      </a:endParaRPr>
+                    </a:p>
+                  </a:txBody>
+                  <a:tcPr anchor="ctr">
+                    <a:lnL w="12700" cap="flat" cmpd="sng" algn="ctr">
+                      <a:solidFill>
+                        <a:schemeClr val="tx1"/>
+                      </a:solidFill>
+                      <a:prstDash val="solid"/>
+                      <a:round/>
+                      <a:headEnd type="none" w="med" len="med"/>
+                      <a:tailEnd type="none" w="med" len="med"/>
+                    </a:lnL>
+                    <a:lnR w="12700" cap="flat" cmpd="sng" algn="ctr">
+                      <a:solidFill>
+                        <a:schemeClr val="tx1"/>
+                      </a:solidFill>
+                      <a:prstDash val="solid"/>
+                      <a:round/>
+                      <a:headEnd type="none" w="med" len="med"/>
+                      <a:tailEnd type="none" w="med" len="med"/>
+                    </a:lnR>
+                    <a:lnT w="12700" cap="flat" cmpd="sng" algn="ctr">
+                      <a:solidFill>
+                        <a:schemeClr val="tx1"/>
+                      </a:solidFill>
+                      <a:prstDash val="solid"/>
+                      <a:round/>
+                      <a:headEnd type="none" w="med" len="med"/>
+                      <a:tailEnd type="none" w="med" len="med"/>
+                    </a:lnT>
+                    <a:lnB w="12700" cap="flat" cmpd="sng" algn="ctr">
+                      <a:solidFill>
+                        <a:schemeClr val="tx1"/>
+                      </a:solidFill>
+                      <a:prstDash val="solid"/>
+                      <a:round/>
+                      <a:headEnd type="none" w="med" len="med"/>
+                      <a:tailEnd type="none" w="med" len="med"/>
+                    </a:lnB>
+                    <a:lnTlToBr w="12700" cmpd="sng">
+                      <a:noFill/>
+                      <a:prstDash val="solid"/>
+                    </a:lnTlToBr>
+                    <a:lnBlToTr w="12700" cmpd="sng">
+                      <a:noFill/>
+                      <a:prstDash val="solid"/>
+                    </a:lnBlToTr>
+                    <a:solidFill>
+                      <a:schemeClr val="bg1"/>
+                    </a:solidFill>
+                  </a:tcPr>
+                </a:tc>
+                <a:tc>
+                  <a:txBody>
+                    <a:bodyPr/>
+                    <a:lstStyle/>
+                    <a:p>
+                      <a:pPr algn="ctr" latinLnBrk="1"/>
+                      <a:r>
+                        <a:rPr lang="en-US" altLang="ko-KR" dirty="0" smtClean="0">
+                          <a:solidFill>
+                            <a:schemeClr val="tx1"/>
+                          </a:solidFill>
+                        </a:rPr>
+                        <a:t>1%</a:t>
+                      </a:r>
+                      <a:endParaRPr lang="ko-KR" altLang="en-US" dirty="0">
+                        <a:solidFill>
+                          <a:schemeClr val="tx1"/>
+                        </a:solidFill>
+                      </a:endParaRPr>
+                    </a:p>
+                  </a:txBody>
+                  <a:tcPr anchor="ctr">
+                    <a:lnL w="12700" cap="flat" cmpd="sng" algn="ctr">
+                      <a:solidFill>
+                        <a:schemeClr val="tx1"/>
+                      </a:solidFill>
+                      <a:prstDash val="solid"/>
+                      <a:round/>
+                      <a:headEnd type="none" w="med" len="med"/>
+                      <a:tailEnd type="none" w="med" len="med"/>
+                    </a:lnL>
+                    <a:lnR w="12700" cap="flat" cmpd="sng" algn="ctr">
+                      <a:solidFill>
+                        <a:schemeClr val="tx1"/>
+                      </a:solidFill>
+                      <a:prstDash val="solid"/>
+                      <a:round/>
+                      <a:headEnd type="none" w="med" len="med"/>
+                      <a:tailEnd type="none" w="med" len="med"/>
+                    </a:lnR>
+                    <a:lnT w="12700" cap="flat" cmpd="sng" algn="ctr">
+                      <a:solidFill>
+                        <a:schemeClr val="tx1"/>
+                      </a:solidFill>
+                      <a:prstDash val="solid"/>
+                      <a:round/>
+                      <a:headEnd type="none" w="med" len="med"/>
+                      <a:tailEnd type="none" w="med" len="med"/>
+                    </a:lnT>
+                    <a:lnB w="12700" cap="flat" cmpd="sng" algn="ctr">
+                      <a:solidFill>
+                        <a:schemeClr val="tx1"/>
+                      </a:solidFill>
+                      <a:prstDash val="solid"/>
+                      <a:round/>
+                      <a:headEnd type="none" w="med" len="med"/>
+                      <a:tailEnd type="none" w="med" len="med"/>
+                    </a:lnB>
+                    <a:lnTlToBr w="12700" cmpd="sng">
+                      <a:noFill/>
+                      <a:prstDash val="solid"/>
+                    </a:lnTlToBr>
+                    <a:lnBlToTr w="12700" cmpd="sng">
+                      <a:noFill/>
+                      <a:prstDash val="solid"/>
+                    </a:lnBlToTr>
+                    <a:solidFill>
+                      <a:schemeClr val="bg1"/>
+                    </a:solidFill>
+                  </a:tcPr>
+                </a:tc>
+              </a:tr>
+            </a:tbl>
+          </a:graphicData>
+        </a:graphic>
+      </p:graphicFrame>
+    </p:spTree>
+    <p:extLst>
+      <p:ext uri="{BB962C8B-B14F-4D97-AF65-F5344CB8AC3E}">
+        <p14:creationId xmlns:p14="http://schemas.microsoft.com/office/powerpoint/2010/main" val="3999331162"/>
+      </p:ext>
+    </p:extLst>
+  </p:cSld>
+  <p:clrMapOvr>
+    <a:masterClrMapping/>
+  </p:clrMapOvr>
+</p:sld>
+</file>
+
+<file path=ppt/slides/slide2.xml><?xml version="1.0" encoding="utf-8"?>
+<p:sld xmlns:a="http://schemas.openxmlformats.org/drawingml/2006/main" xmlns:r="http://schemas.openxmlformats.org/officeDocument/2006/relationships" xmlns:p="http://schemas.openxmlformats.org/presentationml/2006/main">
+  <p:cSld>
+    <p:spTree>
+      <p:nvGrpSpPr>
+        <p:cNvPr id="1" name=""/>
+        <p:cNvGrpSpPr/>
+        <p:nvPr/>
+      </p:nvGrpSpPr>
+      <p:grpSpPr>
+        <a:xfrm>
+          <a:off x="0" y="0"/>
+          <a:ext cx="0" cy="0"/>
+          <a:chOff x="0" y="0"/>
+          <a:chExt cx="0" cy="0"/>
+        </a:xfrm>
+      </p:grpSpPr>
       <p:pic>
         <p:nvPicPr>
           <p:cNvPr id="1026" name="Picture 2"/>
@@ -3114,7 +4139,7 @@
 </p:sld>
 </file>
 
-<file path=ppt/slides/slide2.xml><?xml version="1.0" encoding="utf-8"?>
+<file path=ppt/slides/slide3.xml><?xml version="1.0" encoding="utf-8"?>
 <p:sld xmlns:a="http://schemas.openxmlformats.org/drawingml/2006/main" xmlns:r="http://schemas.openxmlformats.org/officeDocument/2006/relationships" xmlns:p="http://schemas.openxmlformats.org/presentationml/2006/main">
   <p:cSld>
     <p:spTree>
@@ -3691,8 +4716,8 @@
           </p:sp>
         </mc:Fallback>
       </mc:AlternateContent>
-      <mc:AlternateContent xmlns:mc="http://schemas.openxmlformats.org/markup-compatibility/2006">
-        <mc:Choice xmlns:a14="http://schemas.microsoft.com/office/drawing/2010/main" Requires="a14">
+      <mc:AlternateContent xmlns:mc="http://schemas.openxmlformats.org/markup-compatibility/2006" xmlns:a14="http://schemas.microsoft.com/office/drawing/2010/main">
+        <mc:Choice Requires="a14">
           <p:sp>
             <p:nvSpPr>
               <p:cNvPr id="7" name="TextBox 6"/>
@@ -3898,7 +4923,7 @@
             </p:txBody>
           </p:sp>
         </mc:Choice>
-        <mc:Fallback>
+        <mc:Fallback xmlns="">
           <p:sp>
             <p:nvSpPr>
               <p:cNvPr id="7" name="TextBox 6"/>
@@ -3955,7 +4980,7 @@
 </p:sld>
 </file>
 
-<file path=ppt/slides/slide3.xml><?xml version="1.0" encoding="utf-8"?>
+<file path=ppt/slides/slide4.xml><?xml version="1.0" encoding="utf-8"?>
 <p:sld xmlns:a="http://schemas.openxmlformats.org/drawingml/2006/main" xmlns:r="http://schemas.openxmlformats.org/officeDocument/2006/relationships" xmlns:p="http://schemas.openxmlformats.org/presentationml/2006/main">
   <p:cSld>
     <p:spTree>
@@ -4036,8 +5061,8 @@
           </a:extLst>
         </p:spPr>
       </p:pic>
-      <mc:AlternateContent xmlns:mc="http://schemas.openxmlformats.org/markup-compatibility/2006">
-        <mc:Choice xmlns:a14="http://schemas.microsoft.com/office/drawing/2010/main" Requires="a14">
+      <mc:AlternateContent xmlns:mc="http://schemas.openxmlformats.org/markup-compatibility/2006" xmlns:a14="http://schemas.microsoft.com/office/drawing/2010/main">
+        <mc:Choice Requires="a14">
           <p:sp>
             <p:nvSpPr>
               <p:cNvPr id="5" name="TextBox 4"/>
@@ -4240,7 +5265,7 @@
             </p:txBody>
           </p:sp>
         </mc:Choice>
-        <mc:Fallback>
+        <mc:Fallback xmlns="">
           <p:sp>
             <p:nvSpPr>
               <p:cNvPr id="5" name="TextBox 4"/>
@@ -4284,8 +5309,8 @@
           </p:sp>
         </mc:Fallback>
       </mc:AlternateContent>
-      <mc:AlternateContent xmlns:mc="http://schemas.openxmlformats.org/markup-compatibility/2006">
-        <mc:Choice xmlns:a14="http://schemas.microsoft.com/office/drawing/2010/main" Requires="a14">
+      <mc:AlternateContent xmlns:mc="http://schemas.openxmlformats.org/markup-compatibility/2006" xmlns:a14="http://schemas.microsoft.com/office/drawing/2010/main">
+        <mc:Choice Requires="a14">
           <p:sp>
             <p:nvSpPr>
               <p:cNvPr id="6" name="TextBox 5"/>
@@ -4488,7 +5513,7 @@
             </p:txBody>
           </p:sp>
         </mc:Choice>
-        <mc:Fallback>
+        <mc:Fallback xmlns="">
           <p:sp>
             <p:nvSpPr>
               <p:cNvPr id="6" name="TextBox 5"/>
@@ -4532,8 +5557,8 @@
           </p:sp>
         </mc:Fallback>
       </mc:AlternateContent>
-      <mc:AlternateContent xmlns:mc="http://schemas.openxmlformats.org/markup-compatibility/2006">
-        <mc:Choice xmlns:a14="http://schemas.microsoft.com/office/drawing/2010/main" Requires="a14">
+      <mc:AlternateContent xmlns:mc="http://schemas.openxmlformats.org/markup-compatibility/2006" xmlns:a14="http://schemas.microsoft.com/office/drawing/2010/main">
+        <mc:Choice Requires="a14">
           <p:sp>
             <p:nvSpPr>
               <p:cNvPr id="7" name="TextBox 6"/>
@@ -4898,7 +5923,7 @@
             </p:txBody>
           </p:sp>
         </mc:Choice>
-        <mc:Fallback>
+        <mc:Fallback xmlns="">
           <p:sp>
             <p:nvSpPr>
               <p:cNvPr id="7" name="TextBox 6"/>

--- a/pics/2021-04-07-Kalman_filter/pics.pptx
+++ b/pics/2021-04-07-Kalman_filter/pics.pptx
@@ -5,10 +5,11 @@
     <p:sldMasterId id="2147483648" r:id="rId1"/>
   </p:sldMasterIdLst>
   <p:sldIdLst>
-    <p:sldId id="259" r:id="rId2"/>
-    <p:sldId id="256" r:id="rId3"/>
-    <p:sldId id="257" r:id="rId4"/>
-    <p:sldId id="258" r:id="rId5"/>
+    <p:sldId id="260" r:id="rId2"/>
+    <p:sldId id="259" r:id="rId3"/>
+    <p:sldId id="256" r:id="rId4"/>
+    <p:sldId id="257" r:id="rId5"/>
+    <p:sldId id="258" r:id="rId6"/>
   </p:sldIdLst>
   <p:sldSz cx="9144000" cy="6858000" type="screen4x3"/>
   <p:notesSz cx="6858000" cy="9144000"/>
@@ -3022,6 +3023,959 @@
 </file>
 
 <file path=ppt/slides/slide1.xml><?xml version="1.0" encoding="utf-8"?>
+<p:sld xmlns:a="http://schemas.openxmlformats.org/drawingml/2006/main" xmlns:r="http://schemas.openxmlformats.org/officeDocument/2006/relationships" xmlns:p="http://schemas.openxmlformats.org/presentationml/2006/main">
+  <p:cSld>
+    <p:spTree>
+      <p:nvGrpSpPr>
+        <p:cNvPr id="1" name=""/>
+        <p:cNvGrpSpPr/>
+        <p:nvPr/>
+      </p:nvGrpSpPr>
+      <p:grpSpPr>
+        <a:xfrm>
+          <a:off x="0" y="0"/>
+          <a:ext cx="0" cy="0"/>
+          <a:chOff x="0" y="0"/>
+          <a:chExt cx="0" cy="0"/>
+        </a:xfrm>
+      </p:grpSpPr>
+      <p:sp>
+        <p:nvSpPr>
+          <p:cNvPr id="16" name="자유형 15"/>
+          <p:cNvSpPr/>
+          <p:nvPr/>
+        </p:nvSpPr>
+        <p:spPr>
+          <a:xfrm>
+            <a:off x="3131389" y="2493034"/>
+            <a:ext cx="2743200" cy="1742536"/>
+          </a:xfrm>
+          <a:custGeom>
+            <a:avLst/>
+            <a:gdLst>
+              <a:gd name="connsiteX0" fmla="*/ 2743200 w 2743200"/>
+              <a:gd name="connsiteY0" fmla="*/ 1742536 h 1742536"/>
+              <a:gd name="connsiteX1" fmla="*/ 1794294 w 2743200"/>
+              <a:gd name="connsiteY1" fmla="*/ 1233577 h 1742536"/>
+              <a:gd name="connsiteX2" fmla="*/ 1078302 w 2743200"/>
+              <a:gd name="connsiteY2" fmla="*/ 621102 h 1742536"/>
+              <a:gd name="connsiteX3" fmla="*/ 0 w 2743200"/>
+              <a:gd name="connsiteY3" fmla="*/ 0 h 1742536"/>
+            </a:gdLst>
+            <a:ahLst/>
+            <a:cxnLst>
+              <a:cxn ang="0">
+                <a:pos x="connsiteX0" y="connsiteY0"/>
+              </a:cxn>
+              <a:cxn ang="0">
+                <a:pos x="connsiteX1" y="connsiteY1"/>
+              </a:cxn>
+              <a:cxn ang="0">
+                <a:pos x="connsiteX2" y="connsiteY2"/>
+              </a:cxn>
+              <a:cxn ang="0">
+                <a:pos x="connsiteX3" y="connsiteY3"/>
+              </a:cxn>
+            </a:cxnLst>
+            <a:rect l="l" t="t" r="r" b="b"/>
+            <a:pathLst>
+              <a:path w="2743200" h="1742536">
+                <a:moveTo>
+                  <a:pt x="2743200" y="1742536"/>
+                </a:moveTo>
+                <a:cubicBezTo>
+                  <a:pt x="2407488" y="1581509"/>
+                  <a:pt x="2071777" y="1420483"/>
+                  <a:pt x="1794294" y="1233577"/>
+                </a:cubicBezTo>
+                <a:cubicBezTo>
+                  <a:pt x="1516811" y="1046671"/>
+                  <a:pt x="1377351" y="826698"/>
+                  <a:pt x="1078302" y="621102"/>
+                </a:cubicBezTo>
+                <a:cubicBezTo>
+                  <a:pt x="779253" y="415506"/>
+                  <a:pt x="389626" y="207753"/>
+                  <a:pt x="0" y="0"/>
+                </a:cubicBezTo>
+              </a:path>
+            </a:pathLst>
+          </a:custGeom>
+          <a:ln w="19050">
+            <a:solidFill>
+              <a:schemeClr val="tx1"/>
+            </a:solidFill>
+            <a:prstDash val="lgDash"/>
+          </a:ln>
+        </p:spPr>
+        <p:style>
+          <a:lnRef idx="1">
+            <a:schemeClr val="accent1"/>
+          </a:lnRef>
+          <a:fillRef idx="0">
+            <a:schemeClr val="accent1"/>
+          </a:fillRef>
+          <a:effectRef idx="0">
+            <a:schemeClr val="accent1"/>
+          </a:effectRef>
+          <a:fontRef idx="minor">
+            <a:schemeClr val="tx1"/>
+          </a:fontRef>
+        </p:style>
+        <p:txBody>
+          <a:bodyPr rtlCol="0" anchor="ctr"/>
+          <a:lstStyle/>
+          <a:p>
+            <a:pPr algn="ctr"/>
+            <a:endParaRPr lang="ko-KR" altLang="en-US"/>
+          </a:p>
+        </p:txBody>
+      </p:sp>
+      <p:sp>
+        <p:nvSpPr>
+          <p:cNvPr id="4" name="직사각형 3"/>
+          <p:cNvSpPr/>
+          <p:nvPr/>
+        </p:nvSpPr>
+        <p:spPr>
+          <a:xfrm>
+            <a:off x="4139952" y="3068960"/>
+            <a:ext cx="144016" cy="144016"/>
+          </a:xfrm>
+          <a:prstGeom prst="rect">
+            <a:avLst/>
+          </a:prstGeom>
+          <a:solidFill>
+            <a:schemeClr val="tx1">
+              <a:lumMod val="50000"/>
+              <a:lumOff val="50000"/>
+            </a:schemeClr>
+          </a:solidFill>
+          <a:ln>
+            <a:solidFill>
+              <a:schemeClr val="tx1"/>
+            </a:solidFill>
+          </a:ln>
+        </p:spPr>
+        <p:style>
+          <a:lnRef idx="2">
+            <a:schemeClr val="accent1">
+              <a:shade val="50000"/>
+            </a:schemeClr>
+          </a:lnRef>
+          <a:fillRef idx="1">
+            <a:schemeClr val="accent1"/>
+          </a:fillRef>
+          <a:effectRef idx="0">
+            <a:schemeClr val="accent1"/>
+          </a:effectRef>
+          <a:fontRef idx="minor">
+            <a:schemeClr val="lt1"/>
+          </a:fontRef>
+        </p:style>
+        <p:txBody>
+          <a:bodyPr rtlCol="0" anchor="ctr"/>
+          <a:lstStyle/>
+          <a:p>
+            <a:pPr algn="ctr"/>
+            <a:endParaRPr lang="ko-KR" altLang="en-US"/>
+          </a:p>
+        </p:txBody>
+      </p:sp>
+      <p:sp>
+        <p:nvSpPr>
+          <p:cNvPr id="5" name="직사각형 4"/>
+          <p:cNvSpPr/>
+          <p:nvPr/>
+        </p:nvSpPr>
+        <p:spPr>
+          <a:xfrm>
+            <a:off x="4860032" y="3645024"/>
+            <a:ext cx="144016" cy="144016"/>
+          </a:xfrm>
+          <a:prstGeom prst="rect">
+            <a:avLst/>
+          </a:prstGeom>
+          <a:solidFill>
+            <a:schemeClr val="tx1">
+              <a:lumMod val="50000"/>
+              <a:lumOff val="50000"/>
+            </a:schemeClr>
+          </a:solidFill>
+          <a:ln>
+            <a:solidFill>
+              <a:schemeClr val="tx1"/>
+            </a:solidFill>
+          </a:ln>
+        </p:spPr>
+        <p:style>
+          <a:lnRef idx="2">
+            <a:schemeClr val="accent1">
+              <a:shade val="50000"/>
+            </a:schemeClr>
+          </a:lnRef>
+          <a:fillRef idx="1">
+            <a:schemeClr val="accent1"/>
+          </a:fillRef>
+          <a:effectRef idx="0">
+            <a:schemeClr val="accent1"/>
+          </a:effectRef>
+          <a:fontRef idx="minor">
+            <a:schemeClr val="lt1"/>
+          </a:fontRef>
+        </p:style>
+        <p:txBody>
+          <a:bodyPr rtlCol="0" anchor="ctr"/>
+          <a:lstStyle/>
+          <a:p>
+            <a:pPr algn="ctr"/>
+            <a:endParaRPr lang="ko-KR" altLang="en-US"/>
+          </a:p>
+        </p:txBody>
+      </p:sp>
+      <p:sp>
+        <p:nvSpPr>
+          <p:cNvPr id="6" name="직사각형 5"/>
+          <p:cNvSpPr/>
+          <p:nvPr/>
+        </p:nvSpPr>
+        <p:spPr>
+          <a:xfrm>
+            <a:off x="5796136" y="4149080"/>
+            <a:ext cx="144016" cy="144016"/>
+          </a:xfrm>
+          <a:prstGeom prst="rect">
+            <a:avLst/>
+          </a:prstGeom>
+          <a:solidFill>
+            <a:schemeClr val="tx1">
+              <a:lumMod val="50000"/>
+              <a:lumOff val="50000"/>
+            </a:schemeClr>
+          </a:solidFill>
+          <a:ln>
+            <a:solidFill>
+              <a:schemeClr val="tx1"/>
+            </a:solidFill>
+          </a:ln>
+        </p:spPr>
+        <p:style>
+          <a:lnRef idx="2">
+            <a:schemeClr val="accent1">
+              <a:shade val="50000"/>
+            </a:schemeClr>
+          </a:lnRef>
+          <a:fillRef idx="1">
+            <a:schemeClr val="accent1"/>
+          </a:fillRef>
+          <a:effectRef idx="0">
+            <a:schemeClr val="accent1"/>
+          </a:effectRef>
+          <a:fontRef idx="minor">
+            <a:schemeClr val="lt1"/>
+          </a:fontRef>
+        </p:style>
+        <p:txBody>
+          <a:bodyPr rtlCol="0" anchor="ctr"/>
+          <a:lstStyle/>
+          <a:p>
+            <a:pPr algn="ctr"/>
+            <a:endParaRPr lang="ko-KR" altLang="en-US"/>
+          </a:p>
+        </p:txBody>
+      </p:sp>
+      <p:sp>
+        <p:nvSpPr>
+          <p:cNvPr id="7" name="직사각형 6"/>
+          <p:cNvSpPr/>
+          <p:nvPr/>
+        </p:nvSpPr>
+        <p:spPr>
+          <a:xfrm>
+            <a:off x="3059832" y="2420888"/>
+            <a:ext cx="144016" cy="144016"/>
+          </a:xfrm>
+          <a:prstGeom prst="rect">
+            <a:avLst/>
+          </a:prstGeom>
+          <a:solidFill>
+            <a:schemeClr val="accent3"/>
+          </a:solidFill>
+          <a:ln>
+            <a:solidFill>
+              <a:schemeClr val="tx1"/>
+            </a:solidFill>
+          </a:ln>
+        </p:spPr>
+        <p:style>
+          <a:lnRef idx="2">
+            <a:schemeClr val="accent1">
+              <a:shade val="50000"/>
+            </a:schemeClr>
+          </a:lnRef>
+          <a:fillRef idx="1">
+            <a:schemeClr val="accent1"/>
+          </a:fillRef>
+          <a:effectRef idx="0">
+            <a:schemeClr val="accent1"/>
+          </a:effectRef>
+          <a:fontRef idx="minor">
+            <a:schemeClr val="lt1"/>
+          </a:fontRef>
+        </p:style>
+        <p:txBody>
+          <a:bodyPr rtlCol="0" anchor="ctr"/>
+          <a:lstStyle/>
+          <a:p>
+            <a:pPr algn="ctr"/>
+            <a:endParaRPr lang="ko-KR" altLang="en-US"/>
+          </a:p>
+        </p:txBody>
+      </p:sp>
+      <p:sp>
+        <p:nvSpPr>
+          <p:cNvPr id="8" name="직사각형 7"/>
+          <p:cNvSpPr/>
+          <p:nvPr/>
+        </p:nvSpPr>
+        <p:spPr>
+          <a:xfrm>
+            <a:off x="4032779" y="1944479"/>
+            <a:ext cx="144016" cy="144016"/>
+          </a:xfrm>
+          <a:prstGeom prst="rect">
+            <a:avLst/>
+          </a:prstGeom>
+          <a:solidFill>
+            <a:schemeClr val="accent5"/>
+          </a:solidFill>
+          <a:ln>
+            <a:solidFill>
+              <a:schemeClr val="tx1"/>
+            </a:solidFill>
+          </a:ln>
+        </p:spPr>
+        <p:style>
+          <a:lnRef idx="2">
+            <a:schemeClr val="accent1">
+              <a:shade val="50000"/>
+            </a:schemeClr>
+          </a:lnRef>
+          <a:fillRef idx="1">
+            <a:schemeClr val="accent1"/>
+          </a:fillRef>
+          <a:effectRef idx="0">
+            <a:schemeClr val="accent1"/>
+          </a:effectRef>
+          <a:fontRef idx="minor">
+            <a:schemeClr val="lt1"/>
+          </a:fontRef>
+        </p:style>
+        <p:txBody>
+          <a:bodyPr rtlCol="0" anchor="ctr"/>
+          <a:lstStyle/>
+          <a:p>
+            <a:pPr algn="ctr"/>
+            <a:endParaRPr lang="ko-KR" altLang="en-US"/>
+          </a:p>
+        </p:txBody>
+      </p:sp>
+      <p:sp>
+        <p:nvSpPr>
+          <p:cNvPr id="9" name="직사각형 8"/>
+          <p:cNvSpPr/>
+          <p:nvPr/>
+        </p:nvSpPr>
+        <p:spPr>
+          <a:xfrm>
+            <a:off x="3058799" y="3284984"/>
+            <a:ext cx="144016" cy="144016"/>
+          </a:xfrm>
+          <a:prstGeom prst="rect">
+            <a:avLst/>
+          </a:prstGeom>
+          <a:solidFill>
+            <a:schemeClr val="accent6"/>
+          </a:solidFill>
+          <a:ln>
+            <a:solidFill>
+              <a:schemeClr val="tx1"/>
+            </a:solidFill>
+          </a:ln>
+        </p:spPr>
+        <p:style>
+          <a:lnRef idx="2">
+            <a:schemeClr val="accent1">
+              <a:shade val="50000"/>
+            </a:schemeClr>
+          </a:lnRef>
+          <a:fillRef idx="1">
+            <a:schemeClr val="accent1"/>
+          </a:fillRef>
+          <a:effectRef idx="0">
+            <a:schemeClr val="accent1"/>
+          </a:effectRef>
+          <a:fontRef idx="minor">
+            <a:schemeClr val="lt1"/>
+          </a:fontRef>
+        </p:style>
+        <p:txBody>
+          <a:bodyPr rtlCol="0" anchor="ctr"/>
+          <a:lstStyle/>
+          <a:p>
+            <a:pPr algn="ctr"/>
+            <a:endParaRPr lang="ko-KR" altLang="en-US"/>
+          </a:p>
+        </p:txBody>
+      </p:sp>
+      <mc:AlternateContent xmlns:mc="http://schemas.openxmlformats.org/markup-compatibility/2006">
+        <mc:Choice xmlns:a14="http://schemas.microsoft.com/office/drawing/2010/main" Requires="a14">
+          <p:sp>
+            <p:nvSpPr>
+              <p:cNvPr id="10" name="TextBox 9"/>
+              <p:cNvSpPr txBox="1"/>
+              <p:nvPr/>
+            </p:nvSpPr>
+            <p:spPr>
+              <a:xfrm>
+                <a:off x="5651170" y="3779748"/>
+                <a:ext cx="793038" cy="369332"/>
+              </a:xfrm>
+              <a:prstGeom prst="rect">
+                <a:avLst/>
+              </a:prstGeom>
+              <a:noFill/>
+            </p:spPr>
+            <p:txBody>
+              <a:bodyPr wrap="none" rtlCol="0">
+                <a:spAutoFit/>
+              </a:bodyPr>
+              <a:lstStyle/>
+              <a:p>
+                <a14:m>
+                  <m:oMathPara xmlns:m="http://schemas.openxmlformats.org/officeDocument/2006/math">
+                    <m:oMathParaPr>
+                      <m:jc m:val="centerGroup"/>
+                    </m:oMathParaPr>
+                    <m:oMath xmlns:m="http://schemas.openxmlformats.org/officeDocument/2006/math">
+                      <m:r>
+                        <a:rPr lang="en-US" altLang="ko-KR" b="0" i="1" smtClean="0">
+                          <a:latin typeface="Cambria Math"/>
+                        </a:rPr>
+                        <m:t>𝑡</m:t>
+                      </m:r>
+                      <m:r>
+                        <a:rPr lang="en-US" altLang="ko-KR" b="0" i="1" smtClean="0">
+                          <a:latin typeface="Cambria Math"/>
+                        </a:rPr>
+                        <m:t>=0</m:t>
+                      </m:r>
+                    </m:oMath>
+                  </m:oMathPara>
+                </a14:m>
+                <a:endParaRPr lang="ko-KR" altLang="en-US" dirty="0"/>
+              </a:p>
+            </p:txBody>
+          </p:sp>
+        </mc:Choice>
+        <mc:Fallback>
+          <p:sp>
+            <p:nvSpPr>
+              <p:cNvPr id="10" name="TextBox 9"/>
+              <p:cNvSpPr txBox="1">
+                <a:spLocks noRot="1" noChangeAspect="1" noMove="1" noResize="1" noEditPoints="1" noAdjustHandles="1" noChangeArrowheads="1" noChangeShapeType="1" noTextEdit="1"/>
+              </p:cNvSpPr>
+              <p:nvPr/>
+            </p:nvSpPr>
+            <p:spPr>
+              <a:xfrm>
+                <a:off x="5651170" y="3779748"/>
+                <a:ext cx="793038" cy="369332"/>
+              </a:xfrm>
+              <a:prstGeom prst="rect">
+                <a:avLst/>
+              </a:prstGeom>
+              <a:blipFill rotWithShape="1">
+                <a:blip r:embed="rId2"/>
+                <a:stretch>
+                  <a:fillRect/>
+                </a:stretch>
+              </a:blipFill>
+            </p:spPr>
+            <p:txBody>
+              <a:bodyPr/>
+              <a:lstStyle/>
+              <a:p>
+                <a:r>
+                  <a:rPr lang="ko-KR" altLang="en-US">
+                    <a:noFill/>
+                  </a:rPr>
+                  <a:t> </a:t>
+                </a:r>
+              </a:p>
+            </p:txBody>
+          </p:sp>
+        </mc:Fallback>
+      </mc:AlternateContent>
+      <mc:AlternateContent xmlns:mc="http://schemas.openxmlformats.org/markup-compatibility/2006">
+        <mc:Choice xmlns:a14="http://schemas.microsoft.com/office/drawing/2010/main" Requires="a14">
+          <p:sp>
+            <p:nvSpPr>
+              <p:cNvPr id="11" name="TextBox 10"/>
+              <p:cNvSpPr txBox="1"/>
+              <p:nvPr/>
+            </p:nvSpPr>
+            <p:spPr>
+              <a:xfrm>
+                <a:off x="4715066" y="3284984"/>
+                <a:ext cx="793038" cy="369332"/>
+              </a:xfrm>
+              <a:prstGeom prst="rect">
+                <a:avLst/>
+              </a:prstGeom>
+              <a:noFill/>
+            </p:spPr>
+            <p:txBody>
+              <a:bodyPr wrap="none" rtlCol="0">
+                <a:spAutoFit/>
+              </a:bodyPr>
+              <a:lstStyle/>
+              <a:p>
+                <a14:m>
+                  <m:oMathPara xmlns:m="http://schemas.openxmlformats.org/officeDocument/2006/math">
+                    <m:oMathParaPr>
+                      <m:jc m:val="centerGroup"/>
+                    </m:oMathParaPr>
+                    <m:oMath xmlns:m="http://schemas.openxmlformats.org/officeDocument/2006/math">
+                      <m:r>
+                        <a:rPr lang="en-US" altLang="ko-KR" b="0" i="1" smtClean="0">
+                          <a:latin typeface="Cambria Math"/>
+                        </a:rPr>
+                        <m:t>𝑡</m:t>
+                      </m:r>
+                      <m:r>
+                        <a:rPr lang="en-US" altLang="ko-KR" b="0" i="1" smtClean="0">
+                          <a:latin typeface="Cambria Math"/>
+                        </a:rPr>
+                        <m:t>=1</m:t>
+                      </m:r>
+                    </m:oMath>
+                  </m:oMathPara>
+                </a14:m>
+                <a:endParaRPr lang="ko-KR" altLang="en-US" dirty="0"/>
+              </a:p>
+            </p:txBody>
+          </p:sp>
+        </mc:Choice>
+        <mc:Fallback>
+          <p:sp>
+            <p:nvSpPr>
+              <p:cNvPr id="11" name="TextBox 10"/>
+              <p:cNvSpPr txBox="1">
+                <a:spLocks noRot="1" noChangeAspect="1" noMove="1" noResize="1" noEditPoints="1" noAdjustHandles="1" noChangeArrowheads="1" noChangeShapeType="1" noTextEdit="1"/>
+              </p:cNvSpPr>
+              <p:nvPr/>
+            </p:nvSpPr>
+            <p:spPr>
+              <a:xfrm>
+                <a:off x="4715066" y="3284984"/>
+                <a:ext cx="793038" cy="369332"/>
+              </a:xfrm>
+              <a:prstGeom prst="rect">
+                <a:avLst/>
+              </a:prstGeom>
+              <a:blipFill rotWithShape="1">
+                <a:blip r:embed="rId3"/>
+                <a:stretch>
+                  <a:fillRect/>
+                </a:stretch>
+              </a:blipFill>
+            </p:spPr>
+            <p:txBody>
+              <a:bodyPr/>
+              <a:lstStyle/>
+              <a:p>
+                <a:r>
+                  <a:rPr lang="ko-KR" altLang="en-US">
+                    <a:noFill/>
+                  </a:rPr>
+                  <a:t> </a:t>
+                </a:r>
+              </a:p>
+            </p:txBody>
+          </p:sp>
+        </mc:Fallback>
+      </mc:AlternateContent>
+      <mc:AlternateContent xmlns:mc="http://schemas.openxmlformats.org/markup-compatibility/2006">
+        <mc:Choice xmlns:a14="http://schemas.microsoft.com/office/drawing/2010/main" Requires="a14">
+          <p:sp>
+            <p:nvSpPr>
+              <p:cNvPr id="12" name="TextBox 11"/>
+              <p:cNvSpPr txBox="1"/>
+              <p:nvPr/>
+            </p:nvSpPr>
+            <p:spPr>
+              <a:xfrm>
+                <a:off x="3922978" y="2699628"/>
+                <a:ext cx="793038" cy="369332"/>
+              </a:xfrm>
+              <a:prstGeom prst="rect">
+                <a:avLst/>
+              </a:prstGeom>
+              <a:noFill/>
+            </p:spPr>
+            <p:txBody>
+              <a:bodyPr wrap="none" rtlCol="0">
+                <a:spAutoFit/>
+              </a:bodyPr>
+              <a:lstStyle/>
+              <a:p>
+                <a14:m>
+                  <m:oMathPara xmlns:m="http://schemas.openxmlformats.org/officeDocument/2006/math">
+                    <m:oMathParaPr>
+                      <m:jc m:val="centerGroup"/>
+                    </m:oMathParaPr>
+                    <m:oMath xmlns:m="http://schemas.openxmlformats.org/officeDocument/2006/math">
+                      <m:r>
+                        <a:rPr lang="en-US" altLang="ko-KR" b="0" i="1" smtClean="0">
+                          <a:latin typeface="Cambria Math"/>
+                        </a:rPr>
+                        <m:t>𝑡</m:t>
+                      </m:r>
+                      <m:r>
+                        <a:rPr lang="en-US" altLang="ko-KR" b="0" i="1" smtClean="0">
+                          <a:latin typeface="Cambria Math"/>
+                        </a:rPr>
+                        <m:t>=2</m:t>
+                      </m:r>
+                    </m:oMath>
+                  </m:oMathPara>
+                </a14:m>
+                <a:endParaRPr lang="ko-KR" altLang="en-US" dirty="0"/>
+              </a:p>
+            </p:txBody>
+          </p:sp>
+        </mc:Choice>
+        <mc:Fallback>
+          <p:sp>
+            <p:nvSpPr>
+              <p:cNvPr id="12" name="TextBox 11"/>
+              <p:cNvSpPr txBox="1">
+                <a:spLocks noRot="1" noChangeAspect="1" noMove="1" noResize="1" noEditPoints="1" noAdjustHandles="1" noChangeArrowheads="1" noChangeShapeType="1" noTextEdit="1"/>
+              </p:cNvSpPr>
+              <p:nvPr/>
+            </p:nvSpPr>
+            <p:spPr>
+              <a:xfrm>
+                <a:off x="3922978" y="2699628"/>
+                <a:ext cx="793038" cy="369332"/>
+              </a:xfrm>
+              <a:prstGeom prst="rect">
+                <a:avLst/>
+              </a:prstGeom>
+              <a:blipFill rotWithShape="1">
+                <a:blip r:embed="rId4"/>
+                <a:stretch>
+                  <a:fillRect/>
+                </a:stretch>
+              </a:blipFill>
+            </p:spPr>
+            <p:txBody>
+              <a:bodyPr/>
+              <a:lstStyle/>
+              <a:p>
+                <a:r>
+                  <a:rPr lang="ko-KR" altLang="en-US">
+                    <a:noFill/>
+                  </a:rPr>
+                  <a:t> </a:t>
+                </a:r>
+              </a:p>
+            </p:txBody>
+          </p:sp>
+        </mc:Fallback>
+      </mc:AlternateContent>
+      <mc:AlternateContent xmlns:mc="http://schemas.openxmlformats.org/markup-compatibility/2006">
+        <mc:Choice xmlns:a14="http://schemas.microsoft.com/office/drawing/2010/main" Requires="a14">
+          <p:sp>
+            <p:nvSpPr>
+              <p:cNvPr id="13" name="TextBox 12"/>
+              <p:cNvSpPr txBox="1"/>
+              <p:nvPr/>
+            </p:nvSpPr>
+            <p:spPr>
+              <a:xfrm>
+                <a:off x="2555776" y="2051556"/>
+                <a:ext cx="890821" cy="369332"/>
+              </a:xfrm>
+              <a:prstGeom prst="rect">
+                <a:avLst/>
+              </a:prstGeom>
+              <a:noFill/>
+            </p:spPr>
+            <p:txBody>
+              <a:bodyPr wrap="none" rtlCol="0">
+                <a:spAutoFit/>
+              </a:bodyPr>
+              <a:lstStyle/>
+              <a:p>
+                <a14:m>
+                  <m:oMathPara xmlns:m="http://schemas.openxmlformats.org/officeDocument/2006/math">
+                    <m:oMathParaPr>
+                      <m:jc m:val="centerGroup"/>
+                    </m:oMathParaPr>
+                    <m:oMath xmlns:m="http://schemas.openxmlformats.org/officeDocument/2006/math">
+                      <m:r>
+                        <a:rPr lang="en-US" altLang="ko-KR" b="0" i="1" smtClean="0">
+                          <a:latin typeface="Cambria Math"/>
+                        </a:rPr>
+                        <m:t>𝑡</m:t>
+                      </m:r>
+                      <m:r>
+                        <a:rPr lang="en-US" altLang="ko-KR" b="0" i="1" smtClean="0">
+                          <a:latin typeface="Cambria Math"/>
+                        </a:rPr>
+                        <m:t>=3?</m:t>
+                      </m:r>
+                    </m:oMath>
+                  </m:oMathPara>
+                </a14:m>
+                <a:endParaRPr lang="ko-KR" altLang="en-US" dirty="0"/>
+              </a:p>
+            </p:txBody>
+          </p:sp>
+        </mc:Choice>
+        <mc:Fallback>
+          <p:sp>
+            <p:nvSpPr>
+              <p:cNvPr id="13" name="TextBox 12"/>
+              <p:cNvSpPr txBox="1">
+                <a:spLocks noRot="1" noChangeAspect="1" noMove="1" noResize="1" noEditPoints="1" noAdjustHandles="1" noChangeArrowheads="1" noChangeShapeType="1" noTextEdit="1"/>
+              </p:cNvSpPr>
+              <p:nvPr/>
+            </p:nvSpPr>
+            <p:spPr>
+              <a:xfrm>
+                <a:off x="2555776" y="2051556"/>
+                <a:ext cx="890821" cy="369332"/>
+              </a:xfrm>
+              <a:prstGeom prst="rect">
+                <a:avLst/>
+              </a:prstGeom>
+              <a:blipFill rotWithShape="1">
+                <a:blip r:embed="rId5"/>
+                <a:stretch>
+                  <a:fillRect/>
+                </a:stretch>
+              </a:blipFill>
+            </p:spPr>
+            <p:txBody>
+              <a:bodyPr/>
+              <a:lstStyle/>
+              <a:p>
+                <a:r>
+                  <a:rPr lang="ko-KR" altLang="en-US">
+                    <a:noFill/>
+                  </a:rPr>
+                  <a:t> </a:t>
+                </a:r>
+              </a:p>
+            </p:txBody>
+          </p:sp>
+        </mc:Fallback>
+      </mc:AlternateContent>
+      <mc:AlternateContent xmlns:mc="http://schemas.openxmlformats.org/markup-compatibility/2006">
+        <mc:Choice xmlns:a14="http://schemas.microsoft.com/office/drawing/2010/main" Requires="a14">
+          <p:sp>
+            <p:nvSpPr>
+              <p:cNvPr id="14" name="TextBox 13"/>
+              <p:cNvSpPr txBox="1"/>
+              <p:nvPr/>
+            </p:nvSpPr>
+            <p:spPr>
+              <a:xfrm>
+                <a:off x="3825195" y="1575147"/>
+                <a:ext cx="890821" cy="369332"/>
+              </a:xfrm>
+              <a:prstGeom prst="rect">
+                <a:avLst/>
+              </a:prstGeom>
+              <a:noFill/>
+            </p:spPr>
+            <p:txBody>
+              <a:bodyPr wrap="none" rtlCol="0">
+                <a:spAutoFit/>
+              </a:bodyPr>
+              <a:lstStyle/>
+              <a:p>
+                <a14:m>
+                  <m:oMathPara xmlns:m="http://schemas.openxmlformats.org/officeDocument/2006/math">
+                    <m:oMathParaPr>
+                      <m:jc m:val="centerGroup"/>
+                    </m:oMathParaPr>
+                    <m:oMath xmlns:m="http://schemas.openxmlformats.org/officeDocument/2006/math">
+                      <m:r>
+                        <a:rPr lang="en-US" altLang="ko-KR" b="0" i="1" smtClean="0">
+                          <a:latin typeface="Cambria Math"/>
+                        </a:rPr>
+                        <m:t>𝑡</m:t>
+                      </m:r>
+                      <m:r>
+                        <a:rPr lang="en-US" altLang="ko-KR" b="0" i="1" smtClean="0">
+                          <a:latin typeface="Cambria Math"/>
+                        </a:rPr>
+                        <m:t>=3?</m:t>
+                      </m:r>
+                    </m:oMath>
+                  </m:oMathPara>
+                </a14:m>
+                <a:endParaRPr lang="ko-KR" altLang="en-US" dirty="0"/>
+              </a:p>
+            </p:txBody>
+          </p:sp>
+        </mc:Choice>
+        <mc:Fallback>
+          <p:sp>
+            <p:nvSpPr>
+              <p:cNvPr id="14" name="TextBox 13"/>
+              <p:cNvSpPr txBox="1">
+                <a:spLocks noRot="1" noChangeAspect="1" noMove="1" noResize="1" noEditPoints="1" noAdjustHandles="1" noChangeArrowheads="1" noChangeShapeType="1" noTextEdit="1"/>
+              </p:cNvSpPr>
+              <p:nvPr/>
+            </p:nvSpPr>
+            <p:spPr>
+              <a:xfrm>
+                <a:off x="3825195" y="1575147"/>
+                <a:ext cx="890821" cy="369332"/>
+              </a:xfrm>
+              <a:prstGeom prst="rect">
+                <a:avLst/>
+              </a:prstGeom>
+              <a:blipFill rotWithShape="1">
+                <a:blip r:embed="rId6"/>
+                <a:stretch>
+                  <a:fillRect/>
+                </a:stretch>
+              </a:blipFill>
+            </p:spPr>
+            <p:txBody>
+              <a:bodyPr/>
+              <a:lstStyle/>
+              <a:p>
+                <a:r>
+                  <a:rPr lang="ko-KR" altLang="en-US">
+                    <a:noFill/>
+                  </a:rPr>
+                  <a:t> </a:t>
+                </a:r>
+              </a:p>
+            </p:txBody>
+          </p:sp>
+        </mc:Fallback>
+      </mc:AlternateContent>
+      <mc:AlternateContent xmlns:mc="http://schemas.openxmlformats.org/markup-compatibility/2006">
+        <mc:Choice xmlns:a14="http://schemas.microsoft.com/office/drawing/2010/main" Requires="a14">
+          <p:sp>
+            <p:nvSpPr>
+              <p:cNvPr id="15" name="TextBox 14"/>
+              <p:cNvSpPr txBox="1"/>
+              <p:nvPr/>
+            </p:nvSpPr>
+            <p:spPr>
+              <a:xfrm>
+                <a:off x="2217861" y="3100318"/>
+                <a:ext cx="890821" cy="369332"/>
+              </a:xfrm>
+              <a:prstGeom prst="rect">
+                <a:avLst/>
+              </a:prstGeom>
+              <a:noFill/>
+            </p:spPr>
+            <p:txBody>
+              <a:bodyPr wrap="none" rtlCol="0">
+                <a:spAutoFit/>
+              </a:bodyPr>
+              <a:lstStyle/>
+              <a:p>
+                <a14:m>
+                  <m:oMathPara xmlns:m="http://schemas.openxmlformats.org/officeDocument/2006/math">
+                    <m:oMathParaPr>
+                      <m:jc m:val="centerGroup"/>
+                    </m:oMathParaPr>
+                    <m:oMath xmlns:m="http://schemas.openxmlformats.org/officeDocument/2006/math">
+                      <m:r>
+                        <a:rPr lang="en-US" altLang="ko-KR" b="0" i="1" smtClean="0">
+                          <a:latin typeface="Cambria Math"/>
+                        </a:rPr>
+                        <m:t>𝑡</m:t>
+                      </m:r>
+                      <m:r>
+                        <a:rPr lang="en-US" altLang="ko-KR" b="0" i="1" smtClean="0">
+                          <a:latin typeface="Cambria Math"/>
+                        </a:rPr>
+                        <m:t>=3?</m:t>
+                      </m:r>
+                    </m:oMath>
+                  </m:oMathPara>
+                </a14:m>
+                <a:endParaRPr lang="ko-KR" altLang="en-US" dirty="0"/>
+              </a:p>
+            </p:txBody>
+          </p:sp>
+        </mc:Choice>
+        <mc:Fallback>
+          <p:sp>
+            <p:nvSpPr>
+              <p:cNvPr id="15" name="TextBox 14"/>
+              <p:cNvSpPr txBox="1">
+                <a:spLocks noRot="1" noChangeAspect="1" noMove="1" noResize="1" noEditPoints="1" noAdjustHandles="1" noChangeArrowheads="1" noChangeShapeType="1" noTextEdit="1"/>
+              </p:cNvSpPr>
+              <p:nvPr/>
+            </p:nvSpPr>
+            <p:spPr>
+              <a:xfrm>
+                <a:off x="2217861" y="3100318"/>
+                <a:ext cx="890821" cy="369332"/>
+              </a:xfrm>
+              <a:prstGeom prst="rect">
+                <a:avLst/>
+              </a:prstGeom>
+              <a:blipFill rotWithShape="1">
+                <a:blip r:embed="rId7"/>
+                <a:stretch>
+                  <a:fillRect/>
+                </a:stretch>
+              </a:blipFill>
+            </p:spPr>
+            <p:txBody>
+              <a:bodyPr/>
+              <a:lstStyle/>
+              <a:p>
+                <a:r>
+                  <a:rPr lang="ko-KR" altLang="en-US">
+                    <a:noFill/>
+                  </a:rPr>
+                  <a:t> </a:t>
+                </a:r>
+              </a:p>
+            </p:txBody>
+          </p:sp>
+        </mc:Fallback>
+      </mc:AlternateContent>
+    </p:spTree>
+    <p:extLst>
+      <p:ext uri="{BB962C8B-B14F-4D97-AF65-F5344CB8AC3E}">
+        <p14:creationId xmlns:p14="http://schemas.microsoft.com/office/powerpoint/2010/main" val="2906607581"/>
+      </p:ext>
+    </p:extLst>
+  </p:cSld>
+  <p:clrMapOvr>
+    <a:masterClrMapping/>
+  </p:clrMapOvr>
+</p:sld>
+</file>
+
+<file path=ppt/slides/slide2.xml><?xml version="1.0" encoding="utf-8"?>
 <p:sld xmlns:a="http://schemas.openxmlformats.org/drawingml/2006/main" xmlns:r="http://schemas.openxmlformats.org/officeDocument/2006/relationships" xmlns:p="http://schemas.openxmlformats.org/presentationml/2006/main">
   <p:cSld>
     <p:spTree>
@@ -4045,7 +4999,7 @@
 </p:sld>
 </file>
 
-<file path=ppt/slides/slide2.xml><?xml version="1.0" encoding="utf-8"?>
+<file path=ppt/slides/slide3.xml><?xml version="1.0" encoding="utf-8"?>
 <p:sld xmlns:a="http://schemas.openxmlformats.org/drawingml/2006/main" xmlns:r="http://schemas.openxmlformats.org/officeDocument/2006/relationships" xmlns:p="http://schemas.openxmlformats.org/presentationml/2006/main">
   <p:cSld>
     <p:spTree>
@@ -4139,7 +5093,7 @@
 </p:sld>
 </file>
 
-<file path=ppt/slides/slide3.xml><?xml version="1.0" encoding="utf-8"?>
+<file path=ppt/slides/slide4.xml><?xml version="1.0" encoding="utf-8"?>
 <p:sld xmlns:a="http://schemas.openxmlformats.org/drawingml/2006/main" xmlns:r="http://schemas.openxmlformats.org/officeDocument/2006/relationships" xmlns:p="http://schemas.openxmlformats.org/presentationml/2006/main">
   <p:cSld>
     <p:spTree>
@@ -4980,7 +5934,7 @@
 </p:sld>
 </file>
 
-<file path=ppt/slides/slide4.xml><?xml version="1.0" encoding="utf-8"?>
+<file path=ppt/slides/slide5.xml><?xml version="1.0" encoding="utf-8"?>
 <p:sld xmlns:a="http://schemas.openxmlformats.org/drawingml/2006/main" xmlns:r="http://schemas.openxmlformats.org/officeDocument/2006/relationships" xmlns:p="http://schemas.openxmlformats.org/presentationml/2006/main">
   <p:cSld>
     <p:spTree>

--- a/pics/2021-04-07-Kalman_filter/pics.pptx
+++ b/pics/2021-04-07-Kalman_filter/pics.pptx
@@ -3041,26 +3041,24 @@
       </p:grpSpPr>
       <p:sp>
         <p:nvSpPr>
-          <p:cNvPr id="16" name="자유형 15"/>
+          <p:cNvPr id="2" name="자유형 1"/>
           <p:cNvSpPr/>
           <p:nvPr/>
         </p:nvSpPr>
         <p:spPr>
           <a:xfrm>
-            <a:off x="3131389" y="2493034"/>
-            <a:ext cx="2743200" cy="1742536"/>
+            <a:off x="4226943" y="3148642"/>
+            <a:ext cx="1656272" cy="1095554"/>
           </a:xfrm>
           <a:custGeom>
             <a:avLst/>
             <a:gdLst>
-              <a:gd name="connsiteX0" fmla="*/ 2743200 w 2743200"/>
-              <a:gd name="connsiteY0" fmla="*/ 1742536 h 1742536"/>
-              <a:gd name="connsiteX1" fmla="*/ 1794294 w 2743200"/>
-              <a:gd name="connsiteY1" fmla="*/ 1233577 h 1742536"/>
-              <a:gd name="connsiteX2" fmla="*/ 1078302 w 2743200"/>
-              <a:gd name="connsiteY2" fmla="*/ 621102 h 1742536"/>
-              <a:gd name="connsiteX3" fmla="*/ 0 w 2743200"/>
-              <a:gd name="connsiteY3" fmla="*/ 0 h 1742536"/>
+              <a:gd name="connsiteX0" fmla="*/ 1656272 w 1656272"/>
+              <a:gd name="connsiteY0" fmla="*/ 1095554 h 1095554"/>
+              <a:gd name="connsiteX1" fmla="*/ 707366 w 1656272"/>
+              <a:gd name="connsiteY1" fmla="*/ 577969 h 1095554"/>
+              <a:gd name="connsiteX2" fmla="*/ 0 w 1656272"/>
+              <a:gd name="connsiteY2" fmla="*/ 0 h 1095554"/>
             </a:gdLst>
             <a:ahLst/>
             <a:cxnLst>
@@ -3073,39 +3071,31 @@
               <a:cxn ang="0">
                 <a:pos x="connsiteX2" y="connsiteY2"/>
               </a:cxn>
-              <a:cxn ang="0">
-                <a:pos x="connsiteX3" y="connsiteY3"/>
-              </a:cxn>
             </a:cxnLst>
             <a:rect l="l" t="t" r="r" b="b"/>
             <a:pathLst>
-              <a:path w="2743200" h="1742536">
+              <a:path w="1656272" h="1095554">
                 <a:moveTo>
-                  <a:pt x="2743200" y="1742536"/>
+                  <a:pt x="1656272" y="1095554"/>
                 </a:moveTo>
                 <a:cubicBezTo>
-                  <a:pt x="2407488" y="1581509"/>
-                  <a:pt x="2071777" y="1420483"/>
-                  <a:pt x="1794294" y="1233577"/>
+                  <a:pt x="1319841" y="928057"/>
+                  <a:pt x="983411" y="760561"/>
+                  <a:pt x="707366" y="577969"/>
                 </a:cubicBezTo>
                 <a:cubicBezTo>
-                  <a:pt x="1516811" y="1046671"/>
-                  <a:pt x="1377351" y="826698"/>
-                  <a:pt x="1078302" y="621102"/>
-                </a:cubicBezTo>
-                <a:cubicBezTo>
-                  <a:pt x="779253" y="415506"/>
-                  <a:pt x="389626" y="207753"/>
+                  <a:pt x="431321" y="395377"/>
+                  <a:pt x="219973" y="245853"/>
                   <a:pt x="0" y="0"/>
                 </a:cubicBezTo>
               </a:path>
             </a:pathLst>
           </a:custGeom>
-          <a:ln w="19050">
+          <a:ln w="28575">
             <a:solidFill>
               <a:schemeClr val="tx1"/>
             </a:solidFill>
-            <a:prstDash val="lgDash"/>
+            <a:prstDash val="dash"/>
           </a:ln>
         </p:spPr>
         <p:style>
@@ -3428,8 +3418,8 @@
           </a:p>
         </p:txBody>
       </p:sp>
-      <mc:AlternateContent xmlns:mc="http://schemas.openxmlformats.org/markup-compatibility/2006">
-        <mc:Choice xmlns:a14="http://schemas.microsoft.com/office/drawing/2010/main" Requires="a14">
+      <mc:AlternateContent xmlns:mc="http://schemas.openxmlformats.org/markup-compatibility/2006" xmlns:a14="http://schemas.microsoft.com/office/drawing/2010/main">
+        <mc:Choice Requires="a14">
           <p:sp>
             <p:nvSpPr>
               <p:cNvPr id="10" name="TextBox 9"/>
@@ -3452,6 +3442,7 @@
               </a:bodyPr>
               <a:lstStyle/>
               <a:p>
+                <a:pPr/>
                 <a14:m>
                   <m:oMathPara xmlns:m="http://schemas.openxmlformats.org/officeDocument/2006/math">
                     <m:oMathParaPr>
@@ -3478,7 +3469,7 @@
             </p:txBody>
           </p:sp>
         </mc:Choice>
-        <mc:Fallback>
+        <mc:Fallback xmlns="">
           <p:sp>
             <p:nvSpPr>
               <p:cNvPr id="10" name="TextBox 9"/>
@@ -3517,8 +3508,8 @@
           </p:sp>
         </mc:Fallback>
       </mc:AlternateContent>
-      <mc:AlternateContent xmlns:mc="http://schemas.openxmlformats.org/markup-compatibility/2006">
-        <mc:Choice xmlns:a14="http://schemas.microsoft.com/office/drawing/2010/main" Requires="a14">
+      <mc:AlternateContent xmlns:mc="http://schemas.openxmlformats.org/markup-compatibility/2006" xmlns:a14="http://schemas.microsoft.com/office/drawing/2010/main">
+        <mc:Choice Requires="a14">
           <p:sp>
             <p:nvSpPr>
               <p:cNvPr id="11" name="TextBox 10"/>
@@ -3541,6 +3532,7 @@
               </a:bodyPr>
               <a:lstStyle/>
               <a:p>
+                <a:pPr/>
                 <a14:m>
                   <m:oMathPara xmlns:m="http://schemas.openxmlformats.org/officeDocument/2006/math">
                     <m:oMathParaPr>
@@ -3567,7 +3559,7 @@
             </p:txBody>
           </p:sp>
         </mc:Choice>
-        <mc:Fallback>
+        <mc:Fallback xmlns="">
           <p:sp>
             <p:nvSpPr>
               <p:cNvPr id="11" name="TextBox 10"/>
@@ -3606,8 +3598,8 @@
           </p:sp>
         </mc:Fallback>
       </mc:AlternateContent>
-      <mc:AlternateContent xmlns:mc="http://schemas.openxmlformats.org/markup-compatibility/2006">
-        <mc:Choice xmlns:a14="http://schemas.microsoft.com/office/drawing/2010/main" Requires="a14">
+      <mc:AlternateContent xmlns:mc="http://schemas.openxmlformats.org/markup-compatibility/2006" xmlns:a14="http://schemas.microsoft.com/office/drawing/2010/main">
+        <mc:Choice Requires="a14">
           <p:sp>
             <p:nvSpPr>
               <p:cNvPr id="12" name="TextBox 11"/>
@@ -3630,6 +3622,7 @@
               </a:bodyPr>
               <a:lstStyle/>
               <a:p>
+                <a:pPr/>
                 <a14:m>
                   <m:oMathPara xmlns:m="http://schemas.openxmlformats.org/officeDocument/2006/math">
                     <m:oMathParaPr>
@@ -3656,7 +3649,7 @@
             </p:txBody>
           </p:sp>
         </mc:Choice>
-        <mc:Fallback>
+        <mc:Fallback xmlns="">
           <p:sp>
             <p:nvSpPr>
               <p:cNvPr id="12" name="TextBox 11"/>
@@ -3695,8 +3688,8 @@
           </p:sp>
         </mc:Fallback>
       </mc:AlternateContent>
-      <mc:AlternateContent xmlns:mc="http://schemas.openxmlformats.org/markup-compatibility/2006">
-        <mc:Choice xmlns:a14="http://schemas.microsoft.com/office/drawing/2010/main" Requires="a14">
+      <mc:AlternateContent xmlns:mc="http://schemas.openxmlformats.org/markup-compatibility/2006" xmlns:a14="http://schemas.microsoft.com/office/drawing/2010/main">
+        <mc:Choice Requires="a14">
           <p:sp>
             <p:nvSpPr>
               <p:cNvPr id="13" name="TextBox 12"/>
@@ -3719,6 +3712,7 @@
               </a:bodyPr>
               <a:lstStyle/>
               <a:p>
+                <a:pPr/>
                 <a14:m>
                   <m:oMathPara xmlns:m="http://schemas.openxmlformats.org/officeDocument/2006/math">
                     <m:oMathParaPr>
@@ -3745,7 +3739,7 @@
             </p:txBody>
           </p:sp>
         </mc:Choice>
-        <mc:Fallback>
+        <mc:Fallback xmlns="">
           <p:sp>
             <p:nvSpPr>
               <p:cNvPr id="13" name="TextBox 12"/>
@@ -3784,8 +3778,8 @@
           </p:sp>
         </mc:Fallback>
       </mc:AlternateContent>
-      <mc:AlternateContent xmlns:mc="http://schemas.openxmlformats.org/markup-compatibility/2006">
-        <mc:Choice xmlns:a14="http://schemas.microsoft.com/office/drawing/2010/main" Requires="a14">
+      <mc:AlternateContent xmlns:mc="http://schemas.openxmlformats.org/markup-compatibility/2006" xmlns:a14="http://schemas.microsoft.com/office/drawing/2010/main">
+        <mc:Choice Requires="a14">
           <p:sp>
             <p:nvSpPr>
               <p:cNvPr id="14" name="TextBox 13"/>
@@ -3808,6 +3802,7 @@
               </a:bodyPr>
               <a:lstStyle/>
               <a:p>
+                <a:pPr/>
                 <a14:m>
                   <m:oMathPara xmlns:m="http://schemas.openxmlformats.org/officeDocument/2006/math">
                     <m:oMathParaPr>
@@ -3834,7 +3829,7 @@
             </p:txBody>
           </p:sp>
         </mc:Choice>
-        <mc:Fallback>
+        <mc:Fallback xmlns="">
           <p:sp>
             <p:nvSpPr>
               <p:cNvPr id="14" name="TextBox 13"/>
@@ -3873,8 +3868,8 @@
           </p:sp>
         </mc:Fallback>
       </mc:AlternateContent>
-      <mc:AlternateContent xmlns:mc="http://schemas.openxmlformats.org/markup-compatibility/2006">
-        <mc:Choice xmlns:a14="http://schemas.microsoft.com/office/drawing/2010/main" Requires="a14">
+      <mc:AlternateContent xmlns:mc="http://schemas.openxmlformats.org/markup-compatibility/2006" xmlns:a14="http://schemas.microsoft.com/office/drawing/2010/main">
+        <mc:Choice Requires="a14">
           <p:sp>
             <p:nvSpPr>
               <p:cNvPr id="15" name="TextBox 14"/>
@@ -3897,6 +3892,7 @@
               </a:bodyPr>
               <a:lstStyle/>
               <a:p>
+                <a:pPr/>
                 <a14:m>
                   <m:oMathPara xmlns:m="http://schemas.openxmlformats.org/officeDocument/2006/math">
                     <m:oMathParaPr>
@@ -3923,7 +3919,7 @@
             </p:txBody>
           </p:sp>
         </mc:Choice>
-        <mc:Fallback>
+        <mc:Fallback xmlns="">
           <p:sp>
             <p:nvSpPr>
               <p:cNvPr id="15" name="TextBox 14"/>
@@ -3962,6 +3958,117 @@
           </p:sp>
         </mc:Fallback>
       </mc:AlternateContent>
+      <p:cxnSp>
+        <p:nvCxnSpPr>
+          <p:cNvPr id="17" name="직선 화살표 연결선 16"/>
+          <p:cNvCxnSpPr/>
+          <p:nvPr/>
+        </p:nvCxnSpPr>
+        <p:spPr>
+          <a:xfrm flipH="1">
+            <a:off x="3347864" y="3148642"/>
+            <a:ext cx="684915" cy="136342"/>
+          </a:xfrm>
+          <a:prstGeom prst="straightConnector1">
+            <a:avLst/>
+          </a:prstGeom>
+          <a:ln>
+            <a:solidFill>
+              <a:schemeClr val="tx1"/>
+            </a:solidFill>
+            <a:prstDash val="dash"/>
+            <a:tailEnd type="arrow"/>
+          </a:ln>
+        </p:spPr>
+        <p:style>
+          <a:lnRef idx="1">
+            <a:schemeClr val="accent1"/>
+          </a:lnRef>
+          <a:fillRef idx="0">
+            <a:schemeClr val="accent1"/>
+          </a:fillRef>
+          <a:effectRef idx="0">
+            <a:schemeClr val="accent1"/>
+          </a:effectRef>
+          <a:fontRef idx="minor">
+            <a:schemeClr val="tx1"/>
+          </a:fontRef>
+        </p:style>
+      </p:cxnSp>
+      <p:cxnSp>
+        <p:nvCxnSpPr>
+          <p:cNvPr id="18" name="직선 화살표 연결선 17"/>
+          <p:cNvCxnSpPr/>
+          <p:nvPr/>
+        </p:nvCxnSpPr>
+        <p:spPr>
+          <a:xfrm flipH="1" flipV="1">
+            <a:off x="3302948" y="2577480"/>
+            <a:ext cx="684914" cy="419472"/>
+          </a:xfrm>
+          <a:prstGeom prst="straightConnector1">
+            <a:avLst/>
+          </a:prstGeom>
+          <a:ln>
+            <a:solidFill>
+              <a:schemeClr val="tx1"/>
+            </a:solidFill>
+            <a:prstDash val="dash"/>
+            <a:tailEnd type="arrow"/>
+          </a:ln>
+        </p:spPr>
+        <p:style>
+          <a:lnRef idx="1">
+            <a:schemeClr val="accent1"/>
+          </a:lnRef>
+          <a:fillRef idx="0">
+            <a:schemeClr val="accent1"/>
+          </a:fillRef>
+          <a:effectRef idx="0">
+            <a:schemeClr val="accent1"/>
+          </a:effectRef>
+          <a:fontRef idx="minor">
+            <a:schemeClr val="tx1"/>
+          </a:fontRef>
+        </p:style>
+      </p:cxnSp>
+      <p:cxnSp>
+        <p:nvCxnSpPr>
+          <p:cNvPr id="20" name="직선 화살표 연결선 19"/>
+          <p:cNvCxnSpPr/>
+          <p:nvPr/>
+        </p:nvCxnSpPr>
+        <p:spPr>
+          <a:xfrm flipH="1" flipV="1">
+            <a:off x="4104787" y="2142778"/>
+            <a:ext cx="72008" cy="644438"/>
+          </a:xfrm>
+          <a:prstGeom prst="straightConnector1">
+            <a:avLst/>
+          </a:prstGeom>
+          <a:ln>
+            <a:solidFill>
+              <a:schemeClr val="tx1"/>
+            </a:solidFill>
+            <a:prstDash val="dash"/>
+            <a:tailEnd type="arrow"/>
+          </a:ln>
+        </p:spPr>
+        <p:style>
+          <a:lnRef idx="1">
+            <a:schemeClr val="accent1"/>
+          </a:lnRef>
+          <a:fillRef idx="0">
+            <a:schemeClr val="accent1"/>
+          </a:fillRef>
+          <a:effectRef idx="0">
+            <a:schemeClr val="accent1"/>
+          </a:effectRef>
+          <a:fontRef idx="minor">
+            <a:schemeClr val="tx1"/>
+          </a:fontRef>
+        </p:style>
+      </p:cxnSp>
     </p:spTree>
     <p:extLst>
       <p:ext uri="{BB962C8B-B14F-4D97-AF65-F5344CB8AC3E}">

--- a/pics/2021-04-07-Kalman_filter/pics.pptx
+++ b/pics/2021-04-07-Kalman_filter/pics.pptx
@@ -10,6 +10,9 @@
     <p:sldId id="256" r:id="rId4"/>
     <p:sldId id="257" r:id="rId5"/>
     <p:sldId id="258" r:id="rId6"/>
+    <p:sldId id="261" r:id="rId7"/>
+    <p:sldId id="262" r:id="rId8"/>
+    <p:sldId id="263" r:id="rId9"/>
   </p:sldIdLst>
   <p:sldSz cx="9144000" cy="6858000" type="screen4x3"/>
   <p:notesSz cx="6858000" cy="9144000"/>
@@ -292,7 +295,7 @@
           <a:p>
             <a:fld id="{FB30EDBD-1C2D-4C1E-B459-B60219FAB484}" type="datetimeFigureOut">
               <a:rPr lang="ko-KR" altLang="en-US" smtClean="0"/>
-              <a:t>2021-04-16</a:t>
+              <a:t>2021-04-19</a:t>
             </a:fld>
             <a:endParaRPr lang="ko-KR" altLang="en-US"/>
           </a:p>
@@ -457,7 +460,7 @@
           <a:p>
             <a:fld id="{FB30EDBD-1C2D-4C1E-B459-B60219FAB484}" type="datetimeFigureOut">
               <a:rPr lang="ko-KR" altLang="en-US" smtClean="0"/>
-              <a:t>2021-04-16</a:t>
+              <a:t>2021-04-19</a:t>
             </a:fld>
             <a:endParaRPr lang="ko-KR" altLang="en-US"/>
           </a:p>
@@ -632,7 +635,7 @@
           <a:p>
             <a:fld id="{FB30EDBD-1C2D-4C1E-B459-B60219FAB484}" type="datetimeFigureOut">
               <a:rPr lang="ko-KR" altLang="en-US" smtClean="0"/>
-              <a:t>2021-04-16</a:t>
+              <a:t>2021-04-19</a:t>
             </a:fld>
             <a:endParaRPr lang="ko-KR" altLang="en-US"/>
           </a:p>
@@ -797,7 +800,7 @@
           <a:p>
             <a:fld id="{FB30EDBD-1C2D-4C1E-B459-B60219FAB484}" type="datetimeFigureOut">
               <a:rPr lang="ko-KR" altLang="en-US" smtClean="0"/>
-              <a:t>2021-04-16</a:t>
+              <a:t>2021-04-19</a:t>
             </a:fld>
             <a:endParaRPr lang="ko-KR" altLang="en-US"/>
           </a:p>
@@ -1038,7 +1041,7 @@
           <a:p>
             <a:fld id="{FB30EDBD-1C2D-4C1E-B459-B60219FAB484}" type="datetimeFigureOut">
               <a:rPr lang="ko-KR" altLang="en-US" smtClean="0"/>
-              <a:t>2021-04-16</a:t>
+              <a:t>2021-04-19</a:t>
             </a:fld>
             <a:endParaRPr lang="ko-KR" altLang="en-US"/>
           </a:p>
@@ -1321,7 +1324,7 @@
           <a:p>
             <a:fld id="{FB30EDBD-1C2D-4C1E-B459-B60219FAB484}" type="datetimeFigureOut">
               <a:rPr lang="ko-KR" altLang="en-US" smtClean="0"/>
-              <a:t>2021-04-16</a:t>
+              <a:t>2021-04-19</a:t>
             </a:fld>
             <a:endParaRPr lang="ko-KR" altLang="en-US"/>
           </a:p>
@@ -1738,7 +1741,7 @@
           <a:p>
             <a:fld id="{FB30EDBD-1C2D-4C1E-B459-B60219FAB484}" type="datetimeFigureOut">
               <a:rPr lang="ko-KR" altLang="en-US" smtClean="0"/>
-              <a:t>2021-04-16</a:t>
+              <a:t>2021-04-19</a:t>
             </a:fld>
             <a:endParaRPr lang="ko-KR" altLang="en-US"/>
           </a:p>
@@ -1851,7 +1854,7 @@
           <a:p>
             <a:fld id="{FB30EDBD-1C2D-4C1E-B459-B60219FAB484}" type="datetimeFigureOut">
               <a:rPr lang="ko-KR" altLang="en-US" smtClean="0"/>
-              <a:t>2021-04-16</a:t>
+              <a:t>2021-04-19</a:t>
             </a:fld>
             <a:endParaRPr lang="ko-KR" altLang="en-US"/>
           </a:p>
@@ -1941,7 +1944,7 @@
           <a:p>
             <a:fld id="{FB30EDBD-1C2D-4C1E-B459-B60219FAB484}" type="datetimeFigureOut">
               <a:rPr lang="ko-KR" altLang="en-US" smtClean="0"/>
-              <a:t>2021-04-16</a:t>
+              <a:t>2021-04-19</a:t>
             </a:fld>
             <a:endParaRPr lang="ko-KR" altLang="en-US"/>
           </a:p>
@@ -2213,7 +2216,7 @@
           <a:p>
             <a:fld id="{FB30EDBD-1C2D-4C1E-B459-B60219FAB484}" type="datetimeFigureOut">
               <a:rPr lang="ko-KR" altLang="en-US" smtClean="0"/>
-              <a:t>2021-04-16</a:t>
+              <a:t>2021-04-19</a:t>
             </a:fld>
             <a:endParaRPr lang="ko-KR" altLang="en-US"/>
           </a:p>
@@ -2461,7 +2464,7 @@
           <a:p>
             <a:fld id="{FB30EDBD-1C2D-4C1E-B459-B60219FAB484}" type="datetimeFigureOut">
               <a:rPr lang="ko-KR" altLang="en-US" smtClean="0"/>
-              <a:t>2021-04-16</a:t>
+              <a:t>2021-04-19</a:t>
             </a:fld>
             <a:endParaRPr lang="ko-KR" altLang="en-US"/>
           </a:p>
@@ -2669,7 +2672,7 @@
           <a:p>
             <a:fld id="{FB30EDBD-1C2D-4C1E-B459-B60219FAB484}" type="datetimeFigureOut">
               <a:rPr lang="ko-KR" altLang="en-US" smtClean="0"/>
-              <a:t>2021-04-16</a:t>
+              <a:t>2021-04-19</a:t>
             </a:fld>
             <a:endParaRPr lang="ko-KR" altLang="en-US"/>
           </a:p>
@@ -7041,6 +7044,288 @@
 </p:sld>
 </file>
 
+<file path=ppt/slides/slide6.xml><?xml version="1.0" encoding="utf-8"?>
+<p:sld xmlns:a="http://schemas.openxmlformats.org/drawingml/2006/main" xmlns:r="http://schemas.openxmlformats.org/officeDocument/2006/relationships" xmlns:p="http://schemas.openxmlformats.org/presentationml/2006/main">
+  <p:cSld>
+    <p:spTree>
+      <p:nvGrpSpPr>
+        <p:cNvPr id="1" name=""/>
+        <p:cNvGrpSpPr/>
+        <p:nvPr/>
+      </p:nvGrpSpPr>
+      <p:grpSpPr>
+        <a:xfrm>
+          <a:off x="0" y="0"/>
+          <a:ext cx="0" cy="0"/>
+          <a:chOff x="0" y="0"/>
+          <a:chExt cx="0" cy="0"/>
+        </a:xfrm>
+      </p:grpSpPr>
+      <p:pic>
+        <p:nvPicPr>
+          <p:cNvPr id="1026" name="Picture 2"/>
+          <p:cNvPicPr>
+            <a:picLocks noChangeAspect="1" noChangeArrowheads="1"/>
+          </p:cNvPicPr>
+          <p:nvPr/>
+        </p:nvPicPr>
+        <p:blipFill>
+          <a:blip r:embed="rId2">
+            <a:extLst>
+              <a:ext uri="{28A0092B-C50C-407E-A947-70E740481C1C}">
+                <a14:useLocalDpi xmlns:a14="http://schemas.microsoft.com/office/drawing/2010/main" val="0"/>
+              </a:ext>
+            </a:extLst>
+          </a:blip>
+          <a:srcRect/>
+          <a:stretch>
+            <a:fillRect/>
+          </a:stretch>
+        </p:blipFill>
+        <p:spPr bwMode="auto">
+          <a:xfrm>
+            <a:off x="1909763" y="1433513"/>
+            <a:ext cx="5324475" cy="3990975"/>
+          </a:xfrm>
+          <a:prstGeom prst="rect">
+            <a:avLst/>
+          </a:prstGeom>
+          <a:noFill/>
+          <a:ln>
+            <a:noFill/>
+          </a:ln>
+          <a:effectLst/>
+          <a:extLst>
+            <a:ext uri="{909E8E84-426E-40DD-AFC4-6F175D3DCCD1}">
+              <a14:hiddenFill xmlns:a14="http://schemas.microsoft.com/office/drawing/2010/main">
+                <a:solidFill>
+                  <a:schemeClr val="accent1"/>
+                </a:solidFill>
+              </a14:hiddenFill>
+            </a:ext>
+            <a:ext uri="{91240B29-F687-4F45-9708-019B960494DF}">
+              <a14:hiddenLine xmlns:a14="http://schemas.microsoft.com/office/drawing/2010/main" w="9525">
+                <a:solidFill>
+                  <a:schemeClr val="tx1"/>
+                </a:solidFill>
+                <a:miter lim="800000"/>
+                <a:headEnd/>
+                <a:tailEnd/>
+              </a14:hiddenLine>
+            </a:ext>
+            <a:ext uri="{AF507438-7753-43E0-B8FC-AC1667EBCBE1}">
+              <a14:hiddenEffects xmlns:a14="http://schemas.microsoft.com/office/drawing/2010/main">
+                <a:effectLst>
+                  <a:outerShdw dist="35921" dir="2700000" algn="ctr" rotWithShape="0">
+                    <a:schemeClr val="bg2"/>
+                  </a:outerShdw>
+                </a:effectLst>
+              </a14:hiddenEffects>
+            </a:ext>
+          </a:extLst>
+        </p:spPr>
+      </p:pic>
+    </p:spTree>
+    <p:extLst>
+      <p:ext uri="{BB962C8B-B14F-4D97-AF65-F5344CB8AC3E}">
+        <p14:creationId xmlns:p14="http://schemas.microsoft.com/office/powerpoint/2010/main" val="2985256577"/>
+      </p:ext>
+    </p:extLst>
+  </p:cSld>
+  <p:clrMapOvr>
+    <a:masterClrMapping/>
+  </p:clrMapOvr>
+</p:sld>
+</file>
+
+<file path=ppt/slides/slide7.xml><?xml version="1.0" encoding="utf-8"?>
+<p:sld xmlns:a="http://schemas.openxmlformats.org/drawingml/2006/main" xmlns:r="http://schemas.openxmlformats.org/officeDocument/2006/relationships" xmlns:p="http://schemas.openxmlformats.org/presentationml/2006/main">
+  <p:cSld>
+    <p:spTree>
+      <p:nvGrpSpPr>
+        <p:cNvPr id="1" name=""/>
+        <p:cNvGrpSpPr/>
+        <p:nvPr/>
+      </p:nvGrpSpPr>
+      <p:grpSpPr>
+        <a:xfrm>
+          <a:off x="0" y="0"/>
+          <a:ext cx="0" cy="0"/>
+          <a:chOff x="0" y="0"/>
+          <a:chExt cx="0" cy="0"/>
+        </a:xfrm>
+      </p:grpSpPr>
+      <p:pic>
+        <p:nvPicPr>
+          <p:cNvPr id="1026" name="Picture 2"/>
+          <p:cNvPicPr>
+            <a:picLocks noChangeAspect="1" noChangeArrowheads="1"/>
+          </p:cNvPicPr>
+          <p:nvPr/>
+        </p:nvPicPr>
+        <p:blipFill>
+          <a:blip r:embed="rId2">
+            <a:extLst>
+              <a:ext uri="{28A0092B-C50C-407E-A947-70E740481C1C}">
+                <a14:useLocalDpi xmlns:a14="http://schemas.microsoft.com/office/drawing/2010/main" val="0"/>
+              </a:ext>
+            </a:extLst>
+          </a:blip>
+          <a:srcRect/>
+          <a:stretch>
+            <a:fillRect/>
+          </a:stretch>
+        </p:blipFill>
+        <p:spPr bwMode="auto">
+          <a:xfrm>
+            <a:off x="1909763" y="1433513"/>
+            <a:ext cx="5324475" cy="3990975"/>
+          </a:xfrm>
+          <a:prstGeom prst="rect">
+            <a:avLst/>
+          </a:prstGeom>
+          <a:noFill/>
+          <a:ln>
+            <a:noFill/>
+          </a:ln>
+          <a:effectLst/>
+          <a:extLst>
+            <a:ext uri="{909E8E84-426E-40DD-AFC4-6F175D3DCCD1}">
+              <a14:hiddenFill xmlns:a14="http://schemas.microsoft.com/office/drawing/2010/main">
+                <a:solidFill>
+                  <a:schemeClr val="accent1"/>
+                </a:solidFill>
+              </a14:hiddenFill>
+            </a:ext>
+            <a:ext uri="{91240B29-F687-4F45-9708-019B960494DF}">
+              <a14:hiddenLine xmlns:a14="http://schemas.microsoft.com/office/drawing/2010/main" w="9525">
+                <a:solidFill>
+                  <a:schemeClr val="tx1"/>
+                </a:solidFill>
+                <a:miter lim="800000"/>
+                <a:headEnd/>
+                <a:tailEnd/>
+              </a14:hiddenLine>
+            </a:ext>
+            <a:ext uri="{AF507438-7753-43E0-B8FC-AC1667EBCBE1}">
+              <a14:hiddenEffects xmlns:a14="http://schemas.microsoft.com/office/drawing/2010/main">
+                <a:effectLst>
+                  <a:outerShdw dist="35921" dir="2700000" algn="ctr" rotWithShape="0">
+                    <a:schemeClr val="bg2"/>
+                  </a:outerShdw>
+                </a:effectLst>
+              </a14:hiddenEffects>
+            </a:ext>
+          </a:extLst>
+        </p:spPr>
+      </p:pic>
+    </p:spTree>
+    <p:extLst>
+      <p:ext uri="{BB962C8B-B14F-4D97-AF65-F5344CB8AC3E}">
+        <p14:creationId xmlns:p14="http://schemas.microsoft.com/office/powerpoint/2010/main" val="2335936312"/>
+      </p:ext>
+    </p:extLst>
+  </p:cSld>
+  <p:clrMapOvr>
+    <a:masterClrMapping/>
+  </p:clrMapOvr>
+</p:sld>
+</file>
+
+<file path=ppt/slides/slide8.xml><?xml version="1.0" encoding="utf-8"?>
+<p:sld xmlns:a="http://schemas.openxmlformats.org/drawingml/2006/main" xmlns:r="http://schemas.openxmlformats.org/officeDocument/2006/relationships" xmlns:p="http://schemas.openxmlformats.org/presentationml/2006/main">
+  <p:cSld>
+    <p:spTree>
+      <p:nvGrpSpPr>
+        <p:cNvPr id="1" name=""/>
+        <p:cNvGrpSpPr/>
+        <p:nvPr/>
+      </p:nvGrpSpPr>
+      <p:grpSpPr>
+        <a:xfrm>
+          <a:off x="0" y="0"/>
+          <a:ext cx="0" cy="0"/>
+          <a:chOff x="0" y="0"/>
+          <a:chExt cx="0" cy="0"/>
+        </a:xfrm>
+      </p:grpSpPr>
+      <p:pic>
+        <p:nvPicPr>
+          <p:cNvPr id="1026" name="Picture 2"/>
+          <p:cNvPicPr>
+            <a:picLocks noChangeAspect="1" noChangeArrowheads="1"/>
+          </p:cNvPicPr>
+          <p:nvPr/>
+        </p:nvPicPr>
+        <p:blipFill>
+          <a:blip r:embed="rId2">
+            <a:extLst>
+              <a:ext uri="{28A0092B-C50C-407E-A947-70E740481C1C}">
+                <a14:useLocalDpi xmlns:a14="http://schemas.microsoft.com/office/drawing/2010/main" val="0"/>
+              </a:ext>
+            </a:extLst>
+          </a:blip>
+          <a:srcRect/>
+          <a:stretch>
+            <a:fillRect/>
+          </a:stretch>
+        </p:blipFill>
+        <p:spPr bwMode="auto">
+          <a:xfrm>
+            <a:off x="1909763" y="1433513"/>
+            <a:ext cx="5324475" cy="3990975"/>
+          </a:xfrm>
+          <a:prstGeom prst="rect">
+            <a:avLst/>
+          </a:prstGeom>
+          <a:noFill/>
+          <a:ln>
+            <a:noFill/>
+          </a:ln>
+          <a:effectLst/>
+          <a:extLst>
+            <a:ext uri="{909E8E84-426E-40DD-AFC4-6F175D3DCCD1}">
+              <a14:hiddenFill xmlns:a14="http://schemas.microsoft.com/office/drawing/2010/main">
+                <a:solidFill>
+                  <a:schemeClr val="accent1"/>
+                </a:solidFill>
+              </a14:hiddenFill>
+            </a:ext>
+            <a:ext uri="{91240B29-F687-4F45-9708-019B960494DF}">
+              <a14:hiddenLine xmlns:a14="http://schemas.microsoft.com/office/drawing/2010/main" w="9525">
+                <a:solidFill>
+                  <a:schemeClr val="tx1"/>
+                </a:solidFill>
+                <a:miter lim="800000"/>
+                <a:headEnd/>
+                <a:tailEnd/>
+              </a14:hiddenLine>
+            </a:ext>
+            <a:ext uri="{AF507438-7753-43E0-B8FC-AC1667EBCBE1}">
+              <a14:hiddenEffects xmlns:a14="http://schemas.microsoft.com/office/drawing/2010/main">
+                <a:effectLst>
+                  <a:outerShdw dist="35921" dir="2700000" algn="ctr" rotWithShape="0">
+                    <a:schemeClr val="bg2"/>
+                  </a:outerShdw>
+                </a:effectLst>
+              </a14:hiddenEffects>
+            </a:ext>
+          </a:extLst>
+        </p:spPr>
+      </p:pic>
+    </p:spTree>
+    <p:extLst>
+      <p:ext uri="{BB962C8B-B14F-4D97-AF65-F5344CB8AC3E}">
+        <p14:creationId xmlns:p14="http://schemas.microsoft.com/office/powerpoint/2010/main" val="3766081245"/>
+      </p:ext>
+    </p:extLst>
+  </p:cSld>
+  <p:clrMapOvr>
+    <a:masterClrMapping/>
+  </p:clrMapOvr>
+</p:sld>
+</file>
+
 <file path=ppt/theme/theme1.xml><?xml version="1.0" encoding="utf-8"?>
 <a:theme xmlns:a="http://schemas.openxmlformats.org/drawingml/2006/main" name="Office 테마">
   <a:themeElements>

--- a/pics/2021-04-07-Kalman_filter/pics.pptx
+++ b/pics/2021-04-07-Kalman_filter/pics.pptx
@@ -13,6 +13,7 @@
     <p:sldId id="261" r:id="rId7"/>
     <p:sldId id="262" r:id="rId8"/>
     <p:sldId id="263" r:id="rId9"/>
+    <p:sldId id="264" r:id="rId10"/>
   </p:sldIdLst>
   <p:sldSz cx="9144000" cy="6858000" type="screen4x3"/>
   <p:notesSz cx="6858000" cy="9144000"/>
@@ -295,7 +296,7 @@
           <a:p>
             <a:fld id="{FB30EDBD-1C2D-4C1E-B459-B60219FAB484}" type="datetimeFigureOut">
               <a:rPr lang="ko-KR" altLang="en-US" smtClean="0"/>
-              <a:t>2021-04-19</a:t>
+              <a:t>2021-04-20</a:t>
             </a:fld>
             <a:endParaRPr lang="ko-KR" altLang="en-US"/>
           </a:p>
@@ -460,7 +461,7 @@
           <a:p>
             <a:fld id="{FB30EDBD-1C2D-4C1E-B459-B60219FAB484}" type="datetimeFigureOut">
               <a:rPr lang="ko-KR" altLang="en-US" smtClean="0"/>
-              <a:t>2021-04-19</a:t>
+              <a:t>2021-04-20</a:t>
             </a:fld>
             <a:endParaRPr lang="ko-KR" altLang="en-US"/>
           </a:p>
@@ -635,7 +636,7 @@
           <a:p>
             <a:fld id="{FB30EDBD-1C2D-4C1E-B459-B60219FAB484}" type="datetimeFigureOut">
               <a:rPr lang="ko-KR" altLang="en-US" smtClean="0"/>
-              <a:t>2021-04-19</a:t>
+              <a:t>2021-04-20</a:t>
             </a:fld>
             <a:endParaRPr lang="ko-KR" altLang="en-US"/>
           </a:p>
@@ -800,7 +801,7 @@
           <a:p>
             <a:fld id="{FB30EDBD-1C2D-4C1E-B459-B60219FAB484}" type="datetimeFigureOut">
               <a:rPr lang="ko-KR" altLang="en-US" smtClean="0"/>
-              <a:t>2021-04-19</a:t>
+              <a:t>2021-04-20</a:t>
             </a:fld>
             <a:endParaRPr lang="ko-KR" altLang="en-US"/>
           </a:p>
@@ -1041,7 +1042,7 @@
           <a:p>
             <a:fld id="{FB30EDBD-1C2D-4C1E-B459-B60219FAB484}" type="datetimeFigureOut">
               <a:rPr lang="ko-KR" altLang="en-US" smtClean="0"/>
-              <a:t>2021-04-19</a:t>
+              <a:t>2021-04-20</a:t>
             </a:fld>
             <a:endParaRPr lang="ko-KR" altLang="en-US"/>
           </a:p>
@@ -1324,7 +1325,7 @@
           <a:p>
             <a:fld id="{FB30EDBD-1C2D-4C1E-B459-B60219FAB484}" type="datetimeFigureOut">
               <a:rPr lang="ko-KR" altLang="en-US" smtClean="0"/>
-              <a:t>2021-04-19</a:t>
+              <a:t>2021-04-20</a:t>
             </a:fld>
             <a:endParaRPr lang="ko-KR" altLang="en-US"/>
           </a:p>
@@ -1741,7 +1742,7 @@
           <a:p>
             <a:fld id="{FB30EDBD-1C2D-4C1E-B459-B60219FAB484}" type="datetimeFigureOut">
               <a:rPr lang="ko-KR" altLang="en-US" smtClean="0"/>
-              <a:t>2021-04-19</a:t>
+              <a:t>2021-04-20</a:t>
             </a:fld>
             <a:endParaRPr lang="ko-KR" altLang="en-US"/>
           </a:p>
@@ -1854,7 +1855,7 @@
           <a:p>
             <a:fld id="{FB30EDBD-1C2D-4C1E-B459-B60219FAB484}" type="datetimeFigureOut">
               <a:rPr lang="ko-KR" altLang="en-US" smtClean="0"/>
-              <a:t>2021-04-19</a:t>
+              <a:t>2021-04-20</a:t>
             </a:fld>
             <a:endParaRPr lang="ko-KR" altLang="en-US"/>
           </a:p>
@@ -1944,7 +1945,7 @@
           <a:p>
             <a:fld id="{FB30EDBD-1C2D-4C1E-B459-B60219FAB484}" type="datetimeFigureOut">
               <a:rPr lang="ko-KR" altLang="en-US" smtClean="0"/>
-              <a:t>2021-04-19</a:t>
+              <a:t>2021-04-20</a:t>
             </a:fld>
             <a:endParaRPr lang="ko-KR" altLang="en-US"/>
           </a:p>
@@ -2216,7 +2217,7 @@
           <a:p>
             <a:fld id="{FB30EDBD-1C2D-4C1E-B459-B60219FAB484}" type="datetimeFigureOut">
               <a:rPr lang="ko-KR" altLang="en-US" smtClean="0"/>
-              <a:t>2021-04-19</a:t>
+              <a:t>2021-04-20</a:t>
             </a:fld>
             <a:endParaRPr lang="ko-KR" altLang="en-US"/>
           </a:p>
@@ -2464,7 +2465,7 @@
           <a:p>
             <a:fld id="{FB30EDBD-1C2D-4C1E-B459-B60219FAB484}" type="datetimeFigureOut">
               <a:rPr lang="ko-KR" altLang="en-US" smtClean="0"/>
-              <a:t>2021-04-19</a:t>
+              <a:t>2021-04-20</a:t>
             </a:fld>
             <a:endParaRPr lang="ko-KR" altLang="en-US"/>
           </a:p>
@@ -2672,7 +2673,7 @@
           <a:p>
             <a:fld id="{FB30EDBD-1C2D-4C1E-B459-B60219FAB484}" type="datetimeFigureOut">
               <a:rPr lang="ko-KR" altLang="en-US" smtClean="0"/>
-              <a:t>2021-04-19</a:t>
+              <a:t>2021-04-20</a:t>
             </a:fld>
             <a:endParaRPr lang="ko-KR" altLang="en-US"/>
           </a:p>
@@ -7323,6 +7324,1876 @@
   <p:clrMapOvr>
     <a:masterClrMapping/>
   </p:clrMapOvr>
+  <p:timing>
+    <p:tnLst>
+      <p:par>
+        <p:cTn id="1" dur="indefinite" restart="never" nodeType="tmRoot"/>
+      </p:par>
+    </p:tnLst>
+  </p:timing>
+</p:sld>
+</file>
+
+<file path=ppt/slides/slide9.xml><?xml version="1.0" encoding="utf-8"?>
+<p:sld xmlns:a="http://schemas.openxmlformats.org/drawingml/2006/main" xmlns:r="http://schemas.openxmlformats.org/officeDocument/2006/relationships" xmlns:p="http://schemas.openxmlformats.org/presentationml/2006/main">
+  <p:cSld>
+    <p:spTree>
+      <p:nvGrpSpPr>
+        <p:cNvPr id="1" name=""/>
+        <p:cNvGrpSpPr/>
+        <p:nvPr/>
+      </p:nvGrpSpPr>
+      <p:grpSpPr>
+        <a:xfrm>
+          <a:off x="0" y="0"/>
+          <a:ext cx="0" cy="0"/>
+          <a:chOff x="0" y="0"/>
+          <a:chExt cx="0" cy="0"/>
+        </a:xfrm>
+      </p:grpSpPr>
+      <p:pic>
+        <p:nvPicPr>
+          <p:cNvPr id="41" name="Picture 4"/>
+          <p:cNvPicPr>
+            <a:picLocks noChangeAspect="1" noChangeArrowheads="1"/>
+          </p:cNvPicPr>
+          <p:nvPr/>
+        </p:nvPicPr>
+        <p:blipFill>
+          <a:blip r:embed="rId2" cstate="print">
+            <a:duotone>
+              <a:schemeClr val="bg2">
+                <a:shade val="45000"/>
+                <a:satMod val="135000"/>
+              </a:schemeClr>
+              <a:prstClr val="white"/>
+            </a:duotone>
+            <a:extLst>
+              <a:ext uri="{28A0092B-C50C-407E-A947-70E740481C1C}">
+                <a14:useLocalDpi xmlns:a14="http://schemas.microsoft.com/office/drawing/2010/main" val="0"/>
+              </a:ext>
+            </a:extLst>
+          </a:blip>
+          <a:srcRect/>
+          <a:stretch>
+            <a:fillRect/>
+          </a:stretch>
+        </p:blipFill>
+        <p:spPr bwMode="auto">
+          <a:xfrm>
+            <a:off x="3770694" y="5292186"/>
+            <a:ext cx="2289912" cy="764357"/>
+          </a:xfrm>
+          <a:prstGeom prst="rect">
+            <a:avLst/>
+          </a:prstGeom>
+          <a:noFill/>
+          <a:ln>
+            <a:noFill/>
+          </a:ln>
+          <a:effectLst/>
+          <a:extLst>
+            <a:ext uri="{909E8E84-426E-40DD-AFC4-6F175D3DCCD1}">
+              <a14:hiddenFill xmlns:a14="http://schemas.microsoft.com/office/drawing/2010/main">
+                <a:solidFill>
+                  <a:schemeClr val="accent1"/>
+                </a:solidFill>
+              </a14:hiddenFill>
+            </a:ext>
+            <a:ext uri="{91240B29-F687-4F45-9708-019B960494DF}">
+              <a14:hiddenLine xmlns:a14="http://schemas.microsoft.com/office/drawing/2010/main" w="9525">
+                <a:solidFill>
+                  <a:schemeClr val="tx1"/>
+                </a:solidFill>
+                <a:miter lim="800000"/>
+                <a:headEnd/>
+                <a:tailEnd/>
+              </a14:hiddenLine>
+            </a:ext>
+            <a:ext uri="{AF507438-7753-43E0-B8FC-AC1667EBCBE1}">
+              <a14:hiddenEffects xmlns:a14="http://schemas.microsoft.com/office/drawing/2010/main">
+                <a:effectLst>
+                  <a:outerShdw dist="35921" dir="2700000" algn="ctr" rotWithShape="0">
+                    <a:schemeClr val="bg2"/>
+                  </a:outerShdw>
+                </a:effectLst>
+              </a14:hiddenEffects>
+            </a:ext>
+          </a:extLst>
+        </p:spPr>
+      </p:pic>
+      <p:pic>
+        <p:nvPicPr>
+          <p:cNvPr id="42" name="Picture 5"/>
+          <p:cNvPicPr>
+            <a:picLocks noChangeAspect="1" noChangeArrowheads="1"/>
+          </p:cNvPicPr>
+          <p:nvPr/>
+        </p:nvPicPr>
+        <p:blipFill>
+          <a:blip r:embed="rId3" cstate="print">
+            <a:duotone>
+              <a:schemeClr val="bg2">
+                <a:shade val="45000"/>
+                <a:satMod val="135000"/>
+              </a:schemeClr>
+              <a:prstClr val="white"/>
+            </a:duotone>
+            <a:extLst>
+              <a:ext uri="{28A0092B-C50C-407E-A947-70E740481C1C}">
+                <a14:useLocalDpi xmlns:a14="http://schemas.microsoft.com/office/drawing/2010/main" val="0"/>
+              </a:ext>
+            </a:extLst>
+          </a:blip>
+          <a:srcRect/>
+          <a:stretch>
+            <a:fillRect/>
+          </a:stretch>
+        </p:blipFill>
+        <p:spPr bwMode="auto">
+          <a:xfrm>
+            <a:off x="4817083" y="4510113"/>
+            <a:ext cx="1205790" cy="1648594"/>
+          </a:xfrm>
+          <a:prstGeom prst="rect">
+            <a:avLst/>
+          </a:prstGeom>
+          <a:noFill/>
+          <a:ln>
+            <a:noFill/>
+          </a:ln>
+          <a:effectLst/>
+          <a:extLst>
+            <a:ext uri="{909E8E84-426E-40DD-AFC4-6F175D3DCCD1}">
+              <a14:hiddenFill xmlns:a14="http://schemas.microsoft.com/office/drawing/2010/main">
+                <a:solidFill>
+                  <a:schemeClr val="accent1"/>
+                </a:solidFill>
+              </a14:hiddenFill>
+            </a:ext>
+            <a:ext uri="{91240B29-F687-4F45-9708-019B960494DF}">
+              <a14:hiddenLine xmlns:a14="http://schemas.microsoft.com/office/drawing/2010/main" w="9525">
+                <a:solidFill>
+                  <a:schemeClr val="tx1"/>
+                </a:solidFill>
+                <a:miter lim="800000"/>
+                <a:headEnd/>
+                <a:tailEnd/>
+              </a14:hiddenLine>
+            </a:ext>
+            <a:ext uri="{AF507438-7753-43E0-B8FC-AC1667EBCBE1}">
+              <a14:hiddenEffects xmlns:a14="http://schemas.microsoft.com/office/drawing/2010/main">
+                <a:effectLst>
+                  <a:outerShdw dist="35921" dir="2700000" algn="ctr" rotWithShape="0">
+                    <a:schemeClr val="bg2"/>
+                  </a:outerShdw>
+                </a:effectLst>
+              </a14:hiddenEffects>
+            </a:ext>
+          </a:extLst>
+        </p:spPr>
+      </p:pic>
+      <p:pic>
+        <p:nvPicPr>
+          <p:cNvPr id="1027" name="Picture 3"/>
+          <p:cNvPicPr>
+            <a:picLocks noChangeAspect="1" noChangeArrowheads="1"/>
+          </p:cNvPicPr>
+          <p:nvPr/>
+        </p:nvPicPr>
+        <p:blipFill>
+          <a:blip r:embed="rId4" cstate="print">
+            <a:extLst>
+              <a:ext uri="{28A0092B-C50C-407E-A947-70E740481C1C}">
+                <a14:useLocalDpi xmlns:a14="http://schemas.microsoft.com/office/drawing/2010/main" val="0"/>
+              </a:ext>
+            </a:extLst>
+          </a:blip>
+          <a:srcRect/>
+          <a:stretch>
+            <a:fillRect/>
+          </a:stretch>
+        </p:blipFill>
+        <p:spPr bwMode="auto">
+          <a:xfrm>
+            <a:off x="539552" y="2932101"/>
+            <a:ext cx="1538727" cy="1153355"/>
+          </a:xfrm>
+          <a:prstGeom prst="rect">
+            <a:avLst/>
+          </a:prstGeom>
+          <a:noFill/>
+          <a:ln>
+            <a:noFill/>
+          </a:ln>
+          <a:effectLst/>
+          <a:extLst>
+            <a:ext uri="{909E8E84-426E-40DD-AFC4-6F175D3DCCD1}">
+              <a14:hiddenFill xmlns:a14="http://schemas.microsoft.com/office/drawing/2010/main">
+                <a:solidFill>
+                  <a:schemeClr val="accent1"/>
+                </a:solidFill>
+              </a14:hiddenFill>
+            </a:ext>
+            <a:ext uri="{91240B29-F687-4F45-9708-019B960494DF}">
+              <a14:hiddenLine xmlns:a14="http://schemas.microsoft.com/office/drawing/2010/main" w="9525">
+                <a:solidFill>
+                  <a:schemeClr val="tx1"/>
+                </a:solidFill>
+                <a:miter lim="800000"/>
+                <a:headEnd/>
+                <a:tailEnd/>
+              </a14:hiddenLine>
+            </a:ext>
+            <a:ext uri="{AF507438-7753-43E0-B8FC-AC1667EBCBE1}">
+              <a14:hiddenEffects xmlns:a14="http://schemas.microsoft.com/office/drawing/2010/main">
+                <a:effectLst>
+                  <a:outerShdw dist="35921" dir="2700000" algn="ctr" rotWithShape="0">
+                    <a:schemeClr val="bg2"/>
+                  </a:outerShdw>
+                </a:effectLst>
+              </a14:hiddenEffects>
+            </a:ext>
+          </a:extLst>
+        </p:spPr>
+      </p:pic>
+      <p:cxnSp>
+        <p:nvCxnSpPr>
+          <p:cNvPr id="5" name="직선 화살표 연결선 4"/>
+          <p:cNvCxnSpPr/>
+          <p:nvPr/>
+        </p:nvCxnSpPr>
+        <p:spPr>
+          <a:xfrm>
+            <a:off x="683568" y="3933056"/>
+            <a:ext cx="2592288" cy="0"/>
+          </a:xfrm>
+          <a:prstGeom prst="straightConnector1">
+            <a:avLst/>
+          </a:prstGeom>
+          <a:ln w="38100">
+            <a:solidFill>
+              <a:schemeClr val="tx1">
+                <a:lumMod val="50000"/>
+                <a:lumOff val="50000"/>
+              </a:schemeClr>
+            </a:solidFill>
+            <a:tailEnd type="arrow"/>
+          </a:ln>
+        </p:spPr>
+        <p:style>
+          <a:lnRef idx="1">
+            <a:schemeClr val="accent1"/>
+          </a:lnRef>
+          <a:fillRef idx="0">
+            <a:schemeClr val="accent1"/>
+          </a:fillRef>
+          <a:effectRef idx="0">
+            <a:schemeClr val="accent1"/>
+          </a:effectRef>
+          <a:fontRef idx="minor">
+            <a:schemeClr val="tx1"/>
+          </a:fontRef>
+        </p:style>
+      </p:cxnSp>
+      <p:cxnSp>
+        <p:nvCxnSpPr>
+          <p:cNvPr id="8" name="직선 화살표 연결선 7"/>
+          <p:cNvCxnSpPr/>
+          <p:nvPr/>
+        </p:nvCxnSpPr>
+        <p:spPr>
+          <a:xfrm flipV="1">
+            <a:off x="800668" y="2348880"/>
+            <a:ext cx="0" cy="1736576"/>
+          </a:xfrm>
+          <a:prstGeom prst="straightConnector1">
+            <a:avLst/>
+          </a:prstGeom>
+          <a:ln w="38100">
+            <a:solidFill>
+              <a:schemeClr val="tx1">
+                <a:lumMod val="50000"/>
+                <a:lumOff val="50000"/>
+              </a:schemeClr>
+            </a:solidFill>
+            <a:tailEnd type="arrow"/>
+          </a:ln>
+        </p:spPr>
+        <p:style>
+          <a:lnRef idx="1">
+            <a:schemeClr val="accent1"/>
+          </a:lnRef>
+          <a:fillRef idx="0">
+            <a:schemeClr val="accent1"/>
+          </a:fillRef>
+          <a:effectRef idx="0">
+            <a:schemeClr val="accent1"/>
+          </a:effectRef>
+          <a:fontRef idx="minor">
+            <a:schemeClr val="tx1"/>
+          </a:fontRef>
+        </p:style>
+      </p:cxnSp>
+      <p:cxnSp>
+        <p:nvCxnSpPr>
+          <p:cNvPr id="14" name="직선 화살표 연결선 13"/>
+          <p:cNvCxnSpPr/>
+          <p:nvPr/>
+        </p:nvCxnSpPr>
+        <p:spPr>
+          <a:xfrm>
+            <a:off x="3434216" y="2187264"/>
+            <a:ext cx="2592288" cy="0"/>
+          </a:xfrm>
+          <a:prstGeom prst="straightConnector1">
+            <a:avLst/>
+          </a:prstGeom>
+          <a:ln w="38100">
+            <a:solidFill>
+              <a:schemeClr val="tx1">
+                <a:lumMod val="50000"/>
+                <a:lumOff val="50000"/>
+              </a:schemeClr>
+            </a:solidFill>
+            <a:tailEnd type="arrow"/>
+          </a:ln>
+        </p:spPr>
+        <p:style>
+          <a:lnRef idx="1">
+            <a:schemeClr val="accent1"/>
+          </a:lnRef>
+          <a:fillRef idx="0">
+            <a:schemeClr val="accent1"/>
+          </a:fillRef>
+          <a:effectRef idx="0">
+            <a:schemeClr val="accent1"/>
+          </a:effectRef>
+          <a:fontRef idx="minor">
+            <a:schemeClr val="tx1"/>
+          </a:fontRef>
+        </p:style>
+      </p:cxnSp>
+      <p:cxnSp>
+        <p:nvCxnSpPr>
+          <p:cNvPr id="15" name="직선 화살표 연결선 14"/>
+          <p:cNvCxnSpPr/>
+          <p:nvPr/>
+        </p:nvCxnSpPr>
+        <p:spPr>
+          <a:xfrm flipV="1">
+            <a:off x="3551316" y="603088"/>
+            <a:ext cx="0" cy="1736576"/>
+          </a:xfrm>
+          <a:prstGeom prst="straightConnector1">
+            <a:avLst/>
+          </a:prstGeom>
+          <a:ln w="38100">
+            <a:solidFill>
+              <a:schemeClr val="tx1">
+                <a:lumMod val="50000"/>
+                <a:lumOff val="50000"/>
+              </a:schemeClr>
+            </a:solidFill>
+            <a:tailEnd type="arrow"/>
+          </a:ln>
+        </p:spPr>
+        <p:style>
+          <a:lnRef idx="1">
+            <a:schemeClr val="accent1"/>
+          </a:lnRef>
+          <a:fillRef idx="0">
+            <a:schemeClr val="accent1"/>
+          </a:fillRef>
+          <a:effectRef idx="0">
+            <a:schemeClr val="accent1"/>
+          </a:effectRef>
+          <a:fontRef idx="minor">
+            <a:schemeClr val="tx1"/>
+          </a:fontRef>
+        </p:style>
+      </p:cxnSp>
+      <p:pic>
+        <p:nvPicPr>
+          <p:cNvPr id="1028" name="Picture 4"/>
+          <p:cNvPicPr>
+            <a:picLocks noChangeAspect="1" noChangeArrowheads="1"/>
+          </p:cNvPicPr>
+          <p:nvPr/>
+        </p:nvPicPr>
+        <p:blipFill>
+          <a:blip r:embed="rId2" cstate="print">
+            <a:extLst>
+              <a:ext uri="{28A0092B-C50C-407E-A947-70E740481C1C}">
+                <a14:useLocalDpi xmlns:a14="http://schemas.microsoft.com/office/drawing/2010/main" val="0"/>
+              </a:ext>
+            </a:extLst>
+          </a:blip>
+          <a:srcRect/>
+          <a:stretch>
+            <a:fillRect/>
+          </a:stretch>
+        </p:blipFill>
+        <p:spPr bwMode="auto">
+          <a:xfrm>
+            <a:off x="3683971" y="1510662"/>
+            <a:ext cx="2289912" cy="764357"/>
+          </a:xfrm>
+          <a:prstGeom prst="rect">
+            <a:avLst/>
+          </a:prstGeom>
+          <a:noFill/>
+          <a:ln>
+            <a:noFill/>
+          </a:ln>
+          <a:effectLst/>
+          <a:extLst>
+            <a:ext uri="{909E8E84-426E-40DD-AFC4-6F175D3DCCD1}">
+              <a14:hiddenFill xmlns:a14="http://schemas.microsoft.com/office/drawing/2010/main">
+                <a:solidFill>
+                  <a:schemeClr val="accent1"/>
+                </a:solidFill>
+              </a14:hiddenFill>
+            </a:ext>
+            <a:ext uri="{91240B29-F687-4F45-9708-019B960494DF}">
+              <a14:hiddenLine xmlns:a14="http://schemas.microsoft.com/office/drawing/2010/main" w="9525">
+                <a:solidFill>
+                  <a:schemeClr val="tx1"/>
+                </a:solidFill>
+                <a:miter lim="800000"/>
+                <a:headEnd/>
+                <a:tailEnd/>
+              </a14:hiddenLine>
+            </a:ext>
+            <a:ext uri="{AF507438-7753-43E0-B8FC-AC1667EBCBE1}">
+              <a14:hiddenEffects xmlns:a14="http://schemas.microsoft.com/office/drawing/2010/main">
+                <a:effectLst>
+                  <a:outerShdw dist="35921" dir="2700000" algn="ctr" rotWithShape="0">
+                    <a:schemeClr val="bg2"/>
+                  </a:outerShdw>
+                </a:effectLst>
+              </a14:hiddenEffects>
+            </a:ext>
+          </a:extLst>
+        </p:spPr>
+      </p:pic>
+      <p:cxnSp>
+        <p:nvCxnSpPr>
+          <p:cNvPr id="17" name="직선 화살표 연결선 16"/>
+          <p:cNvCxnSpPr/>
+          <p:nvPr/>
+        </p:nvCxnSpPr>
+        <p:spPr>
+          <a:xfrm>
+            <a:off x="6194453" y="3997701"/>
+            <a:ext cx="2592288" cy="0"/>
+          </a:xfrm>
+          <a:prstGeom prst="straightConnector1">
+            <a:avLst/>
+          </a:prstGeom>
+          <a:ln w="38100">
+            <a:solidFill>
+              <a:schemeClr val="tx1">
+                <a:lumMod val="50000"/>
+                <a:lumOff val="50000"/>
+              </a:schemeClr>
+            </a:solidFill>
+            <a:tailEnd type="arrow"/>
+          </a:ln>
+        </p:spPr>
+        <p:style>
+          <a:lnRef idx="1">
+            <a:schemeClr val="accent1"/>
+          </a:lnRef>
+          <a:fillRef idx="0">
+            <a:schemeClr val="accent1"/>
+          </a:fillRef>
+          <a:effectRef idx="0">
+            <a:schemeClr val="accent1"/>
+          </a:effectRef>
+          <a:fontRef idx="minor">
+            <a:schemeClr val="tx1"/>
+          </a:fontRef>
+        </p:style>
+      </p:cxnSp>
+      <p:cxnSp>
+        <p:nvCxnSpPr>
+          <p:cNvPr id="18" name="직선 화살표 연결선 17"/>
+          <p:cNvCxnSpPr/>
+          <p:nvPr/>
+        </p:nvCxnSpPr>
+        <p:spPr>
+          <a:xfrm flipV="1">
+            <a:off x="6311553" y="2413525"/>
+            <a:ext cx="0" cy="1736576"/>
+          </a:xfrm>
+          <a:prstGeom prst="straightConnector1">
+            <a:avLst/>
+          </a:prstGeom>
+          <a:ln w="38100">
+            <a:solidFill>
+              <a:schemeClr val="tx1">
+                <a:lumMod val="50000"/>
+                <a:lumOff val="50000"/>
+              </a:schemeClr>
+            </a:solidFill>
+            <a:tailEnd type="arrow"/>
+          </a:ln>
+        </p:spPr>
+        <p:style>
+          <a:lnRef idx="1">
+            <a:schemeClr val="accent1"/>
+          </a:lnRef>
+          <a:fillRef idx="0">
+            <a:schemeClr val="accent1"/>
+          </a:fillRef>
+          <a:effectRef idx="0">
+            <a:schemeClr val="accent1"/>
+          </a:effectRef>
+          <a:fontRef idx="minor">
+            <a:schemeClr val="tx1"/>
+          </a:fontRef>
+        </p:style>
+      </p:cxnSp>
+      <p:pic>
+        <p:nvPicPr>
+          <p:cNvPr id="19" name="Picture 4"/>
+          <p:cNvPicPr>
+            <a:picLocks noChangeAspect="1" noChangeArrowheads="1"/>
+          </p:cNvPicPr>
+          <p:nvPr/>
+        </p:nvPicPr>
+        <p:blipFill>
+          <a:blip r:embed="rId2" cstate="print">
+            <a:extLst>
+              <a:ext uri="{28A0092B-C50C-407E-A947-70E740481C1C}">
+                <a14:useLocalDpi xmlns:a14="http://schemas.microsoft.com/office/drawing/2010/main" val="0"/>
+              </a:ext>
+            </a:extLst>
+          </a:blip>
+          <a:srcRect/>
+          <a:stretch>
+            <a:fillRect/>
+          </a:stretch>
+        </p:blipFill>
+        <p:spPr bwMode="auto">
+          <a:xfrm>
+            <a:off x="6444208" y="3321099"/>
+            <a:ext cx="2289912" cy="764357"/>
+          </a:xfrm>
+          <a:prstGeom prst="rect">
+            <a:avLst/>
+          </a:prstGeom>
+          <a:noFill/>
+          <a:ln>
+            <a:noFill/>
+          </a:ln>
+          <a:effectLst/>
+          <a:extLst>
+            <a:ext uri="{909E8E84-426E-40DD-AFC4-6F175D3DCCD1}">
+              <a14:hiddenFill xmlns:a14="http://schemas.microsoft.com/office/drawing/2010/main">
+                <a:solidFill>
+                  <a:schemeClr val="accent1"/>
+                </a:solidFill>
+              </a14:hiddenFill>
+            </a:ext>
+            <a:ext uri="{91240B29-F687-4F45-9708-019B960494DF}">
+              <a14:hiddenLine xmlns:a14="http://schemas.microsoft.com/office/drawing/2010/main" w="9525">
+                <a:solidFill>
+                  <a:schemeClr val="tx1"/>
+                </a:solidFill>
+                <a:miter lim="800000"/>
+                <a:headEnd/>
+                <a:tailEnd/>
+              </a14:hiddenLine>
+            </a:ext>
+            <a:ext uri="{AF507438-7753-43E0-B8FC-AC1667EBCBE1}">
+              <a14:hiddenEffects xmlns:a14="http://schemas.microsoft.com/office/drawing/2010/main">
+                <a:effectLst>
+                  <a:outerShdw dist="35921" dir="2700000" algn="ctr" rotWithShape="0">
+                    <a:schemeClr val="bg2"/>
+                  </a:outerShdw>
+                </a:effectLst>
+              </a14:hiddenEffects>
+            </a:ext>
+          </a:extLst>
+        </p:spPr>
+      </p:pic>
+      <p:cxnSp>
+        <p:nvCxnSpPr>
+          <p:cNvPr id="22" name="직선 화살표 연결선 21"/>
+          <p:cNvCxnSpPr/>
+          <p:nvPr/>
+        </p:nvCxnSpPr>
+        <p:spPr>
+          <a:xfrm>
+            <a:off x="3486837" y="5977810"/>
+            <a:ext cx="2592288" cy="0"/>
+          </a:xfrm>
+          <a:prstGeom prst="straightConnector1">
+            <a:avLst/>
+          </a:prstGeom>
+          <a:ln w="38100">
+            <a:solidFill>
+              <a:schemeClr val="tx1">
+                <a:lumMod val="50000"/>
+                <a:lumOff val="50000"/>
+              </a:schemeClr>
+            </a:solidFill>
+            <a:tailEnd type="arrow"/>
+          </a:ln>
+        </p:spPr>
+        <p:style>
+          <a:lnRef idx="1">
+            <a:schemeClr val="accent1"/>
+          </a:lnRef>
+          <a:fillRef idx="0">
+            <a:schemeClr val="accent1"/>
+          </a:fillRef>
+          <a:effectRef idx="0">
+            <a:schemeClr val="accent1"/>
+          </a:effectRef>
+          <a:fontRef idx="minor">
+            <a:schemeClr val="tx1"/>
+          </a:fontRef>
+        </p:style>
+      </p:cxnSp>
+      <p:cxnSp>
+        <p:nvCxnSpPr>
+          <p:cNvPr id="23" name="직선 화살표 연결선 22"/>
+          <p:cNvCxnSpPr/>
+          <p:nvPr/>
+        </p:nvCxnSpPr>
+        <p:spPr>
+          <a:xfrm flipV="1">
+            <a:off x="3603937" y="4393634"/>
+            <a:ext cx="0" cy="1736576"/>
+          </a:xfrm>
+          <a:prstGeom prst="straightConnector1">
+            <a:avLst/>
+          </a:prstGeom>
+          <a:ln w="38100">
+            <a:solidFill>
+              <a:schemeClr val="tx1">
+                <a:lumMod val="50000"/>
+                <a:lumOff val="50000"/>
+              </a:schemeClr>
+            </a:solidFill>
+            <a:tailEnd type="arrow"/>
+          </a:ln>
+        </p:spPr>
+        <p:style>
+          <a:lnRef idx="1">
+            <a:schemeClr val="accent1"/>
+          </a:lnRef>
+          <a:fillRef idx="0">
+            <a:schemeClr val="accent1"/>
+          </a:fillRef>
+          <a:effectRef idx="0">
+            <a:schemeClr val="accent1"/>
+          </a:effectRef>
+          <a:fontRef idx="minor">
+            <a:schemeClr val="tx1"/>
+          </a:fontRef>
+        </p:style>
+      </p:cxnSp>
+      <p:pic>
+        <p:nvPicPr>
+          <p:cNvPr id="27" name="Picture 6"/>
+          <p:cNvPicPr>
+            <a:picLocks noChangeAspect="1" noChangeArrowheads="1"/>
+          </p:cNvPicPr>
+          <p:nvPr/>
+        </p:nvPicPr>
+        <p:blipFill>
+          <a:blip r:embed="rId5">
+            <a:extLst>
+              <a:ext uri="{28A0092B-C50C-407E-A947-70E740481C1C}">
+                <a14:useLocalDpi xmlns:a14="http://schemas.microsoft.com/office/drawing/2010/main" val="0"/>
+              </a:ext>
+            </a:extLst>
+          </a:blip>
+          <a:srcRect/>
+          <a:stretch>
+            <a:fillRect/>
+          </a:stretch>
+        </p:blipFill>
+        <p:spPr bwMode="auto">
+          <a:xfrm>
+            <a:off x="4716504" y="4310505"/>
+            <a:ext cx="1061893" cy="1893332"/>
+          </a:xfrm>
+          <a:prstGeom prst="rect">
+            <a:avLst/>
+          </a:prstGeom>
+          <a:noFill/>
+          <a:ln>
+            <a:noFill/>
+          </a:ln>
+          <a:effectLst/>
+          <a:extLst>
+            <a:ext uri="{909E8E84-426E-40DD-AFC4-6F175D3DCCD1}">
+              <a14:hiddenFill xmlns:a14="http://schemas.microsoft.com/office/drawing/2010/main">
+                <a:solidFill>
+                  <a:schemeClr val="accent1"/>
+                </a:solidFill>
+              </a14:hiddenFill>
+            </a:ext>
+            <a:ext uri="{91240B29-F687-4F45-9708-019B960494DF}">
+              <a14:hiddenLine xmlns:a14="http://schemas.microsoft.com/office/drawing/2010/main" w="9525">
+                <a:solidFill>
+                  <a:schemeClr val="tx1"/>
+                </a:solidFill>
+                <a:miter lim="800000"/>
+                <a:headEnd/>
+                <a:tailEnd/>
+              </a14:hiddenLine>
+            </a:ext>
+            <a:ext uri="{AF507438-7753-43E0-B8FC-AC1667EBCBE1}">
+              <a14:hiddenEffects xmlns:a14="http://schemas.microsoft.com/office/drawing/2010/main">
+                <a:effectLst>
+                  <a:outerShdw dist="35921" dir="2700000" algn="ctr" rotWithShape="0">
+                    <a:schemeClr val="bg2"/>
+                  </a:outerShdw>
+                </a:effectLst>
+              </a14:hiddenEffects>
+            </a:ext>
+          </a:extLst>
+        </p:spPr>
+      </p:pic>
+      <p:sp>
+        <p:nvSpPr>
+          <p:cNvPr id="12" name="TextBox 11"/>
+          <p:cNvSpPr txBox="1"/>
+          <p:nvPr/>
+        </p:nvSpPr>
+        <p:spPr>
+          <a:xfrm>
+            <a:off x="4101696" y="1249015"/>
+            <a:ext cx="1550424" cy="307777"/>
+          </a:xfrm>
+          <a:prstGeom prst="rect">
+            <a:avLst/>
+          </a:prstGeom>
+          <a:noFill/>
+        </p:spPr>
+        <p:txBody>
+          <a:bodyPr wrap="none" rtlCol="0">
+            <a:spAutoFit/>
+          </a:bodyPr>
+          <a:lstStyle/>
+          <a:p>
+            <a:r>
+              <a:rPr lang="ko-KR" altLang="en-US" sz="1400" dirty="0" smtClean="0">
+                <a:latin typeface="나눔고딕" pitchFamily="50" charset="-127"/>
+                <a:ea typeface="나눔고딕" pitchFamily="50" charset="-127"/>
+              </a:rPr>
+              <a:t>사전확률</a:t>
+            </a:r>
+            <a:r>
+              <a:rPr lang="en-US" altLang="ko-KR" sz="1400" dirty="0" smtClean="0">
+                <a:latin typeface="나눔고딕" pitchFamily="50" charset="-127"/>
+                <a:ea typeface="나눔고딕" pitchFamily="50" charset="-127"/>
+              </a:rPr>
+              <a:t>(</a:t>
+            </a:r>
+            <a:r>
+              <a:rPr lang="ko-KR" altLang="en-US" sz="1400" dirty="0" smtClean="0">
+                <a:latin typeface="나눔고딕" pitchFamily="50" charset="-127"/>
+                <a:ea typeface="나눔고딕" pitchFamily="50" charset="-127"/>
+              </a:rPr>
+              <a:t>예측값</a:t>
+            </a:r>
+            <a:r>
+              <a:rPr lang="en-US" altLang="ko-KR" sz="1400" dirty="0" smtClean="0">
+                <a:latin typeface="나눔고딕" pitchFamily="50" charset="-127"/>
+                <a:ea typeface="나눔고딕" pitchFamily="50" charset="-127"/>
+              </a:rPr>
+              <a:t>)</a:t>
+            </a:r>
+            <a:endParaRPr lang="ko-KR" altLang="en-US" sz="1400" dirty="0">
+              <a:latin typeface="나눔고딕" pitchFamily="50" charset="-127"/>
+              <a:ea typeface="나눔고딕" pitchFamily="50" charset="-127"/>
+            </a:endParaRPr>
+          </a:p>
+        </p:txBody>
+      </p:sp>
+      <p:sp>
+        <p:nvSpPr>
+          <p:cNvPr id="29" name="TextBox 28"/>
+          <p:cNvSpPr txBox="1"/>
+          <p:nvPr/>
+        </p:nvSpPr>
+        <p:spPr>
+          <a:xfrm>
+            <a:off x="7668344" y="2276872"/>
+            <a:ext cx="907621" cy="307777"/>
+          </a:xfrm>
+          <a:prstGeom prst="rect">
+            <a:avLst/>
+          </a:prstGeom>
+          <a:noFill/>
+        </p:spPr>
+        <p:txBody>
+          <a:bodyPr wrap="none" rtlCol="0">
+            <a:spAutoFit/>
+          </a:bodyPr>
+          <a:lstStyle/>
+          <a:p>
+            <a:r>
+              <a:rPr lang="ko-KR" altLang="en-US" sz="1400" dirty="0" smtClean="0">
+                <a:latin typeface="나눔고딕" pitchFamily="50" charset="-127"/>
+                <a:ea typeface="나눔고딕" pitchFamily="50" charset="-127"/>
+              </a:rPr>
+              <a:t>실제 측정</a:t>
+            </a:r>
+            <a:endParaRPr lang="ko-KR" altLang="en-US" sz="1400" dirty="0">
+              <a:latin typeface="나눔고딕" pitchFamily="50" charset="-127"/>
+              <a:ea typeface="나눔고딕" pitchFamily="50" charset="-127"/>
+            </a:endParaRPr>
+          </a:p>
+        </p:txBody>
+      </p:sp>
+      <p:sp>
+        <p:nvSpPr>
+          <p:cNvPr id="30" name="TextBox 29"/>
+          <p:cNvSpPr txBox="1"/>
+          <p:nvPr/>
+        </p:nvSpPr>
+        <p:spPr>
+          <a:xfrm>
+            <a:off x="6906213" y="2840103"/>
+            <a:ext cx="857927" cy="523220"/>
+          </a:xfrm>
+          <a:prstGeom prst="rect">
+            <a:avLst/>
+          </a:prstGeom>
+          <a:noFill/>
+        </p:spPr>
+        <p:txBody>
+          <a:bodyPr wrap="none" rtlCol="0">
+            <a:spAutoFit/>
+          </a:bodyPr>
+          <a:lstStyle/>
+          <a:p>
+            <a:pPr algn="ctr"/>
+            <a:r>
+              <a:rPr lang="ko-KR" altLang="en-US" sz="1400" dirty="0" smtClean="0">
+                <a:latin typeface="나눔고딕" pitchFamily="50" charset="-127"/>
+                <a:ea typeface="나눔고딕" pitchFamily="50" charset="-127"/>
+              </a:rPr>
+              <a:t>사전확률</a:t>
+            </a:r>
+            <a:endParaRPr lang="en-US" altLang="ko-KR" sz="1400" dirty="0" smtClean="0">
+              <a:latin typeface="나눔고딕" pitchFamily="50" charset="-127"/>
+              <a:ea typeface="나눔고딕" pitchFamily="50" charset="-127"/>
+            </a:endParaRPr>
+          </a:p>
+          <a:p>
+            <a:pPr algn="ctr"/>
+            <a:r>
+              <a:rPr lang="en-US" altLang="ko-KR" sz="1400" dirty="0" smtClean="0">
+                <a:latin typeface="나눔고딕" pitchFamily="50" charset="-127"/>
+                <a:ea typeface="나눔고딕" pitchFamily="50" charset="-127"/>
+              </a:rPr>
+              <a:t>(</a:t>
+            </a:r>
+            <a:r>
+              <a:rPr lang="ko-KR" altLang="en-US" sz="1400" dirty="0" smtClean="0">
+                <a:latin typeface="나눔고딕" pitchFamily="50" charset="-127"/>
+                <a:ea typeface="나눔고딕" pitchFamily="50" charset="-127"/>
+              </a:rPr>
+              <a:t>예측값</a:t>
+            </a:r>
+            <a:r>
+              <a:rPr lang="en-US" altLang="ko-KR" sz="1400" dirty="0" smtClean="0">
+                <a:latin typeface="나눔고딕" pitchFamily="50" charset="-127"/>
+                <a:ea typeface="나눔고딕" pitchFamily="50" charset="-127"/>
+              </a:rPr>
+              <a:t>)</a:t>
+            </a:r>
+            <a:endParaRPr lang="ko-KR" altLang="en-US" sz="1400" dirty="0">
+              <a:latin typeface="나눔고딕" pitchFamily="50" charset="-127"/>
+              <a:ea typeface="나눔고딕" pitchFamily="50" charset="-127"/>
+            </a:endParaRPr>
+          </a:p>
+        </p:txBody>
+      </p:sp>
+      <p:sp>
+        <p:nvSpPr>
+          <p:cNvPr id="31" name="TextBox 30"/>
+          <p:cNvSpPr txBox="1"/>
+          <p:nvPr/>
+        </p:nvSpPr>
+        <p:spPr>
+          <a:xfrm>
+            <a:off x="4843759" y="3861048"/>
+            <a:ext cx="857927" cy="523220"/>
+          </a:xfrm>
+          <a:prstGeom prst="rect">
+            <a:avLst/>
+          </a:prstGeom>
+          <a:noFill/>
+        </p:spPr>
+        <p:txBody>
+          <a:bodyPr wrap="none" rtlCol="0">
+            <a:spAutoFit/>
+          </a:bodyPr>
+          <a:lstStyle/>
+          <a:p>
+            <a:pPr algn="ctr"/>
+            <a:r>
+              <a:rPr lang="ko-KR" altLang="en-US" sz="1400" dirty="0" smtClean="0">
+                <a:latin typeface="나눔고딕" pitchFamily="50" charset="-127"/>
+                <a:ea typeface="나눔고딕" pitchFamily="50" charset="-127"/>
+              </a:rPr>
+              <a:t>사후확률</a:t>
+            </a:r>
+            <a:endParaRPr lang="en-US" altLang="ko-KR" sz="1400" dirty="0" smtClean="0">
+              <a:latin typeface="나눔고딕" pitchFamily="50" charset="-127"/>
+              <a:ea typeface="나눔고딕" pitchFamily="50" charset="-127"/>
+            </a:endParaRPr>
+          </a:p>
+          <a:p>
+            <a:pPr algn="ctr"/>
+            <a:r>
+              <a:rPr lang="en-US" altLang="ko-KR" sz="1400" dirty="0" smtClean="0">
+                <a:latin typeface="나눔고딕" pitchFamily="50" charset="-127"/>
+                <a:ea typeface="나눔고딕" pitchFamily="50" charset="-127"/>
+              </a:rPr>
+              <a:t>(</a:t>
+            </a:r>
+            <a:r>
+              <a:rPr lang="ko-KR" altLang="en-US" sz="1400" dirty="0" smtClean="0">
+                <a:latin typeface="나눔고딕" pitchFamily="50" charset="-127"/>
+                <a:ea typeface="나눔고딕" pitchFamily="50" charset="-127"/>
+              </a:rPr>
+              <a:t>갱신값</a:t>
+            </a:r>
+            <a:r>
+              <a:rPr lang="en-US" altLang="ko-KR" sz="1400" dirty="0" smtClean="0">
+                <a:latin typeface="나눔고딕" pitchFamily="50" charset="-127"/>
+                <a:ea typeface="나눔고딕" pitchFamily="50" charset="-127"/>
+              </a:rPr>
+              <a:t>)</a:t>
+            </a:r>
+            <a:endParaRPr lang="ko-KR" altLang="en-US" sz="1400" dirty="0">
+              <a:latin typeface="나눔고딕" pitchFamily="50" charset="-127"/>
+              <a:ea typeface="나눔고딕" pitchFamily="50" charset="-127"/>
+            </a:endParaRPr>
+          </a:p>
+        </p:txBody>
+      </p:sp>
+      <p:sp>
+        <p:nvSpPr>
+          <p:cNvPr id="32" name="TextBox 31"/>
+          <p:cNvSpPr txBox="1"/>
+          <p:nvPr/>
+        </p:nvSpPr>
+        <p:spPr>
+          <a:xfrm>
+            <a:off x="1014543" y="2420871"/>
+            <a:ext cx="1930337" cy="523220"/>
+          </a:xfrm>
+          <a:prstGeom prst="rect">
+            <a:avLst/>
+          </a:prstGeom>
+          <a:noFill/>
+        </p:spPr>
+        <p:txBody>
+          <a:bodyPr wrap="none" rtlCol="0">
+            <a:spAutoFit/>
+          </a:bodyPr>
+          <a:lstStyle/>
+          <a:p>
+            <a:pPr algn="ctr"/>
+            <a:r>
+              <a:rPr lang="ko-KR" altLang="en-US" sz="1400" dirty="0" smtClean="0">
+                <a:latin typeface="나눔고딕" pitchFamily="50" charset="-127"/>
+                <a:ea typeface="나눔고딕" pitchFamily="50" charset="-127"/>
+              </a:rPr>
+              <a:t>초기값</a:t>
+            </a:r>
+            <a:endParaRPr lang="en-US" altLang="ko-KR" sz="1400" dirty="0" smtClean="0">
+              <a:latin typeface="나눔고딕" pitchFamily="50" charset="-127"/>
+              <a:ea typeface="나눔고딕" pitchFamily="50" charset="-127"/>
+            </a:endParaRPr>
+          </a:p>
+          <a:p>
+            <a:pPr algn="ctr"/>
+            <a:r>
+              <a:rPr lang="en-US" altLang="ko-KR" sz="1400" dirty="0" smtClean="0">
+                <a:latin typeface="나눔고딕" pitchFamily="50" charset="-127"/>
+                <a:ea typeface="나눔고딕" pitchFamily="50" charset="-127"/>
+              </a:rPr>
+              <a:t>(</a:t>
+            </a:r>
+            <a:r>
+              <a:rPr lang="ko-KR" altLang="en-US" sz="1400" dirty="0" smtClean="0">
+                <a:latin typeface="나눔고딕" pitchFamily="50" charset="-127"/>
+                <a:ea typeface="나눔고딕" pitchFamily="50" charset="-127"/>
+              </a:rPr>
+              <a:t>혹은 이전의 사후확률</a:t>
+            </a:r>
+            <a:r>
+              <a:rPr lang="en-US" altLang="ko-KR" sz="1400" dirty="0" smtClean="0">
+                <a:latin typeface="나눔고딕" pitchFamily="50" charset="-127"/>
+                <a:ea typeface="나눔고딕" pitchFamily="50" charset="-127"/>
+              </a:rPr>
+              <a:t>)</a:t>
+            </a:r>
+            <a:endParaRPr lang="ko-KR" altLang="en-US" sz="1400" dirty="0">
+              <a:latin typeface="나눔고딕" pitchFamily="50" charset="-127"/>
+              <a:ea typeface="나눔고딕" pitchFamily="50" charset="-127"/>
+            </a:endParaRPr>
+          </a:p>
+        </p:txBody>
+      </p:sp>
+      <p:sp>
+        <p:nvSpPr>
+          <p:cNvPr id="16" name="TextBox 15"/>
+          <p:cNvSpPr txBox="1"/>
+          <p:nvPr/>
+        </p:nvSpPr>
+        <p:spPr>
+          <a:xfrm>
+            <a:off x="2953078" y="3599438"/>
+            <a:ext cx="466794" cy="261610"/>
+          </a:xfrm>
+          <a:prstGeom prst="rect">
+            <a:avLst/>
+          </a:prstGeom>
+          <a:noFill/>
+        </p:spPr>
+        <p:txBody>
+          <a:bodyPr wrap="none" rtlCol="0">
+            <a:spAutoFit/>
+          </a:bodyPr>
+          <a:lstStyle/>
+          <a:p>
+            <a:r>
+              <a:rPr lang="ko-KR" altLang="en-US" sz="1100" smtClean="0">
+                <a:latin typeface="나눔고딕" pitchFamily="50" charset="-127"/>
+                <a:ea typeface="나눔고딕" pitchFamily="50" charset="-127"/>
+              </a:rPr>
+              <a:t>위치</a:t>
+            </a:r>
+            <a:endParaRPr lang="ko-KR" altLang="en-US" sz="1100">
+              <a:latin typeface="나눔고딕" pitchFamily="50" charset="-127"/>
+              <a:ea typeface="나눔고딕" pitchFamily="50" charset="-127"/>
+            </a:endParaRPr>
+          </a:p>
+        </p:txBody>
+      </p:sp>
+      <p:sp>
+        <p:nvSpPr>
+          <p:cNvPr id="34" name="TextBox 33"/>
+          <p:cNvSpPr txBox="1"/>
+          <p:nvPr/>
+        </p:nvSpPr>
+        <p:spPr>
+          <a:xfrm>
+            <a:off x="288782" y="2231286"/>
+            <a:ext cx="466794" cy="430887"/>
+          </a:xfrm>
+          <a:prstGeom prst="rect">
+            <a:avLst/>
+          </a:prstGeom>
+          <a:noFill/>
+        </p:spPr>
+        <p:txBody>
+          <a:bodyPr wrap="none" rtlCol="0">
+            <a:spAutoFit/>
+          </a:bodyPr>
+          <a:lstStyle/>
+          <a:p>
+            <a:pPr algn="ctr"/>
+            <a:r>
+              <a:rPr lang="en-US" altLang="ko-KR" sz="1100" smtClean="0">
+                <a:latin typeface="나눔고딕" pitchFamily="50" charset="-127"/>
+                <a:ea typeface="나눔고딕" pitchFamily="50" charset="-127"/>
+              </a:rPr>
+              <a:t>pdf</a:t>
+            </a:r>
+            <a:endParaRPr lang="en-US" altLang="ko-KR" sz="1100" dirty="0">
+              <a:latin typeface="나눔고딕" pitchFamily="50" charset="-127"/>
+              <a:ea typeface="나눔고딕" pitchFamily="50" charset="-127"/>
+            </a:endParaRPr>
+          </a:p>
+          <a:p>
+            <a:pPr algn="ctr"/>
+            <a:r>
+              <a:rPr lang="ko-KR" altLang="en-US" sz="1100" dirty="0" smtClean="0">
+                <a:latin typeface="나눔고딕" pitchFamily="50" charset="-127"/>
+                <a:ea typeface="나눔고딕" pitchFamily="50" charset="-127"/>
+              </a:rPr>
+              <a:t>높이</a:t>
+            </a:r>
+            <a:endParaRPr lang="ko-KR" altLang="en-US" sz="1100" dirty="0">
+              <a:latin typeface="나눔고딕" pitchFamily="50" charset="-127"/>
+              <a:ea typeface="나눔고딕" pitchFamily="50" charset="-127"/>
+            </a:endParaRPr>
+          </a:p>
+        </p:txBody>
+      </p:sp>
+      <p:sp>
+        <p:nvSpPr>
+          <p:cNvPr id="35" name="TextBox 34"/>
+          <p:cNvSpPr txBox="1"/>
+          <p:nvPr/>
+        </p:nvSpPr>
+        <p:spPr>
+          <a:xfrm>
+            <a:off x="5724128" y="1799238"/>
+            <a:ext cx="466794" cy="261610"/>
+          </a:xfrm>
+          <a:prstGeom prst="rect">
+            <a:avLst/>
+          </a:prstGeom>
+          <a:noFill/>
+        </p:spPr>
+        <p:txBody>
+          <a:bodyPr wrap="none" rtlCol="0">
+            <a:spAutoFit/>
+          </a:bodyPr>
+          <a:lstStyle/>
+          <a:p>
+            <a:r>
+              <a:rPr lang="ko-KR" altLang="en-US" sz="1100" smtClean="0">
+                <a:latin typeface="나눔고딕" pitchFamily="50" charset="-127"/>
+                <a:ea typeface="나눔고딕" pitchFamily="50" charset="-127"/>
+              </a:rPr>
+              <a:t>위치</a:t>
+            </a:r>
+            <a:endParaRPr lang="ko-KR" altLang="en-US" sz="1100">
+              <a:latin typeface="나눔고딕" pitchFamily="50" charset="-127"/>
+              <a:ea typeface="나눔고딕" pitchFamily="50" charset="-127"/>
+            </a:endParaRPr>
+          </a:p>
+        </p:txBody>
+      </p:sp>
+      <p:sp>
+        <p:nvSpPr>
+          <p:cNvPr id="36" name="TextBox 35"/>
+          <p:cNvSpPr txBox="1"/>
+          <p:nvPr/>
+        </p:nvSpPr>
+        <p:spPr>
+          <a:xfrm>
+            <a:off x="3059832" y="431086"/>
+            <a:ext cx="466794" cy="430887"/>
+          </a:xfrm>
+          <a:prstGeom prst="rect">
+            <a:avLst/>
+          </a:prstGeom>
+          <a:noFill/>
+        </p:spPr>
+        <p:txBody>
+          <a:bodyPr wrap="none" rtlCol="0">
+            <a:spAutoFit/>
+          </a:bodyPr>
+          <a:lstStyle/>
+          <a:p>
+            <a:pPr algn="ctr"/>
+            <a:r>
+              <a:rPr lang="en-US" altLang="ko-KR" sz="1100" smtClean="0">
+                <a:latin typeface="나눔고딕" pitchFamily="50" charset="-127"/>
+                <a:ea typeface="나눔고딕" pitchFamily="50" charset="-127"/>
+              </a:rPr>
+              <a:t>pdf</a:t>
+            </a:r>
+            <a:endParaRPr lang="en-US" altLang="ko-KR" sz="1100" dirty="0">
+              <a:latin typeface="나눔고딕" pitchFamily="50" charset="-127"/>
+              <a:ea typeface="나눔고딕" pitchFamily="50" charset="-127"/>
+            </a:endParaRPr>
+          </a:p>
+          <a:p>
+            <a:pPr algn="ctr"/>
+            <a:r>
+              <a:rPr lang="ko-KR" altLang="en-US" sz="1100" dirty="0" smtClean="0">
+                <a:latin typeface="나눔고딕" pitchFamily="50" charset="-127"/>
+                <a:ea typeface="나눔고딕" pitchFamily="50" charset="-127"/>
+              </a:rPr>
+              <a:t>높이</a:t>
+            </a:r>
+            <a:endParaRPr lang="ko-KR" altLang="en-US" sz="1100" dirty="0">
+              <a:latin typeface="나눔고딕" pitchFamily="50" charset="-127"/>
+              <a:ea typeface="나눔고딕" pitchFamily="50" charset="-127"/>
+            </a:endParaRPr>
+          </a:p>
+        </p:txBody>
+      </p:sp>
+      <p:sp>
+        <p:nvSpPr>
+          <p:cNvPr id="37" name="TextBox 36"/>
+          <p:cNvSpPr txBox="1"/>
+          <p:nvPr/>
+        </p:nvSpPr>
+        <p:spPr>
+          <a:xfrm>
+            <a:off x="8462990" y="3599438"/>
+            <a:ext cx="466794" cy="261610"/>
+          </a:xfrm>
+          <a:prstGeom prst="rect">
+            <a:avLst/>
+          </a:prstGeom>
+          <a:noFill/>
+        </p:spPr>
+        <p:txBody>
+          <a:bodyPr wrap="none" rtlCol="0">
+            <a:spAutoFit/>
+          </a:bodyPr>
+          <a:lstStyle/>
+          <a:p>
+            <a:r>
+              <a:rPr lang="ko-KR" altLang="en-US" sz="1100" smtClean="0">
+                <a:latin typeface="나눔고딕" pitchFamily="50" charset="-127"/>
+                <a:ea typeface="나눔고딕" pitchFamily="50" charset="-127"/>
+              </a:rPr>
+              <a:t>위치</a:t>
+            </a:r>
+            <a:endParaRPr lang="ko-KR" altLang="en-US" sz="1100">
+              <a:latin typeface="나눔고딕" pitchFamily="50" charset="-127"/>
+              <a:ea typeface="나눔고딕" pitchFamily="50" charset="-127"/>
+            </a:endParaRPr>
+          </a:p>
+        </p:txBody>
+      </p:sp>
+      <p:sp>
+        <p:nvSpPr>
+          <p:cNvPr id="38" name="TextBox 37"/>
+          <p:cNvSpPr txBox="1"/>
+          <p:nvPr/>
+        </p:nvSpPr>
+        <p:spPr>
+          <a:xfrm>
+            <a:off x="5798694" y="2231286"/>
+            <a:ext cx="466794" cy="430887"/>
+          </a:xfrm>
+          <a:prstGeom prst="rect">
+            <a:avLst/>
+          </a:prstGeom>
+          <a:noFill/>
+        </p:spPr>
+        <p:txBody>
+          <a:bodyPr wrap="none" rtlCol="0">
+            <a:spAutoFit/>
+          </a:bodyPr>
+          <a:lstStyle/>
+          <a:p>
+            <a:pPr algn="ctr"/>
+            <a:r>
+              <a:rPr lang="en-US" altLang="ko-KR" sz="1100" smtClean="0">
+                <a:latin typeface="나눔고딕" pitchFamily="50" charset="-127"/>
+                <a:ea typeface="나눔고딕" pitchFamily="50" charset="-127"/>
+              </a:rPr>
+              <a:t>pdf</a:t>
+            </a:r>
+            <a:endParaRPr lang="en-US" altLang="ko-KR" sz="1100" dirty="0">
+              <a:latin typeface="나눔고딕" pitchFamily="50" charset="-127"/>
+              <a:ea typeface="나눔고딕" pitchFamily="50" charset="-127"/>
+            </a:endParaRPr>
+          </a:p>
+          <a:p>
+            <a:pPr algn="ctr"/>
+            <a:r>
+              <a:rPr lang="ko-KR" altLang="en-US" sz="1100" dirty="0" smtClean="0">
+                <a:latin typeface="나눔고딕" pitchFamily="50" charset="-127"/>
+                <a:ea typeface="나눔고딕" pitchFamily="50" charset="-127"/>
+              </a:rPr>
+              <a:t>높이</a:t>
+            </a:r>
+            <a:endParaRPr lang="ko-KR" altLang="en-US" sz="1100" dirty="0">
+              <a:latin typeface="나눔고딕" pitchFamily="50" charset="-127"/>
+              <a:ea typeface="나눔고딕" pitchFamily="50" charset="-127"/>
+            </a:endParaRPr>
+          </a:p>
+        </p:txBody>
+      </p:sp>
+      <p:sp>
+        <p:nvSpPr>
+          <p:cNvPr id="39" name="TextBox 38"/>
+          <p:cNvSpPr txBox="1"/>
+          <p:nvPr/>
+        </p:nvSpPr>
+        <p:spPr>
+          <a:xfrm>
+            <a:off x="5727659" y="5586690"/>
+            <a:ext cx="466794" cy="261610"/>
+          </a:xfrm>
+          <a:prstGeom prst="rect">
+            <a:avLst/>
+          </a:prstGeom>
+          <a:noFill/>
+        </p:spPr>
+        <p:txBody>
+          <a:bodyPr wrap="none" rtlCol="0">
+            <a:spAutoFit/>
+          </a:bodyPr>
+          <a:lstStyle/>
+          <a:p>
+            <a:r>
+              <a:rPr lang="ko-KR" altLang="en-US" sz="1100" smtClean="0">
+                <a:latin typeface="나눔고딕" pitchFamily="50" charset="-127"/>
+                <a:ea typeface="나눔고딕" pitchFamily="50" charset="-127"/>
+              </a:rPr>
+              <a:t>위치</a:t>
+            </a:r>
+            <a:endParaRPr lang="ko-KR" altLang="en-US" sz="1100">
+              <a:latin typeface="나눔고딕" pitchFamily="50" charset="-127"/>
+              <a:ea typeface="나눔고딕" pitchFamily="50" charset="-127"/>
+            </a:endParaRPr>
+          </a:p>
+        </p:txBody>
+      </p:sp>
+      <p:sp>
+        <p:nvSpPr>
+          <p:cNvPr id="40" name="TextBox 39"/>
+          <p:cNvSpPr txBox="1"/>
+          <p:nvPr/>
+        </p:nvSpPr>
+        <p:spPr>
+          <a:xfrm>
+            <a:off x="3063363" y="4218538"/>
+            <a:ext cx="466794" cy="430887"/>
+          </a:xfrm>
+          <a:prstGeom prst="rect">
+            <a:avLst/>
+          </a:prstGeom>
+          <a:noFill/>
+        </p:spPr>
+        <p:txBody>
+          <a:bodyPr wrap="none" rtlCol="0">
+            <a:spAutoFit/>
+          </a:bodyPr>
+          <a:lstStyle/>
+          <a:p>
+            <a:pPr algn="ctr"/>
+            <a:r>
+              <a:rPr lang="en-US" altLang="ko-KR" sz="1100" smtClean="0">
+                <a:latin typeface="나눔고딕" pitchFamily="50" charset="-127"/>
+                <a:ea typeface="나눔고딕" pitchFamily="50" charset="-127"/>
+              </a:rPr>
+              <a:t>pdf</a:t>
+            </a:r>
+            <a:endParaRPr lang="en-US" altLang="ko-KR" sz="1100" dirty="0">
+              <a:latin typeface="나눔고딕" pitchFamily="50" charset="-127"/>
+              <a:ea typeface="나눔고딕" pitchFamily="50" charset="-127"/>
+            </a:endParaRPr>
+          </a:p>
+          <a:p>
+            <a:pPr algn="ctr"/>
+            <a:r>
+              <a:rPr lang="ko-KR" altLang="en-US" sz="1100" dirty="0" smtClean="0">
+                <a:latin typeface="나눔고딕" pitchFamily="50" charset="-127"/>
+                <a:ea typeface="나눔고딕" pitchFamily="50" charset="-127"/>
+              </a:rPr>
+              <a:t>높이</a:t>
+            </a:r>
+            <a:endParaRPr lang="ko-KR" altLang="en-US" sz="1100" dirty="0">
+              <a:latin typeface="나눔고딕" pitchFamily="50" charset="-127"/>
+              <a:ea typeface="나눔고딕" pitchFamily="50" charset="-127"/>
+            </a:endParaRPr>
+          </a:p>
+        </p:txBody>
+      </p:sp>
+      <p:sp>
+        <p:nvSpPr>
+          <p:cNvPr id="20" name="굽은 화살표 19"/>
+          <p:cNvSpPr/>
+          <p:nvPr/>
+        </p:nvSpPr>
+        <p:spPr>
+          <a:xfrm>
+            <a:off x="1185858" y="1249015"/>
+            <a:ext cx="1587707" cy="794765"/>
+          </a:xfrm>
+          <a:prstGeom prst="bentArrow">
+            <a:avLst/>
+          </a:prstGeom>
+          <a:solidFill>
+            <a:schemeClr val="accent1">
+              <a:lumMod val="60000"/>
+              <a:lumOff val="40000"/>
+            </a:schemeClr>
+          </a:solidFill>
+          <a:ln>
+            <a:solidFill>
+              <a:schemeClr val="tx1">
+                <a:lumMod val="50000"/>
+                <a:lumOff val="50000"/>
+              </a:schemeClr>
+            </a:solidFill>
+          </a:ln>
+        </p:spPr>
+        <p:style>
+          <a:lnRef idx="2">
+            <a:schemeClr val="accent1">
+              <a:shade val="50000"/>
+            </a:schemeClr>
+          </a:lnRef>
+          <a:fillRef idx="1">
+            <a:schemeClr val="accent1"/>
+          </a:fillRef>
+          <a:effectRef idx="0">
+            <a:schemeClr val="accent1"/>
+          </a:effectRef>
+          <a:fontRef idx="minor">
+            <a:schemeClr val="lt1"/>
+          </a:fontRef>
+        </p:style>
+        <p:txBody>
+          <a:bodyPr rtlCol="0" anchor="ctr"/>
+          <a:lstStyle/>
+          <a:p>
+            <a:pPr algn="ctr"/>
+            <a:endParaRPr lang="ko-KR" altLang="en-US">
+              <a:solidFill>
+                <a:schemeClr val="tx1"/>
+              </a:solidFill>
+              <a:latin typeface="나눔고딕" pitchFamily="50" charset="-127"/>
+              <a:ea typeface="나눔고딕" pitchFamily="50" charset="-127"/>
+            </a:endParaRPr>
+          </a:p>
+        </p:txBody>
+      </p:sp>
+      <p:sp>
+        <p:nvSpPr>
+          <p:cNvPr id="45" name="굽은 화살표 44"/>
+          <p:cNvSpPr/>
+          <p:nvPr/>
+        </p:nvSpPr>
+        <p:spPr>
+          <a:xfrm rot="5400000">
+            <a:off x="6906845" y="890609"/>
+            <a:ext cx="772025" cy="1672343"/>
+          </a:xfrm>
+          <a:prstGeom prst="bentArrow">
+            <a:avLst/>
+          </a:prstGeom>
+          <a:solidFill>
+            <a:schemeClr val="bg1">
+              <a:lumMod val="85000"/>
+            </a:schemeClr>
+          </a:solidFill>
+          <a:ln>
+            <a:solidFill>
+              <a:schemeClr val="tx1">
+                <a:lumMod val="50000"/>
+                <a:lumOff val="50000"/>
+              </a:schemeClr>
+            </a:solidFill>
+          </a:ln>
+        </p:spPr>
+        <p:style>
+          <a:lnRef idx="2">
+            <a:schemeClr val="accent1">
+              <a:shade val="50000"/>
+            </a:schemeClr>
+          </a:lnRef>
+          <a:fillRef idx="1">
+            <a:schemeClr val="accent1"/>
+          </a:fillRef>
+          <a:effectRef idx="0">
+            <a:schemeClr val="accent1"/>
+          </a:effectRef>
+          <a:fontRef idx="minor">
+            <a:schemeClr val="lt1"/>
+          </a:fontRef>
+        </p:style>
+        <p:txBody>
+          <a:bodyPr rtlCol="0" anchor="ctr"/>
+          <a:lstStyle/>
+          <a:p>
+            <a:pPr algn="ctr"/>
+            <a:endParaRPr lang="ko-KR" altLang="en-US">
+              <a:solidFill>
+                <a:schemeClr val="tx1"/>
+              </a:solidFill>
+              <a:latin typeface="나눔고딕" pitchFamily="50" charset="-127"/>
+              <a:ea typeface="나눔고딕" pitchFamily="50" charset="-127"/>
+            </a:endParaRPr>
+          </a:p>
+        </p:txBody>
+      </p:sp>
+      <p:sp>
+        <p:nvSpPr>
+          <p:cNvPr id="47" name="굽은 화살표 46"/>
+          <p:cNvSpPr/>
+          <p:nvPr/>
+        </p:nvSpPr>
+        <p:spPr>
+          <a:xfrm rot="10800000">
+            <a:off x="6541322" y="4814665"/>
+            <a:ext cx="1587707" cy="794765"/>
+          </a:xfrm>
+          <a:prstGeom prst="bentArrow">
+            <a:avLst/>
+          </a:prstGeom>
+          <a:solidFill>
+            <a:schemeClr val="accent1">
+              <a:lumMod val="60000"/>
+              <a:lumOff val="40000"/>
+            </a:schemeClr>
+          </a:solidFill>
+          <a:ln>
+            <a:solidFill>
+              <a:schemeClr val="tx1">
+                <a:lumMod val="50000"/>
+                <a:lumOff val="50000"/>
+              </a:schemeClr>
+            </a:solidFill>
+          </a:ln>
+        </p:spPr>
+        <p:style>
+          <a:lnRef idx="2">
+            <a:schemeClr val="accent1">
+              <a:shade val="50000"/>
+            </a:schemeClr>
+          </a:lnRef>
+          <a:fillRef idx="1">
+            <a:schemeClr val="accent1"/>
+          </a:fillRef>
+          <a:effectRef idx="0">
+            <a:schemeClr val="accent1"/>
+          </a:effectRef>
+          <a:fontRef idx="minor">
+            <a:schemeClr val="lt1"/>
+          </a:fontRef>
+        </p:style>
+        <p:txBody>
+          <a:bodyPr rtlCol="0" anchor="ctr"/>
+          <a:lstStyle/>
+          <a:p>
+            <a:pPr algn="ctr"/>
+            <a:endParaRPr lang="ko-KR" altLang="en-US">
+              <a:solidFill>
+                <a:schemeClr val="tx1"/>
+              </a:solidFill>
+              <a:latin typeface="나눔고딕" pitchFamily="50" charset="-127"/>
+              <a:ea typeface="나눔고딕" pitchFamily="50" charset="-127"/>
+            </a:endParaRPr>
+          </a:p>
+        </p:txBody>
+      </p:sp>
+      <p:sp>
+        <p:nvSpPr>
+          <p:cNvPr id="48" name="굽은 화살표 47"/>
+          <p:cNvSpPr/>
+          <p:nvPr/>
+        </p:nvSpPr>
+        <p:spPr>
+          <a:xfrm rot="16200000">
+            <a:off x="1636018" y="4310645"/>
+            <a:ext cx="772025" cy="1672343"/>
+          </a:xfrm>
+          <a:prstGeom prst="bentArrow">
+            <a:avLst/>
+          </a:prstGeom>
+          <a:solidFill>
+            <a:schemeClr val="bg1">
+              <a:lumMod val="85000"/>
+            </a:schemeClr>
+          </a:solidFill>
+          <a:ln>
+            <a:solidFill>
+              <a:schemeClr val="tx1">
+                <a:lumMod val="50000"/>
+                <a:lumOff val="50000"/>
+              </a:schemeClr>
+            </a:solidFill>
+          </a:ln>
+        </p:spPr>
+        <p:style>
+          <a:lnRef idx="2">
+            <a:schemeClr val="accent1">
+              <a:shade val="50000"/>
+            </a:schemeClr>
+          </a:lnRef>
+          <a:fillRef idx="1">
+            <a:schemeClr val="accent1"/>
+          </a:fillRef>
+          <a:effectRef idx="0">
+            <a:schemeClr val="accent1"/>
+          </a:effectRef>
+          <a:fontRef idx="minor">
+            <a:schemeClr val="lt1"/>
+          </a:fontRef>
+        </p:style>
+        <p:txBody>
+          <a:bodyPr rtlCol="0" anchor="ctr"/>
+          <a:lstStyle/>
+          <a:p>
+            <a:pPr algn="ctr"/>
+            <a:endParaRPr lang="ko-KR" altLang="en-US">
+              <a:solidFill>
+                <a:schemeClr val="tx1"/>
+              </a:solidFill>
+              <a:latin typeface="나눔고딕" pitchFamily="50" charset="-127"/>
+              <a:ea typeface="나눔고딕" pitchFamily="50" charset="-127"/>
+            </a:endParaRPr>
+          </a:p>
+        </p:txBody>
+      </p:sp>
+      <p:sp>
+        <p:nvSpPr>
+          <p:cNvPr id="21" name="TextBox 20"/>
+          <p:cNvSpPr txBox="1"/>
+          <p:nvPr/>
+        </p:nvSpPr>
+        <p:spPr>
+          <a:xfrm>
+            <a:off x="1547664" y="980728"/>
+            <a:ext cx="909160" cy="369332"/>
+          </a:xfrm>
+          <a:prstGeom prst="rect">
+            <a:avLst/>
+          </a:prstGeom>
+          <a:noFill/>
+        </p:spPr>
+        <p:txBody>
+          <a:bodyPr wrap="none" rtlCol="0">
+            <a:spAutoFit/>
+          </a:bodyPr>
+          <a:lstStyle/>
+          <a:p>
+            <a:r>
+              <a:rPr lang="en-US" altLang="ko-KR" dirty="0" smtClean="0"/>
+              <a:t>predict</a:t>
+            </a:r>
+            <a:endParaRPr lang="ko-KR" altLang="en-US" dirty="0"/>
+          </a:p>
+        </p:txBody>
+      </p:sp>
+      <p:sp>
+        <p:nvSpPr>
+          <p:cNvPr id="50" name="TextBox 49"/>
+          <p:cNvSpPr txBox="1"/>
+          <p:nvPr/>
+        </p:nvSpPr>
+        <p:spPr>
+          <a:xfrm>
+            <a:off x="6759184" y="980728"/>
+            <a:ext cx="1066254" cy="369332"/>
+          </a:xfrm>
+          <a:prstGeom prst="rect">
+            <a:avLst/>
+          </a:prstGeom>
+          <a:noFill/>
+        </p:spPr>
+        <p:txBody>
+          <a:bodyPr wrap="none" rtlCol="0">
+            <a:spAutoFit/>
+          </a:bodyPr>
+          <a:lstStyle/>
+          <a:p>
+            <a:r>
+              <a:rPr lang="en-US" altLang="ko-KR" dirty="0" smtClean="0"/>
+              <a:t>measure</a:t>
+            </a:r>
+            <a:endParaRPr lang="ko-KR" altLang="en-US" dirty="0"/>
+          </a:p>
+        </p:txBody>
+      </p:sp>
+      <p:sp>
+        <p:nvSpPr>
+          <p:cNvPr id="51" name="TextBox 50"/>
+          <p:cNvSpPr txBox="1"/>
+          <p:nvPr/>
+        </p:nvSpPr>
+        <p:spPr>
+          <a:xfrm>
+            <a:off x="6895442" y="5532829"/>
+            <a:ext cx="916918" cy="369332"/>
+          </a:xfrm>
+          <a:prstGeom prst="rect">
+            <a:avLst/>
+          </a:prstGeom>
+          <a:noFill/>
+        </p:spPr>
+        <p:txBody>
+          <a:bodyPr wrap="none" rtlCol="0">
+            <a:spAutoFit/>
+          </a:bodyPr>
+          <a:lstStyle/>
+          <a:p>
+            <a:r>
+              <a:rPr lang="en-US" altLang="ko-KR" dirty="0" smtClean="0"/>
+              <a:t>update</a:t>
+            </a:r>
+            <a:endParaRPr lang="ko-KR" altLang="en-US" dirty="0"/>
+          </a:p>
+        </p:txBody>
+      </p:sp>
+      <mc:AlternateContent xmlns:mc="http://schemas.openxmlformats.org/markup-compatibility/2006">
+        <mc:Choice xmlns:a14="http://schemas.microsoft.com/office/drawing/2010/main" Requires="a14">
+          <p:sp>
+            <p:nvSpPr>
+              <p:cNvPr id="52" name="TextBox 51"/>
+              <p:cNvSpPr txBox="1"/>
+              <p:nvPr/>
+            </p:nvSpPr>
+            <p:spPr>
+              <a:xfrm>
+                <a:off x="1563571" y="5532829"/>
+                <a:ext cx="1230658" cy="369332"/>
+              </a:xfrm>
+              <a:prstGeom prst="rect">
+                <a:avLst/>
+              </a:prstGeom>
+              <a:noFill/>
+            </p:spPr>
+            <p:txBody>
+              <a:bodyPr wrap="none" rtlCol="0">
+                <a:spAutoFit/>
+              </a:bodyPr>
+              <a:lstStyle/>
+              <a:p>
+                <a:r>
+                  <a:rPr lang="en-US" altLang="ko-KR" dirty="0" smtClean="0"/>
+                  <a:t>time </a:t>
+                </a:r>
+                <a14:m>
+                  <m:oMath xmlns:m="http://schemas.openxmlformats.org/officeDocument/2006/math">
+                    <m:r>
+                      <a:rPr lang="en-US" altLang="ko-KR" b="0" i="1" smtClean="0">
+                        <a:latin typeface="Cambria Math"/>
+                      </a:rPr>
+                      <m:t>𝑡</m:t>
+                    </m:r>
+                    <m:r>
+                      <a:rPr lang="en-US" altLang="ko-KR" b="0" i="1" smtClean="0">
+                        <a:latin typeface="Cambria Math"/>
+                      </a:rPr>
+                      <m:t>+1</m:t>
+                    </m:r>
+                  </m:oMath>
+                </a14:m>
+                <a:endParaRPr lang="ko-KR" altLang="en-US" dirty="0"/>
+              </a:p>
+            </p:txBody>
+          </p:sp>
+        </mc:Choice>
+        <mc:Fallback>
+          <p:sp>
+            <p:nvSpPr>
+              <p:cNvPr id="52" name="TextBox 51"/>
+              <p:cNvSpPr txBox="1">
+                <a:spLocks noRot="1" noChangeAspect="1" noMove="1" noResize="1" noEditPoints="1" noAdjustHandles="1" noChangeArrowheads="1" noChangeShapeType="1" noTextEdit="1"/>
+              </p:cNvSpPr>
+              <p:nvPr/>
+            </p:nvSpPr>
+            <p:spPr>
+              <a:xfrm>
+                <a:off x="1563571" y="5532829"/>
+                <a:ext cx="1230658" cy="369332"/>
+              </a:xfrm>
+              <a:prstGeom prst="rect">
+                <a:avLst/>
+              </a:prstGeom>
+              <a:blipFill rotWithShape="1">
+                <a:blip r:embed="rId6"/>
+                <a:stretch>
+                  <a:fillRect l="-3960" t="-8333" b="-26667"/>
+                </a:stretch>
+              </a:blipFill>
+            </p:spPr>
+            <p:txBody>
+              <a:bodyPr/>
+              <a:lstStyle/>
+              <a:p>
+                <a:r>
+                  <a:rPr lang="ko-KR" altLang="en-US">
+                    <a:noFill/>
+                  </a:rPr>
+                  <a:t> </a:t>
+                </a:r>
+              </a:p>
+            </p:txBody>
+          </p:sp>
+        </mc:Fallback>
+      </mc:AlternateContent>
+      <p:pic>
+        <p:nvPicPr>
+          <p:cNvPr id="54" name="Picture 7"/>
+          <p:cNvPicPr>
+            <a:picLocks noChangeAspect="1" noChangeArrowheads="1"/>
+          </p:cNvPicPr>
+          <p:nvPr/>
+        </p:nvPicPr>
+        <p:blipFill>
+          <a:blip r:embed="rId7" cstate="print">
+            <a:extLst>
+              <a:ext uri="{28A0092B-C50C-407E-A947-70E740481C1C}">
+                <a14:useLocalDpi xmlns:a14="http://schemas.microsoft.com/office/drawing/2010/main" val="0"/>
+              </a:ext>
+            </a:extLst>
+          </a:blip>
+          <a:srcRect/>
+          <a:stretch>
+            <a:fillRect/>
+          </a:stretch>
+        </p:blipFill>
+        <p:spPr bwMode="auto">
+          <a:xfrm>
+            <a:off x="7576210" y="2495929"/>
+            <a:ext cx="1091887" cy="1696731"/>
+          </a:xfrm>
+          <a:prstGeom prst="rect">
+            <a:avLst/>
+          </a:prstGeom>
+          <a:noFill/>
+          <a:ln>
+            <a:noFill/>
+          </a:ln>
+          <a:effectLst/>
+          <a:extLst>
+            <a:ext uri="{909E8E84-426E-40DD-AFC4-6F175D3DCCD1}">
+              <a14:hiddenFill xmlns:a14="http://schemas.microsoft.com/office/drawing/2010/main">
+                <a:solidFill>
+                  <a:schemeClr val="accent1"/>
+                </a:solidFill>
+              </a14:hiddenFill>
+            </a:ext>
+            <a:ext uri="{91240B29-F687-4F45-9708-019B960494DF}">
+              <a14:hiddenLine xmlns:a14="http://schemas.microsoft.com/office/drawing/2010/main" w="9525">
+                <a:solidFill>
+                  <a:schemeClr val="tx1"/>
+                </a:solidFill>
+                <a:miter lim="800000"/>
+                <a:headEnd/>
+                <a:tailEnd/>
+              </a14:hiddenLine>
+            </a:ext>
+            <a:ext uri="{AF507438-7753-43E0-B8FC-AC1667EBCBE1}">
+              <a14:hiddenEffects xmlns:a14="http://schemas.microsoft.com/office/drawing/2010/main">
+                <a:effectLst>
+                  <a:outerShdw dist="35921" dir="2700000" algn="ctr" rotWithShape="0">
+                    <a:schemeClr val="bg2"/>
+                  </a:outerShdw>
+                </a:effectLst>
+              </a14:hiddenEffects>
+            </a:ext>
+          </a:extLst>
+        </p:spPr>
+      </p:pic>
+    </p:spTree>
+    <p:extLst>
+      <p:ext uri="{BB962C8B-B14F-4D97-AF65-F5344CB8AC3E}">
+        <p14:creationId xmlns:p14="http://schemas.microsoft.com/office/powerpoint/2010/main" val="3310833429"/>
+      </p:ext>
+    </p:extLst>
+  </p:cSld>
+  <p:clrMapOvr>
+    <a:masterClrMapping/>
+  </p:clrMapOvr>
+  <p:timing>
+    <p:tnLst>
+      <p:par>
+        <p:cTn id="1" dur="indefinite" restart="never" nodeType="tmRoot"/>
+      </p:par>
+    </p:tnLst>
+  </p:timing>
 </p:sld>
 </file>
 
